--- a/MAJDI/Maquette/Maquette.pptx
+++ b/MAJDI/Maquette/Maquette.pptx
@@ -15,6 +15,10 @@
     <p:sldId id="275" r:id="rId9"/>
     <p:sldId id="273" r:id="rId10"/>
     <p:sldId id="274" r:id="rId11"/>
+    <p:sldId id="276" r:id="rId12"/>
+    <p:sldId id="277" r:id="rId13"/>
+    <p:sldId id="278" r:id="rId14"/>
+    <p:sldId id="279" r:id="rId15"/>
   </p:sldIdLst>
   <p:sldSz cx="14401800" cy="7200900"/>
   <p:notesSz cx="6858000" cy="9144000"/>
@@ -5032,6 +5036,7104 @@
     <p:extLst>
       <p:ext uri="{BB962C8B-B14F-4D97-AF65-F5344CB8AC3E}">
         <p14:creationId xmlns:p14="http://schemas.microsoft.com/office/powerpoint/2010/main" val="1256407179"/>
+      </p:ext>
+    </p:extLst>
+  </p:cSld>
+  <p:clrMapOvr>
+    <a:masterClrMapping/>
+  </p:clrMapOvr>
+  <p:timing>
+    <p:tnLst>
+      <p:par>
+        <p:cTn id="1" dur="indefinite" restart="never" nodeType="tmRoot"/>
+      </p:par>
+    </p:tnLst>
+  </p:timing>
+</p:sld>
+</file>
+
+<file path=ppt/slides/slide11.xml><?xml version="1.0" encoding="utf-8"?>
+<p:sld xmlns:a="http://schemas.openxmlformats.org/drawingml/2006/main" xmlns:r="http://schemas.openxmlformats.org/officeDocument/2006/relationships" xmlns:p="http://schemas.openxmlformats.org/presentationml/2006/main">
+  <p:cSld>
+    <p:spTree>
+      <p:nvGrpSpPr>
+        <p:cNvPr id="1" name=""/>
+        <p:cNvGrpSpPr/>
+        <p:nvPr/>
+      </p:nvGrpSpPr>
+      <p:grpSpPr>
+        <a:xfrm>
+          <a:off x="0" y="0"/>
+          <a:ext cx="0" cy="0"/>
+          <a:chOff x="0" y="0"/>
+          <a:chExt cx="0" cy="0"/>
+        </a:xfrm>
+      </p:grpSpPr>
+      <p:sp>
+        <p:nvSpPr>
+          <p:cNvPr id="40" name="Rectangle 39"/>
+          <p:cNvSpPr/>
+          <p:nvPr/>
+        </p:nvSpPr>
+        <p:spPr>
+          <a:xfrm>
+            <a:off x="442950" y="349290"/>
+            <a:ext cx="13382686" cy="6577931"/>
+          </a:xfrm>
+          <a:prstGeom prst="rect">
+            <a:avLst/>
+          </a:prstGeom>
+          <a:gradFill flip="none" rotWithShape="1">
+            <a:gsLst>
+              <a:gs pos="0">
+                <a:schemeClr val="accent1">
+                  <a:lumMod val="75000"/>
+                  <a:tint val="66000"/>
+                  <a:satMod val="160000"/>
+                </a:schemeClr>
+              </a:gs>
+              <a:gs pos="50000">
+                <a:schemeClr val="accent1">
+                  <a:lumMod val="75000"/>
+                  <a:tint val="44500"/>
+                  <a:satMod val="160000"/>
+                </a:schemeClr>
+              </a:gs>
+              <a:gs pos="100000">
+                <a:schemeClr val="accent1">
+                  <a:lumMod val="75000"/>
+                  <a:tint val="23500"/>
+                  <a:satMod val="160000"/>
+                </a:schemeClr>
+              </a:gs>
+            </a:gsLst>
+            <a:path path="circle">
+              <a:fillToRect l="100000" t="100000"/>
+            </a:path>
+            <a:tileRect r="-100000" b="-100000"/>
+          </a:gradFill>
+          <a:ln>
+            <a:solidFill>
+              <a:schemeClr val="tx1"/>
+            </a:solidFill>
+          </a:ln>
+        </p:spPr>
+        <p:style>
+          <a:lnRef idx="2">
+            <a:schemeClr val="accent1">
+              <a:shade val="50000"/>
+            </a:schemeClr>
+          </a:lnRef>
+          <a:fillRef idx="1">
+            <a:schemeClr val="accent1"/>
+          </a:fillRef>
+          <a:effectRef idx="0">
+            <a:schemeClr val="accent1"/>
+          </a:effectRef>
+          <a:fontRef idx="minor">
+            <a:schemeClr val="lt1"/>
+          </a:fontRef>
+        </p:style>
+        <p:txBody>
+          <a:bodyPr lIns="101206" tIns="50604" rIns="101206" bIns="50604" rtlCol="0" anchor="ctr"/>
+          <a:lstStyle/>
+          <a:p>
+            <a:pPr algn="ctr"/>
+            <a:endParaRPr lang="en-US" dirty="0">
+              <a:gradFill flip="none" rotWithShape="1">
+                <a:gsLst>
+                  <a:gs pos="0">
+                    <a:schemeClr val="tx1">
+                      <a:tint val="66000"/>
+                      <a:satMod val="160000"/>
+                    </a:schemeClr>
+                  </a:gs>
+                  <a:gs pos="50000">
+                    <a:schemeClr val="tx1">
+                      <a:tint val="44500"/>
+                      <a:satMod val="160000"/>
+                    </a:schemeClr>
+                  </a:gs>
+                  <a:gs pos="100000">
+                    <a:schemeClr val="tx1">
+                      <a:tint val="23500"/>
+                      <a:satMod val="160000"/>
+                    </a:schemeClr>
+                  </a:gs>
+                </a:gsLst>
+                <a:lin ang="5400000" scaled="1"/>
+                <a:tileRect/>
+              </a:gradFill>
+            </a:endParaRPr>
+          </a:p>
+        </p:txBody>
+      </p:sp>
+      <p:sp>
+        <p:nvSpPr>
+          <p:cNvPr id="27" name="Rounded Rectangle 26"/>
+          <p:cNvSpPr/>
+          <p:nvPr/>
+        </p:nvSpPr>
+        <p:spPr>
+          <a:xfrm>
+            <a:off x="720180" y="1397083"/>
+            <a:ext cx="3456384" cy="748730"/>
+          </a:xfrm>
+          <a:prstGeom prst="roundRect">
+            <a:avLst/>
+          </a:prstGeom>
+          <a:gradFill flip="none" rotWithShape="1">
+            <a:gsLst>
+              <a:gs pos="0">
+                <a:schemeClr val="accent1">
+                  <a:shade val="30000"/>
+                  <a:satMod val="115000"/>
+                </a:schemeClr>
+              </a:gs>
+              <a:gs pos="50000">
+                <a:schemeClr val="accent1">
+                  <a:shade val="67500"/>
+                  <a:satMod val="115000"/>
+                </a:schemeClr>
+              </a:gs>
+              <a:gs pos="100000">
+                <a:schemeClr val="accent1">
+                  <a:shade val="100000"/>
+                  <a:satMod val="115000"/>
+                </a:schemeClr>
+              </a:gs>
+            </a:gsLst>
+            <a:path path="circle">
+              <a:fillToRect l="100000" t="100000"/>
+            </a:path>
+            <a:tileRect r="-100000" b="-100000"/>
+          </a:gradFill>
+          <a:ln>
+            <a:solidFill>
+              <a:srgbClr val="002060"/>
+            </a:solidFill>
+          </a:ln>
+        </p:spPr>
+        <p:style>
+          <a:lnRef idx="2">
+            <a:schemeClr val="accent1">
+              <a:shade val="50000"/>
+            </a:schemeClr>
+          </a:lnRef>
+          <a:fillRef idx="1">
+            <a:schemeClr val="accent1"/>
+          </a:fillRef>
+          <a:effectRef idx="0">
+            <a:schemeClr val="accent1"/>
+          </a:effectRef>
+          <a:fontRef idx="minor">
+            <a:schemeClr val="lt1"/>
+          </a:fontRef>
+        </p:style>
+        <p:txBody>
+          <a:bodyPr rtlCol="0" anchor="ctr"/>
+          <a:lstStyle/>
+          <a:p>
+            <a:pPr algn="ctr"/>
+            <a:endParaRPr lang="en-GB">
+              <a:ln>
+                <a:solidFill>
+                  <a:srgbClr val="002060"/>
+                </a:solidFill>
+              </a:ln>
+            </a:endParaRPr>
+          </a:p>
+        </p:txBody>
+      </p:sp>
+      <p:sp>
+        <p:nvSpPr>
+          <p:cNvPr id="28" name="Rounded Rectangle 27"/>
+          <p:cNvSpPr/>
+          <p:nvPr/>
+        </p:nvSpPr>
+        <p:spPr>
+          <a:xfrm>
+            <a:off x="720180" y="2303464"/>
+            <a:ext cx="3456384" cy="648914"/>
+          </a:xfrm>
+          <a:prstGeom prst="roundRect">
+            <a:avLst/>
+          </a:prstGeom>
+          <a:gradFill flip="none" rotWithShape="1">
+            <a:gsLst>
+              <a:gs pos="0">
+                <a:schemeClr val="accent1">
+                  <a:shade val="30000"/>
+                  <a:satMod val="115000"/>
+                </a:schemeClr>
+              </a:gs>
+              <a:gs pos="50000">
+                <a:schemeClr val="accent1">
+                  <a:shade val="67500"/>
+                  <a:satMod val="115000"/>
+                </a:schemeClr>
+              </a:gs>
+              <a:gs pos="100000">
+                <a:schemeClr val="accent1">
+                  <a:shade val="100000"/>
+                  <a:satMod val="115000"/>
+                </a:schemeClr>
+              </a:gs>
+            </a:gsLst>
+            <a:path path="circle">
+              <a:fillToRect l="100000" t="100000"/>
+            </a:path>
+            <a:tileRect r="-100000" b="-100000"/>
+          </a:gradFill>
+          <a:ln>
+            <a:solidFill>
+              <a:srgbClr val="002060"/>
+            </a:solidFill>
+          </a:ln>
+        </p:spPr>
+        <p:style>
+          <a:lnRef idx="2">
+            <a:schemeClr val="accent1">
+              <a:shade val="50000"/>
+            </a:schemeClr>
+          </a:lnRef>
+          <a:fillRef idx="1">
+            <a:schemeClr val="accent1"/>
+          </a:fillRef>
+          <a:effectRef idx="0">
+            <a:schemeClr val="accent1"/>
+          </a:effectRef>
+          <a:fontRef idx="minor">
+            <a:schemeClr val="lt1"/>
+          </a:fontRef>
+        </p:style>
+        <p:txBody>
+          <a:bodyPr rtlCol="0" anchor="ctr"/>
+          <a:lstStyle/>
+          <a:p>
+            <a:pPr algn="ctr"/>
+            <a:endParaRPr lang="en-GB">
+              <a:ln>
+                <a:solidFill>
+                  <a:srgbClr val="002060"/>
+                </a:solidFill>
+              </a:ln>
+            </a:endParaRPr>
+          </a:p>
+        </p:txBody>
+      </p:sp>
+      <p:sp>
+        <p:nvSpPr>
+          <p:cNvPr id="29" name="Rounded Rectangle 28"/>
+          <p:cNvSpPr/>
+          <p:nvPr/>
+        </p:nvSpPr>
+        <p:spPr>
+          <a:xfrm>
+            <a:off x="720180" y="3958709"/>
+            <a:ext cx="3487277" cy="779709"/>
+          </a:xfrm>
+          <a:prstGeom prst="roundRect">
+            <a:avLst/>
+          </a:prstGeom>
+          <a:gradFill flip="none" rotWithShape="1">
+            <a:gsLst>
+              <a:gs pos="0">
+                <a:srgbClr val="00B0F0">
+                  <a:shade val="30000"/>
+                  <a:satMod val="115000"/>
+                </a:srgbClr>
+              </a:gs>
+              <a:gs pos="50000">
+                <a:srgbClr val="00B0F0">
+                  <a:shade val="67500"/>
+                  <a:satMod val="115000"/>
+                </a:srgbClr>
+              </a:gs>
+              <a:gs pos="100000">
+                <a:srgbClr val="00B0F0">
+                  <a:shade val="100000"/>
+                  <a:satMod val="115000"/>
+                </a:srgbClr>
+              </a:gs>
+            </a:gsLst>
+            <a:path path="circle">
+              <a:fillToRect l="100000" t="100000"/>
+            </a:path>
+            <a:tileRect r="-100000" b="-100000"/>
+          </a:gradFill>
+          <a:ln>
+            <a:solidFill>
+              <a:srgbClr val="002060"/>
+            </a:solidFill>
+          </a:ln>
+        </p:spPr>
+        <p:style>
+          <a:lnRef idx="2">
+            <a:schemeClr val="accent1">
+              <a:shade val="50000"/>
+            </a:schemeClr>
+          </a:lnRef>
+          <a:fillRef idx="1">
+            <a:schemeClr val="accent1"/>
+          </a:fillRef>
+          <a:effectRef idx="0">
+            <a:schemeClr val="accent1"/>
+          </a:effectRef>
+          <a:fontRef idx="minor">
+            <a:schemeClr val="lt1"/>
+          </a:fontRef>
+        </p:style>
+        <p:txBody>
+          <a:bodyPr rtlCol="0" anchor="ctr"/>
+          <a:lstStyle/>
+          <a:p>
+            <a:pPr algn="ctr"/>
+            <a:endParaRPr lang="en-GB">
+              <a:ln>
+                <a:solidFill>
+                  <a:srgbClr val="002060"/>
+                </a:solidFill>
+              </a:ln>
+            </a:endParaRPr>
+          </a:p>
+        </p:txBody>
+      </p:sp>
+      <p:sp>
+        <p:nvSpPr>
+          <p:cNvPr id="24" name="Rounded Rectangle 23"/>
+          <p:cNvSpPr/>
+          <p:nvPr/>
+        </p:nvSpPr>
+        <p:spPr>
+          <a:xfrm>
+            <a:off x="720180" y="511594"/>
+            <a:ext cx="3456384" cy="779709"/>
+          </a:xfrm>
+          <a:prstGeom prst="roundRect">
+            <a:avLst/>
+          </a:prstGeom>
+          <a:gradFill flip="none" rotWithShape="1">
+            <a:gsLst>
+              <a:gs pos="0">
+                <a:schemeClr val="accent1">
+                  <a:shade val="30000"/>
+                  <a:satMod val="115000"/>
+                </a:schemeClr>
+              </a:gs>
+              <a:gs pos="50000">
+                <a:schemeClr val="accent1">
+                  <a:shade val="67500"/>
+                  <a:satMod val="115000"/>
+                </a:schemeClr>
+              </a:gs>
+              <a:gs pos="100000">
+                <a:schemeClr val="accent1">
+                  <a:shade val="100000"/>
+                  <a:satMod val="115000"/>
+                </a:schemeClr>
+              </a:gs>
+            </a:gsLst>
+            <a:path path="circle">
+              <a:fillToRect l="100000" t="100000"/>
+            </a:path>
+            <a:tileRect r="-100000" b="-100000"/>
+          </a:gradFill>
+          <a:ln>
+            <a:solidFill>
+              <a:srgbClr val="002060"/>
+            </a:solidFill>
+          </a:ln>
+        </p:spPr>
+        <p:style>
+          <a:lnRef idx="2">
+            <a:schemeClr val="accent1">
+              <a:shade val="50000"/>
+            </a:schemeClr>
+          </a:lnRef>
+          <a:fillRef idx="1">
+            <a:schemeClr val="accent1"/>
+          </a:fillRef>
+          <a:effectRef idx="0">
+            <a:schemeClr val="accent1"/>
+          </a:effectRef>
+          <a:fontRef idx="minor">
+            <a:schemeClr val="lt1"/>
+          </a:fontRef>
+        </p:style>
+        <p:txBody>
+          <a:bodyPr rtlCol="0" anchor="ctr"/>
+          <a:lstStyle/>
+          <a:p>
+            <a:pPr algn="ctr"/>
+            <a:endParaRPr lang="en-GB">
+              <a:ln>
+                <a:solidFill>
+                  <a:srgbClr val="002060"/>
+                </a:solidFill>
+              </a:ln>
+            </a:endParaRPr>
+          </a:p>
+        </p:txBody>
+      </p:sp>
+      <p:sp>
+        <p:nvSpPr>
+          <p:cNvPr id="14" name="TextBox 13"/>
+          <p:cNvSpPr txBox="1"/>
+          <p:nvPr/>
+        </p:nvSpPr>
+        <p:spPr>
+          <a:xfrm>
+            <a:off x="720180" y="1584226"/>
+            <a:ext cx="3456384" cy="409973"/>
+          </a:xfrm>
+          <a:prstGeom prst="rect">
+            <a:avLst/>
+          </a:prstGeom>
+          <a:noFill/>
+        </p:spPr>
+        <p:txBody>
+          <a:bodyPr wrap="square" lIns="101206" tIns="50604" rIns="101206" bIns="50604" rtlCol="0">
+            <a:spAutoFit/>
+          </a:bodyPr>
+          <a:lstStyle/>
+          <a:p>
+            <a:pPr algn="ctr"/>
+            <a:r>
+              <a:rPr lang="fr-FR" b="1" dirty="0" smtClean="0">
+                <a:solidFill>
+                  <a:schemeClr val="bg1"/>
+                </a:solidFill>
+              </a:rPr>
+              <a:t>Gestions des fiches diététique</a:t>
+            </a:r>
+            <a:endParaRPr lang="en-US" b="1" dirty="0">
+              <a:solidFill>
+                <a:schemeClr val="bg1"/>
+              </a:solidFill>
+            </a:endParaRPr>
+          </a:p>
+        </p:txBody>
+      </p:sp>
+      <p:sp>
+        <p:nvSpPr>
+          <p:cNvPr id="15" name="TextBox 14"/>
+          <p:cNvSpPr txBox="1"/>
+          <p:nvPr/>
+        </p:nvSpPr>
+        <p:spPr>
+          <a:xfrm>
+            <a:off x="864196" y="2399232"/>
+            <a:ext cx="3343261" cy="409973"/>
+          </a:xfrm>
+          <a:prstGeom prst="rect">
+            <a:avLst/>
+          </a:prstGeom>
+          <a:noFill/>
+        </p:spPr>
+        <p:txBody>
+          <a:bodyPr wrap="none" lIns="101206" tIns="50604" rIns="101206" bIns="50604" rtlCol="0">
+            <a:spAutoFit/>
+          </a:bodyPr>
+          <a:lstStyle/>
+          <a:p>
+            <a:r>
+              <a:rPr lang="fr-FR" b="1" dirty="0" smtClean="0">
+                <a:solidFill>
+                  <a:schemeClr val="bg1"/>
+                </a:solidFill>
+              </a:rPr>
+              <a:t>Consulter les fiches médicaux</a:t>
+            </a:r>
+            <a:endParaRPr lang="en-US" b="1" dirty="0">
+              <a:solidFill>
+                <a:schemeClr val="bg1"/>
+              </a:solidFill>
+            </a:endParaRPr>
+          </a:p>
+        </p:txBody>
+      </p:sp>
+      <p:sp>
+        <p:nvSpPr>
+          <p:cNvPr id="10" name="Multiplier 9"/>
+          <p:cNvSpPr/>
+          <p:nvPr/>
+        </p:nvSpPr>
+        <p:spPr>
+          <a:xfrm>
+            <a:off x="13256686" y="358080"/>
+            <a:ext cx="562569" cy="450057"/>
+          </a:xfrm>
+          <a:prstGeom prst="mathMultiply">
+            <a:avLst/>
+          </a:prstGeom>
+          <a:solidFill>
+            <a:srgbClr val="C00000"/>
+          </a:solidFill>
+          <a:ln w="3175">
+            <a:solidFill>
+              <a:schemeClr val="tx1"/>
+            </a:solidFill>
+          </a:ln>
+        </p:spPr>
+        <p:style>
+          <a:lnRef idx="2">
+            <a:schemeClr val="accent1">
+              <a:shade val="50000"/>
+            </a:schemeClr>
+          </a:lnRef>
+          <a:fillRef idx="1">
+            <a:schemeClr val="accent1"/>
+          </a:fillRef>
+          <a:effectRef idx="0">
+            <a:schemeClr val="accent1"/>
+          </a:effectRef>
+          <a:fontRef idx="minor">
+            <a:schemeClr val="lt1"/>
+          </a:fontRef>
+        </p:style>
+        <p:txBody>
+          <a:bodyPr lIns="101206" tIns="50604" rIns="101206" bIns="50604" anchor="ctr"/>
+          <a:lstStyle>
+            <a:defPPr>
+              <a:defRPr lang="fr-FR"/>
+            </a:defPPr>
+            <a:lvl1pPr algn="l" rtl="0" fontAlgn="base">
+              <a:spcBef>
+                <a:spcPct val="0"/>
+              </a:spcBef>
+              <a:spcAft>
+                <a:spcPct val="0"/>
+              </a:spcAft>
+              <a:defRPr kern="1200">
+                <a:solidFill>
+                  <a:schemeClr val="lt1"/>
+                </a:solidFill>
+                <a:latin typeface="+mn-lt"/>
+                <a:ea typeface="+mn-ea"/>
+                <a:cs typeface="+mn-cs"/>
+              </a:defRPr>
+            </a:lvl1pPr>
+            <a:lvl2pPr marL="457200" algn="l" rtl="0" fontAlgn="base">
+              <a:spcBef>
+                <a:spcPct val="0"/>
+              </a:spcBef>
+              <a:spcAft>
+                <a:spcPct val="0"/>
+              </a:spcAft>
+              <a:defRPr kern="1200">
+                <a:solidFill>
+                  <a:schemeClr val="lt1"/>
+                </a:solidFill>
+                <a:latin typeface="+mn-lt"/>
+                <a:ea typeface="+mn-ea"/>
+                <a:cs typeface="+mn-cs"/>
+              </a:defRPr>
+            </a:lvl2pPr>
+            <a:lvl3pPr marL="914400" algn="l" rtl="0" fontAlgn="base">
+              <a:spcBef>
+                <a:spcPct val="0"/>
+              </a:spcBef>
+              <a:spcAft>
+                <a:spcPct val="0"/>
+              </a:spcAft>
+              <a:defRPr kern="1200">
+                <a:solidFill>
+                  <a:schemeClr val="lt1"/>
+                </a:solidFill>
+                <a:latin typeface="+mn-lt"/>
+                <a:ea typeface="+mn-ea"/>
+                <a:cs typeface="+mn-cs"/>
+              </a:defRPr>
+            </a:lvl3pPr>
+            <a:lvl4pPr marL="1371600" algn="l" rtl="0" fontAlgn="base">
+              <a:spcBef>
+                <a:spcPct val="0"/>
+              </a:spcBef>
+              <a:spcAft>
+                <a:spcPct val="0"/>
+              </a:spcAft>
+              <a:defRPr kern="1200">
+                <a:solidFill>
+                  <a:schemeClr val="lt1"/>
+                </a:solidFill>
+                <a:latin typeface="+mn-lt"/>
+                <a:ea typeface="+mn-ea"/>
+                <a:cs typeface="+mn-cs"/>
+              </a:defRPr>
+            </a:lvl4pPr>
+            <a:lvl5pPr marL="1828800" algn="l" rtl="0" fontAlgn="base">
+              <a:spcBef>
+                <a:spcPct val="0"/>
+              </a:spcBef>
+              <a:spcAft>
+                <a:spcPct val="0"/>
+              </a:spcAft>
+              <a:defRPr kern="1200">
+                <a:solidFill>
+                  <a:schemeClr val="lt1"/>
+                </a:solidFill>
+                <a:latin typeface="+mn-lt"/>
+                <a:ea typeface="+mn-ea"/>
+                <a:cs typeface="+mn-cs"/>
+              </a:defRPr>
+            </a:lvl5pPr>
+            <a:lvl6pPr marL="2286000" algn="l" defTabSz="914400" rtl="0" eaLnBrk="1" latinLnBrk="0" hangingPunct="1">
+              <a:defRPr kern="1200">
+                <a:solidFill>
+                  <a:schemeClr val="lt1"/>
+                </a:solidFill>
+                <a:latin typeface="+mn-lt"/>
+                <a:ea typeface="+mn-ea"/>
+                <a:cs typeface="+mn-cs"/>
+              </a:defRPr>
+            </a:lvl6pPr>
+            <a:lvl7pPr marL="2743200" algn="l" defTabSz="914400" rtl="0" eaLnBrk="1" latinLnBrk="0" hangingPunct="1">
+              <a:defRPr kern="1200">
+                <a:solidFill>
+                  <a:schemeClr val="lt1"/>
+                </a:solidFill>
+                <a:latin typeface="+mn-lt"/>
+                <a:ea typeface="+mn-ea"/>
+                <a:cs typeface="+mn-cs"/>
+              </a:defRPr>
+            </a:lvl7pPr>
+            <a:lvl8pPr marL="3200400" algn="l" defTabSz="914400" rtl="0" eaLnBrk="1" latinLnBrk="0" hangingPunct="1">
+              <a:defRPr kern="1200">
+                <a:solidFill>
+                  <a:schemeClr val="lt1"/>
+                </a:solidFill>
+                <a:latin typeface="+mn-lt"/>
+                <a:ea typeface="+mn-ea"/>
+                <a:cs typeface="+mn-cs"/>
+              </a:defRPr>
+            </a:lvl8pPr>
+            <a:lvl9pPr marL="3657600" algn="l" defTabSz="914400" rtl="0" eaLnBrk="1" latinLnBrk="0" hangingPunct="1">
+              <a:defRPr kern="1200">
+                <a:solidFill>
+                  <a:schemeClr val="lt1"/>
+                </a:solidFill>
+                <a:latin typeface="+mn-lt"/>
+                <a:ea typeface="+mn-ea"/>
+                <a:cs typeface="+mn-cs"/>
+              </a:defRPr>
+            </a:lvl9pPr>
+          </a:lstStyle>
+          <a:p>
+            <a:pPr algn="ctr">
+              <a:defRPr/>
+            </a:pPr>
+            <a:endParaRPr lang="fr-FR"/>
+          </a:p>
+        </p:txBody>
+      </p:sp>
+      <p:sp>
+        <p:nvSpPr>
+          <p:cNvPr id="16" name="TextBox 15"/>
+          <p:cNvSpPr txBox="1"/>
+          <p:nvPr/>
+        </p:nvSpPr>
+        <p:spPr>
+          <a:xfrm>
+            <a:off x="720180" y="696463"/>
+            <a:ext cx="3456384" cy="409973"/>
+          </a:xfrm>
+          <a:prstGeom prst="rect">
+            <a:avLst/>
+          </a:prstGeom>
+          <a:noFill/>
+        </p:spPr>
+        <p:txBody>
+          <a:bodyPr wrap="square" lIns="101206" tIns="50604" rIns="101206" bIns="50604" rtlCol="0">
+            <a:spAutoFit/>
+          </a:bodyPr>
+          <a:lstStyle/>
+          <a:p>
+            <a:pPr algn="ctr"/>
+            <a:r>
+              <a:rPr lang="fr-FR" b="1" dirty="0" smtClean="0">
+                <a:solidFill>
+                  <a:schemeClr val="bg1"/>
+                </a:solidFill>
+              </a:rPr>
+              <a:t>Fiche Personnelle</a:t>
+            </a:r>
+            <a:endParaRPr lang="en-US" b="1" dirty="0">
+              <a:solidFill>
+                <a:schemeClr val="bg1"/>
+              </a:solidFill>
+            </a:endParaRPr>
+          </a:p>
+        </p:txBody>
+      </p:sp>
+      <p:cxnSp>
+        <p:nvCxnSpPr>
+          <p:cNvPr id="3" name="Straight Connector 2"/>
+          <p:cNvCxnSpPr/>
+          <p:nvPr/>
+        </p:nvCxnSpPr>
+        <p:spPr>
+          <a:xfrm>
+            <a:off x="4392588" y="349290"/>
+            <a:ext cx="0" cy="6577931"/>
+          </a:xfrm>
+          <a:prstGeom prst="line">
+            <a:avLst/>
+          </a:prstGeom>
+          <a:ln>
+            <a:solidFill>
+              <a:schemeClr val="tx1"/>
+            </a:solidFill>
+          </a:ln>
+        </p:spPr>
+        <p:style>
+          <a:lnRef idx="1">
+            <a:schemeClr val="accent1"/>
+          </a:lnRef>
+          <a:fillRef idx="0">
+            <a:schemeClr val="accent1"/>
+          </a:fillRef>
+          <a:effectRef idx="0">
+            <a:schemeClr val="accent1"/>
+          </a:effectRef>
+          <a:fontRef idx="minor">
+            <a:schemeClr val="tx1"/>
+          </a:fontRef>
+        </p:style>
+      </p:cxnSp>
+      <p:cxnSp>
+        <p:nvCxnSpPr>
+          <p:cNvPr id="7" name="Straight Connector 6"/>
+          <p:cNvCxnSpPr/>
+          <p:nvPr/>
+        </p:nvCxnSpPr>
+        <p:spPr>
+          <a:xfrm flipH="1">
+            <a:off x="509558" y="3827275"/>
+            <a:ext cx="3883030" cy="0"/>
+          </a:xfrm>
+          <a:prstGeom prst="line">
+            <a:avLst/>
+          </a:prstGeom>
+          <a:ln>
+            <a:solidFill>
+              <a:schemeClr val="tx1"/>
+            </a:solidFill>
+          </a:ln>
+        </p:spPr>
+        <p:style>
+          <a:lnRef idx="1">
+            <a:schemeClr val="accent1"/>
+          </a:lnRef>
+          <a:fillRef idx="0">
+            <a:schemeClr val="accent1"/>
+          </a:fillRef>
+          <a:effectRef idx="0">
+            <a:schemeClr val="accent1"/>
+          </a:effectRef>
+          <a:fontRef idx="minor">
+            <a:schemeClr val="tx1"/>
+          </a:fontRef>
+        </p:style>
+      </p:cxnSp>
+      <p:pic>
+        <p:nvPicPr>
+          <p:cNvPr id="17" name="Image 19" descr="870x489_calendrier-mai-2018.jpg"/>
+          <p:cNvPicPr>
+            <a:picLocks noChangeAspect="1"/>
+          </p:cNvPicPr>
+          <p:nvPr/>
+        </p:nvPicPr>
+        <p:blipFill>
+          <a:blip r:embed="rId2" cstate="print">
+            <a:extLst>
+              <a:ext uri="{28A0092B-C50C-407E-A947-70E740481C1C}">
+                <a14:useLocalDpi xmlns:a14="http://schemas.microsoft.com/office/drawing/2010/main" val="0"/>
+              </a:ext>
+            </a:extLst>
+          </a:blip>
+          <a:srcRect/>
+          <a:stretch>
+            <a:fillRect/>
+          </a:stretch>
+        </p:blipFill>
+        <p:spPr bwMode="auto">
+          <a:xfrm>
+            <a:off x="720180" y="4988578"/>
+            <a:ext cx="3487276" cy="1663386"/>
+          </a:xfrm>
+          <a:prstGeom prst="rect">
+            <a:avLst/>
+          </a:prstGeom>
+          <a:noFill/>
+          <a:ln w="19050">
+            <a:solidFill>
+              <a:srgbClr val="000000"/>
+            </a:solidFill>
+            <a:miter lim="800000"/>
+            <a:headEnd/>
+            <a:tailEnd/>
+          </a:ln>
+          <a:extLst>
+            <a:ext uri="{909E8E84-426E-40DD-AFC4-6F175D3DCCD1}">
+              <a14:hiddenFill xmlns:a14="http://schemas.microsoft.com/office/drawing/2010/main">
+                <a:solidFill>
+                  <a:srgbClr val="FFFFFF"/>
+                </a:solidFill>
+              </a14:hiddenFill>
+            </a:ext>
+          </a:extLst>
+        </p:spPr>
+      </p:pic>
+      <p:sp>
+        <p:nvSpPr>
+          <p:cNvPr id="19" name="TextBox 18"/>
+          <p:cNvSpPr txBox="1"/>
+          <p:nvPr/>
+        </p:nvSpPr>
+        <p:spPr>
+          <a:xfrm>
+            <a:off x="720180" y="4143578"/>
+            <a:ext cx="3487277" cy="409973"/>
+          </a:xfrm>
+          <a:prstGeom prst="rect">
+            <a:avLst/>
+          </a:prstGeom>
+          <a:noFill/>
+        </p:spPr>
+        <p:txBody>
+          <a:bodyPr wrap="square" lIns="101206" tIns="50604" rIns="101206" bIns="50604" rtlCol="0">
+            <a:spAutoFit/>
+          </a:bodyPr>
+          <a:lstStyle/>
+          <a:p>
+            <a:pPr algn="ctr"/>
+            <a:r>
+              <a:rPr lang="fr-FR" b="1" dirty="0" smtClean="0">
+                <a:solidFill>
+                  <a:schemeClr val="bg1"/>
+                </a:solidFill>
+              </a:rPr>
+              <a:t>Calendrier</a:t>
+            </a:r>
+            <a:endParaRPr lang="en-US" b="1" dirty="0">
+              <a:solidFill>
+                <a:schemeClr val="bg1"/>
+              </a:solidFill>
+            </a:endParaRPr>
+          </a:p>
+        </p:txBody>
+      </p:sp>
+      <p:sp>
+        <p:nvSpPr>
+          <p:cNvPr id="8" name="Rounded Rectangle 7"/>
+          <p:cNvSpPr/>
+          <p:nvPr/>
+        </p:nvSpPr>
+        <p:spPr>
+          <a:xfrm>
+            <a:off x="720181" y="3071193"/>
+            <a:ext cx="3456384" cy="567063"/>
+          </a:xfrm>
+          <a:prstGeom prst="roundRect">
+            <a:avLst/>
+          </a:prstGeom>
+          <a:gradFill flip="none" rotWithShape="1">
+            <a:gsLst>
+              <a:gs pos="0">
+                <a:srgbClr val="FF0000">
+                  <a:shade val="30000"/>
+                  <a:satMod val="115000"/>
+                </a:srgbClr>
+              </a:gs>
+              <a:gs pos="50000">
+                <a:srgbClr val="FF0000">
+                  <a:shade val="67500"/>
+                  <a:satMod val="115000"/>
+                </a:srgbClr>
+              </a:gs>
+              <a:gs pos="100000">
+                <a:srgbClr val="FF0000">
+                  <a:shade val="100000"/>
+                  <a:satMod val="115000"/>
+                </a:srgbClr>
+              </a:gs>
+            </a:gsLst>
+            <a:path path="circle">
+              <a:fillToRect l="100000" t="100000"/>
+            </a:path>
+            <a:tileRect r="-100000" b="-100000"/>
+          </a:gradFill>
+          <a:ln>
+            <a:solidFill>
+              <a:srgbClr val="580000"/>
+            </a:solidFill>
+          </a:ln>
+        </p:spPr>
+        <p:style>
+          <a:lnRef idx="2">
+            <a:schemeClr val="accent1">
+              <a:shade val="50000"/>
+            </a:schemeClr>
+          </a:lnRef>
+          <a:fillRef idx="1">
+            <a:schemeClr val="accent1"/>
+          </a:fillRef>
+          <a:effectRef idx="0">
+            <a:schemeClr val="accent1"/>
+          </a:effectRef>
+          <a:fontRef idx="minor">
+            <a:schemeClr val="lt1"/>
+          </a:fontRef>
+        </p:style>
+        <p:txBody>
+          <a:bodyPr lIns="101206" tIns="50604" rIns="101206" bIns="50604" spcCol="0" rtlCol="0" anchor="ctr"/>
+          <a:lstStyle/>
+          <a:p>
+            <a:pPr algn="ctr"/>
+            <a:endParaRPr lang="en-GB"/>
+          </a:p>
+        </p:txBody>
+      </p:sp>
+      <p:sp>
+        <p:nvSpPr>
+          <p:cNvPr id="22" name="TextBox 21"/>
+          <p:cNvSpPr txBox="1"/>
+          <p:nvPr/>
+        </p:nvSpPr>
+        <p:spPr>
+          <a:xfrm>
+            <a:off x="792188" y="3160825"/>
+            <a:ext cx="3384376" cy="409973"/>
+          </a:xfrm>
+          <a:prstGeom prst="rect">
+            <a:avLst/>
+          </a:prstGeom>
+          <a:noFill/>
+        </p:spPr>
+        <p:txBody>
+          <a:bodyPr wrap="square" lIns="101206" tIns="50604" rIns="101206" bIns="50604" rtlCol="0">
+            <a:spAutoFit/>
+          </a:bodyPr>
+          <a:lstStyle/>
+          <a:p>
+            <a:pPr algn="ctr"/>
+            <a:r>
+              <a:rPr lang="fr-FR" b="1" dirty="0" err="1" smtClean="0">
+                <a:solidFill>
+                  <a:schemeClr val="bg1"/>
+                </a:solidFill>
+              </a:rPr>
+              <a:t>Déconexion</a:t>
+            </a:r>
+            <a:endParaRPr lang="en-US" b="1" dirty="0">
+              <a:solidFill>
+                <a:schemeClr val="bg1"/>
+              </a:solidFill>
+            </a:endParaRPr>
+          </a:p>
+        </p:txBody>
+      </p:sp>
+      <p:pic>
+        <p:nvPicPr>
+          <p:cNvPr id="37" name="Picture 36"/>
+          <p:cNvPicPr>
+            <a:picLocks noChangeAspect="1"/>
+          </p:cNvPicPr>
+          <p:nvPr/>
+        </p:nvPicPr>
+        <p:blipFill>
+          <a:blip r:embed="rId3" cstate="print">
+            <a:extLst>
+              <a:ext uri="{28A0092B-C50C-407E-A947-70E740481C1C}">
+                <a14:useLocalDpi xmlns:a14="http://schemas.microsoft.com/office/drawing/2010/main" val="0"/>
+              </a:ext>
+            </a:extLst>
+          </a:blip>
+          <a:stretch>
+            <a:fillRect/>
+          </a:stretch>
+        </p:blipFill>
+        <p:spPr>
+          <a:xfrm>
+            <a:off x="11334934" y="6120730"/>
+            <a:ext cx="2415091" cy="669025"/>
+          </a:xfrm>
+          <a:prstGeom prst="rect">
+            <a:avLst/>
+          </a:prstGeom>
+        </p:spPr>
+      </p:pic>
+      <p:graphicFrame>
+        <p:nvGraphicFramePr>
+          <p:cNvPr id="23" name="Table 22"/>
+          <p:cNvGraphicFramePr>
+            <a:graphicFrameLocks noGrp="1"/>
+          </p:cNvGraphicFramePr>
+          <p:nvPr>
+            <p:extLst>
+              <p:ext uri="{D42A27DB-BD31-4B8C-83A1-F6EECF244321}">
+                <p14:modId xmlns:p14="http://schemas.microsoft.com/office/powerpoint/2010/main" val="1528912288"/>
+              </p:ext>
+            </p:extLst>
+          </p:nvPr>
+        </p:nvGraphicFramePr>
+        <p:xfrm>
+          <a:off x="5830092" y="2363612"/>
+          <a:ext cx="6696745" cy="1274643"/>
+        </p:xfrm>
+        <a:graphic>
+          <a:graphicData uri="http://schemas.openxmlformats.org/drawingml/2006/table">
+            <a:tbl>
+              <a:tblPr firstRow="1" bandRow="1">
+                <a:tableStyleId>{5C22544A-7EE6-4342-B048-85BDC9FD1C3A}</a:tableStyleId>
+              </a:tblPr>
+              <a:tblGrid>
+                <a:gridCol w="686040"/>
+                <a:gridCol w="2212090"/>
+                <a:gridCol w="1933074"/>
+                <a:gridCol w="1865541"/>
+              </a:tblGrid>
+              <a:tr h="370840">
+                <a:tc>
+                  <a:txBody>
+                    <a:bodyPr/>
+                    <a:lstStyle/>
+                    <a:p>
+                      <a:endParaRPr lang="en-GB" dirty="0"/>
+                    </a:p>
+                  </a:txBody>
+                  <a:tcPr/>
+                </a:tc>
+                <a:tc>
+                  <a:txBody>
+                    <a:bodyPr/>
+                    <a:lstStyle/>
+                    <a:p>
+                      <a:r>
+                        <a:rPr lang="en-GB" dirty="0" smtClean="0"/>
+                        <a:t>Jour</a:t>
+                      </a:r>
+                      <a:endParaRPr lang="en-GB" dirty="0"/>
+                    </a:p>
+                  </a:txBody>
+                  <a:tcPr/>
+                </a:tc>
+                <a:tc>
+                  <a:txBody>
+                    <a:bodyPr/>
+                    <a:lstStyle/>
+                    <a:p>
+                      <a:r>
+                        <a:rPr lang="en-GB" dirty="0" err="1" smtClean="0"/>
+                        <a:t>Heure</a:t>
+                      </a:r>
+                      <a:endParaRPr lang="en-GB" dirty="0"/>
+                    </a:p>
+                  </a:txBody>
+                  <a:tcPr/>
+                </a:tc>
+                <a:tc>
+                  <a:txBody>
+                    <a:bodyPr/>
+                    <a:lstStyle/>
+                    <a:p>
+                      <a:r>
+                        <a:rPr lang="en-GB" dirty="0" err="1" smtClean="0"/>
+                        <a:t>Capacité</a:t>
+                      </a:r>
+                      <a:endParaRPr lang="en-GB" dirty="0"/>
+                    </a:p>
+                  </a:txBody>
+                  <a:tcPr/>
+                </a:tc>
+              </a:tr>
+              <a:tr h="482163">
+                <a:tc>
+                  <a:txBody>
+                    <a:bodyPr/>
+                    <a:lstStyle/>
+                    <a:p>
+                      <a:endParaRPr lang="en-GB"/>
+                    </a:p>
+                  </a:txBody>
+                  <a:tcPr/>
+                </a:tc>
+                <a:tc>
+                  <a:txBody>
+                    <a:bodyPr/>
+                    <a:lstStyle/>
+                    <a:p>
+                      <a:r>
+                        <a:rPr lang="en-GB" sz="1600" dirty="0" smtClean="0"/>
+                        <a:t>12/05/2018</a:t>
+                      </a:r>
+                      <a:endParaRPr lang="en-GB" sz="1600" dirty="0"/>
+                    </a:p>
+                  </a:txBody>
+                  <a:tcPr/>
+                </a:tc>
+                <a:tc>
+                  <a:txBody>
+                    <a:bodyPr/>
+                    <a:lstStyle/>
+                    <a:p>
+                      <a:r>
+                        <a:rPr lang="en-GB" sz="1600" dirty="0" smtClean="0"/>
+                        <a:t>10h-12h</a:t>
+                      </a:r>
+                      <a:endParaRPr lang="en-GB" sz="1600" dirty="0"/>
+                    </a:p>
+                  </a:txBody>
+                  <a:tcPr/>
+                </a:tc>
+                <a:tc>
+                  <a:txBody>
+                    <a:bodyPr/>
+                    <a:lstStyle/>
+                    <a:p>
+                      <a:r>
+                        <a:rPr lang="en-GB" sz="1600" dirty="0" smtClean="0"/>
+                        <a:t>10</a:t>
+                      </a:r>
+                      <a:endParaRPr lang="en-GB" sz="1600" dirty="0"/>
+                    </a:p>
+                  </a:txBody>
+                  <a:tcPr/>
+                </a:tc>
+              </a:tr>
+              <a:tr h="370840">
+                <a:tc>
+                  <a:txBody>
+                    <a:bodyPr/>
+                    <a:lstStyle/>
+                    <a:p>
+                      <a:endParaRPr lang="en-GB"/>
+                    </a:p>
+                  </a:txBody>
+                  <a:tcPr/>
+                </a:tc>
+                <a:tc>
+                  <a:txBody>
+                    <a:bodyPr/>
+                    <a:lstStyle/>
+                    <a:p>
+                      <a:r>
+                        <a:rPr lang="en-GB" sz="1600" dirty="0" smtClean="0"/>
+                        <a:t>13/05/2018</a:t>
+                      </a:r>
+                      <a:endParaRPr lang="en-GB" sz="1600" dirty="0"/>
+                    </a:p>
+                  </a:txBody>
+                  <a:tcPr/>
+                </a:tc>
+                <a:tc>
+                  <a:txBody>
+                    <a:bodyPr/>
+                    <a:lstStyle/>
+                    <a:p>
+                      <a:r>
+                        <a:rPr lang="en-GB" sz="1600" dirty="0" smtClean="0"/>
+                        <a:t>15h-18h</a:t>
+                      </a:r>
+                      <a:endParaRPr lang="en-GB" sz="1600" dirty="0"/>
+                    </a:p>
+                  </a:txBody>
+                  <a:tcPr/>
+                </a:tc>
+                <a:tc>
+                  <a:txBody>
+                    <a:bodyPr/>
+                    <a:lstStyle/>
+                    <a:p>
+                      <a:r>
+                        <a:rPr lang="en-GB" sz="1600" dirty="0" smtClean="0"/>
+                        <a:t>15</a:t>
+                      </a:r>
+                      <a:endParaRPr lang="en-GB" sz="1600" dirty="0"/>
+                    </a:p>
+                  </a:txBody>
+                  <a:tcPr/>
+                </a:tc>
+              </a:tr>
+            </a:tbl>
+          </a:graphicData>
+        </a:graphic>
+      </p:graphicFrame>
+      <p:sp>
+        <p:nvSpPr>
+          <p:cNvPr id="32" name="Rounded Rectangle 31"/>
+          <p:cNvSpPr/>
+          <p:nvPr/>
+        </p:nvSpPr>
+        <p:spPr>
+          <a:xfrm>
+            <a:off x="6408812" y="4023812"/>
+            <a:ext cx="2793323" cy="547903"/>
+          </a:xfrm>
+          <a:prstGeom prst="roundRect">
+            <a:avLst/>
+          </a:prstGeom>
+          <a:gradFill flip="none" rotWithShape="1">
+            <a:gsLst>
+              <a:gs pos="0">
+                <a:schemeClr val="accent1">
+                  <a:shade val="30000"/>
+                  <a:satMod val="115000"/>
+                </a:schemeClr>
+              </a:gs>
+              <a:gs pos="50000">
+                <a:schemeClr val="accent1">
+                  <a:shade val="67500"/>
+                  <a:satMod val="115000"/>
+                </a:schemeClr>
+              </a:gs>
+              <a:gs pos="100000">
+                <a:schemeClr val="accent1">
+                  <a:shade val="100000"/>
+                  <a:satMod val="115000"/>
+                </a:schemeClr>
+              </a:gs>
+            </a:gsLst>
+            <a:path path="circle">
+              <a:fillToRect l="100000" t="100000"/>
+            </a:path>
+            <a:tileRect r="-100000" b="-100000"/>
+          </a:gradFill>
+          <a:ln>
+            <a:solidFill>
+              <a:srgbClr val="002060"/>
+            </a:solidFill>
+          </a:ln>
+        </p:spPr>
+        <p:style>
+          <a:lnRef idx="2">
+            <a:schemeClr val="accent1">
+              <a:shade val="50000"/>
+            </a:schemeClr>
+          </a:lnRef>
+          <a:fillRef idx="1">
+            <a:schemeClr val="accent1"/>
+          </a:fillRef>
+          <a:effectRef idx="0">
+            <a:schemeClr val="accent1"/>
+          </a:effectRef>
+          <a:fontRef idx="minor">
+            <a:schemeClr val="lt1"/>
+          </a:fontRef>
+        </p:style>
+        <p:txBody>
+          <a:bodyPr rtlCol="0" anchor="ctr"/>
+          <a:lstStyle/>
+          <a:p>
+            <a:pPr algn="ctr"/>
+            <a:endParaRPr lang="en-GB">
+              <a:ln>
+                <a:solidFill>
+                  <a:srgbClr val="002060"/>
+                </a:solidFill>
+              </a:ln>
+            </a:endParaRPr>
+          </a:p>
+        </p:txBody>
+      </p:sp>
+      <p:sp>
+        <p:nvSpPr>
+          <p:cNvPr id="33" name="TextBox 32"/>
+          <p:cNvSpPr txBox="1"/>
+          <p:nvPr/>
+        </p:nvSpPr>
+        <p:spPr>
+          <a:xfrm>
+            <a:off x="7365193" y="4097707"/>
+            <a:ext cx="987835" cy="400110"/>
+          </a:xfrm>
+          <a:prstGeom prst="rect">
+            <a:avLst/>
+          </a:prstGeom>
+          <a:noFill/>
+        </p:spPr>
+        <p:txBody>
+          <a:bodyPr wrap="none" rtlCol="0">
+            <a:spAutoFit/>
+          </a:bodyPr>
+          <a:lstStyle/>
+          <a:p>
+            <a:r>
+              <a:rPr lang="fr-FR" b="1" dirty="0" smtClean="0">
+                <a:solidFill>
+                  <a:schemeClr val="bg1"/>
+                </a:solidFill>
+              </a:rPr>
+              <a:t>Ajouter</a:t>
+            </a:r>
+            <a:endParaRPr lang="en-GB" dirty="0"/>
+          </a:p>
+        </p:txBody>
+      </p:sp>
+      <p:sp>
+        <p:nvSpPr>
+          <p:cNvPr id="34" name="Rounded Rectangle 33"/>
+          <p:cNvSpPr/>
+          <p:nvPr/>
+        </p:nvSpPr>
+        <p:spPr>
+          <a:xfrm>
+            <a:off x="9505156" y="4016321"/>
+            <a:ext cx="2793323" cy="547903"/>
+          </a:xfrm>
+          <a:prstGeom prst="roundRect">
+            <a:avLst/>
+          </a:prstGeom>
+          <a:gradFill flip="none" rotWithShape="1">
+            <a:gsLst>
+              <a:gs pos="0">
+                <a:schemeClr val="accent1">
+                  <a:shade val="30000"/>
+                  <a:satMod val="115000"/>
+                </a:schemeClr>
+              </a:gs>
+              <a:gs pos="50000">
+                <a:schemeClr val="accent1">
+                  <a:shade val="67500"/>
+                  <a:satMod val="115000"/>
+                </a:schemeClr>
+              </a:gs>
+              <a:gs pos="100000">
+                <a:schemeClr val="accent1">
+                  <a:shade val="100000"/>
+                  <a:satMod val="115000"/>
+                </a:schemeClr>
+              </a:gs>
+            </a:gsLst>
+            <a:path path="circle">
+              <a:fillToRect l="100000" t="100000"/>
+            </a:path>
+            <a:tileRect r="-100000" b="-100000"/>
+          </a:gradFill>
+          <a:ln>
+            <a:solidFill>
+              <a:srgbClr val="002060"/>
+            </a:solidFill>
+          </a:ln>
+        </p:spPr>
+        <p:style>
+          <a:lnRef idx="2">
+            <a:schemeClr val="accent1">
+              <a:shade val="50000"/>
+            </a:schemeClr>
+          </a:lnRef>
+          <a:fillRef idx="1">
+            <a:schemeClr val="accent1"/>
+          </a:fillRef>
+          <a:effectRef idx="0">
+            <a:schemeClr val="accent1"/>
+          </a:effectRef>
+          <a:fontRef idx="minor">
+            <a:schemeClr val="lt1"/>
+          </a:fontRef>
+        </p:style>
+        <p:txBody>
+          <a:bodyPr rtlCol="0" anchor="ctr"/>
+          <a:lstStyle/>
+          <a:p>
+            <a:pPr algn="ctr"/>
+            <a:endParaRPr lang="en-GB">
+              <a:ln>
+                <a:solidFill>
+                  <a:srgbClr val="002060"/>
+                </a:solidFill>
+              </a:ln>
+            </a:endParaRPr>
+          </a:p>
+        </p:txBody>
+      </p:sp>
+      <p:sp>
+        <p:nvSpPr>
+          <p:cNvPr id="35" name="Rounded Rectangle 34"/>
+          <p:cNvSpPr/>
+          <p:nvPr/>
+        </p:nvSpPr>
+        <p:spPr>
+          <a:xfrm>
+            <a:off x="7867938" y="4812064"/>
+            <a:ext cx="2793323" cy="547903"/>
+          </a:xfrm>
+          <a:prstGeom prst="roundRect">
+            <a:avLst/>
+          </a:prstGeom>
+          <a:gradFill flip="none" rotWithShape="1">
+            <a:gsLst>
+              <a:gs pos="0">
+                <a:schemeClr val="accent1">
+                  <a:shade val="30000"/>
+                  <a:satMod val="115000"/>
+                </a:schemeClr>
+              </a:gs>
+              <a:gs pos="50000">
+                <a:schemeClr val="accent1">
+                  <a:shade val="67500"/>
+                  <a:satMod val="115000"/>
+                </a:schemeClr>
+              </a:gs>
+              <a:gs pos="100000">
+                <a:schemeClr val="accent1">
+                  <a:shade val="100000"/>
+                  <a:satMod val="115000"/>
+                </a:schemeClr>
+              </a:gs>
+            </a:gsLst>
+            <a:path path="circle">
+              <a:fillToRect l="100000" t="100000"/>
+            </a:path>
+            <a:tileRect r="-100000" b="-100000"/>
+          </a:gradFill>
+          <a:ln>
+            <a:solidFill>
+              <a:srgbClr val="002060"/>
+            </a:solidFill>
+          </a:ln>
+        </p:spPr>
+        <p:style>
+          <a:lnRef idx="2">
+            <a:schemeClr val="accent1">
+              <a:shade val="50000"/>
+            </a:schemeClr>
+          </a:lnRef>
+          <a:fillRef idx="1">
+            <a:schemeClr val="accent1"/>
+          </a:fillRef>
+          <a:effectRef idx="0">
+            <a:schemeClr val="accent1"/>
+          </a:effectRef>
+          <a:fontRef idx="minor">
+            <a:schemeClr val="lt1"/>
+          </a:fontRef>
+        </p:style>
+        <p:txBody>
+          <a:bodyPr rtlCol="0" anchor="ctr"/>
+          <a:lstStyle/>
+          <a:p>
+            <a:pPr algn="ctr"/>
+            <a:endParaRPr lang="en-GB">
+              <a:ln>
+                <a:solidFill>
+                  <a:srgbClr val="002060"/>
+                </a:solidFill>
+              </a:ln>
+            </a:endParaRPr>
+          </a:p>
+        </p:txBody>
+      </p:sp>
+      <p:sp>
+        <p:nvSpPr>
+          <p:cNvPr id="36" name="TextBox 35"/>
+          <p:cNvSpPr txBox="1"/>
+          <p:nvPr/>
+        </p:nvSpPr>
+        <p:spPr>
+          <a:xfrm>
+            <a:off x="10407899" y="4097710"/>
+            <a:ext cx="1112805" cy="400110"/>
+          </a:xfrm>
+          <a:prstGeom prst="rect">
+            <a:avLst/>
+          </a:prstGeom>
+          <a:noFill/>
+        </p:spPr>
+        <p:txBody>
+          <a:bodyPr wrap="none" rtlCol="0">
+            <a:spAutoFit/>
+          </a:bodyPr>
+          <a:lstStyle/>
+          <a:p>
+            <a:r>
+              <a:rPr lang="fr-FR" b="1" dirty="0" smtClean="0">
+                <a:solidFill>
+                  <a:schemeClr val="bg1"/>
+                </a:solidFill>
+              </a:rPr>
+              <a:t>Modifier</a:t>
+            </a:r>
+            <a:endParaRPr lang="en-GB" dirty="0"/>
+          </a:p>
+        </p:txBody>
+      </p:sp>
+      <p:sp>
+        <p:nvSpPr>
+          <p:cNvPr id="38" name="TextBox 37"/>
+          <p:cNvSpPr txBox="1"/>
+          <p:nvPr/>
+        </p:nvSpPr>
+        <p:spPr>
+          <a:xfrm>
+            <a:off x="8771500" y="4885960"/>
+            <a:ext cx="1303562" cy="400110"/>
+          </a:xfrm>
+          <a:prstGeom prst="rect">
+            <a:avLst/>
+          </a:prstGeom>
+          <a:noFill/>
+        </p:spPr>
+        <p:txBody>
+          <a:bodyPr wrap="none" rtlCol="0">
+            <a:spAutoFit/>
+          </a:bodyPr>
+          <a:lstStyle/>
+          <a:p>
+            <a:r>
+              <a:rPr lang="fr-FR" b="1" dirty="0" smtClean="0">
+                <a:solidFill>
+                  <a:schemeClr val="bg1"/>
+                </a:solidFill>
+              </a:rPr>
+              <a:t>Supprimer</a:t>
+            </a:r>
+            <a:endParaRPr lang="en-GB" dirty="0"/>
+          </a:p>
+        </p:txBody>
+      </p:sp>
+    </p:spTree>
+    <p:extLst>
+      <p:ext uri="{BB962C8B-B14F-4D97-AF65-F5344CB8AC3E}">
+        <p14:creationId xmlns:p14="http://schemas.microsoft.com/office/powerpoint/2010/main" val="2541169088"/>
+      </p:ext>
+    </p:extLst>
+  </p:cSld>
+  <p:clrMapOvr>
+    <a:masterClrMapping/>
+  </p:clrMapOvr>
+  <p:timing>
+    <p:tnLst>
+      <p:par>
+        <p:cTn id="1" dur="indefinite" restart="never" nodeType="tmRoot"/>
+      </p:par>
+    </p:tnLst>
+  </p:timing>
+</p:sld>
+</file>
+
+<file path=ppt/slides/slide12.xml><?xml version="1.0" encoding="utf-8"?>
+<p:sld xmlns:a="http://schemas.openxmlformats.org/drawingml/2006/main" xmlns:r="http://schemas.openxmlformats.org/officeDocument/2006/relationships" xmlns:p="http://schemas.openxmlformats.org/presentationml/2006/main">
+  <p:cSld>
+    <p:spTree>
+      <p:nvGrpSpPr>
+        <p:cNvPr id="1" name=""/>
+        <p:cNvGrpSpPr/>
+        <p:nvPr/>
+      </p:nvGrpSpPr>
+      <p:grpSpPr>
+        <a:xfrm>
+          <a:off x="0" y="0"/>
+          <a:ext cx="0" cy="0"/>
+          <a:chOff x="0" y="0"/>
+          <a:chExt cx="0" cy="0"/>
+        </a:xfrm>
+      </p:grpSpPr>
+      <p:sp>
+        <p:nvSpPr>
+          <p:cNvPr id="40" name="Rectangle 39"/>
+          <p:cNvSpPr/>
+          <p:nvPr/>
+        </p:nvSpPr>
+        <p:spPr>
+          <a:xfrm>
+            <a:off x="442950" y="349290"/>
+            <a:ext cx="13382686" cy="6577931"/>
+          </a:xfrm>
+          <a:prstGeom prst="rect">
+            <a:avLst/>
+          </a:prstGeom>
+          <a:gradFill flip="none" rotWithShape="1">
+            <a:gsLst>
+              <a:gs pos="0">
+                <a:schemeClr val="accent1">
+                  <a:lumMod val="75000"/>
+                  <a:tint val="66000"/>
+                  <a:satMod val="160000"/>
+                </a:schemeClr>
+              </a:gs>
+              <a:gs pos="50000">
+                <a:schemeClr val="accent1">
+                  <a:lumMod val="75000"/>
+                  <a:tint val="44500"/>
+                  <a:satMod val="160000"/>
+                </a:schemeClr>
+              </a:gs>
+              <a:gs pos="100000">
+                <a:schemeClr val="accent1">
+                  <a:lumMod val="75000"/>
+                  <a:tint val="23500"/>
+                  <a:satMod val="160000"/>
+                </a:schemeClr>
+              </a:gs>
+            </a:gsLst>
+            <a:path path="circle">
+              <a:fillToRect l="100000" t="100000"/>
+            </a:path>
+            <a:tileRect r="-100000" b="-100000"/>
+          </a:gradFill>
+          <a:ln>
+            <a:solidFill>
+              <a:schemeClr val="tx1"/>
+            </a:solidFill>
+          </a:ln>
+        </p:spPr>
+        <p:style>
+          <a:lnRef idx="2">
+            <a:schemeClr val="accent1">
+              <a:shade val="50000"/>
+            </a:schemeClr>
+          </a:lnRef>
+          <a:fillRef idx="1">
+            <a:schemeClr val="accent1"/>
+          </a:fillRef>
+          <a:effectRef idx="0">
+            <a:schemeClr val="accent1"/>
+          </a:effectRef>
+          <a:fontRef idx="minor">
+            <a:schemeClr val="lt1"/>
+          </a:fontRef>
+        </p:style>
+        <p:txBody>
+          <a:bodyPr lIns="101206" tIns="50604" rIns="101206" bIns="50604" rtlCol="0" anchor="ctr"/>
+          <a:lstStyle/>
+          <a:p>
+            <a:pPr algn="ctr"/>
+            <a:endParaRPr lang="en-US" dirty="0">
+              <a:gradFill flip="none" rotWithShape="1">
+                <a:gsLst>
+                  <a:gs pos="0">
+                    <a:schemeClr val="tx1">
+                      <a:tint val="66000"/>
+                      <a:satMod val="160000"/>
+                    </a:schemeClr>
+                  </a:gs>
+                  <a:gs pos="50000">
+                    <a:schemeClr val="tx1">
+                      <a:tint val="44500"/>
+                      <a:satMod val="160000"/>
+                    </a:schemeClr>
+                  </a:gs>
+                  <a:gs pos="100000">
+                    <a:schemeClr val="tx1">
+                      <a:tint val="23500"/>
+                      <a:satMod val="160000"/>
+                    </a:schemeClr>
+                  </a:gs>
+                </a:gsLst>
+                <a:lin ang="5400000" scaled="1"/>
+                <a:tileRect/>
+              </a:gradFill>
+            </a:endParaRPr>
+          </a:p>
+        </p:txBody>
+      </p:sp>
+      <p:sp>
+        <p:nvSpPr>
+          <p:cNvPr id="27" name="Rounded Rectangle 26"/>
+          <p:cNvSpPr/>
+          <p:nvPr/>
+        </p:nvSpPr>
+        <p:spPr>
+          <a:xfrm>
+            <a:off x="720180" y="1397083"/>
+            <a:ext cx="3456384" cy="748730"/>
+          </a:xfrm>
+          <a:prstGeom prst="roundRect">
+            <a:avLst/>
+          </a:prstGeom>
+          <a:gradFill flip="none" rotWithShape="1">
+            <a:gsLst>
+              <a:gs pos="0">
+                <a:schemeClr val="accent1">
+                  <a:shade val="30000"/>
+                  <a:satMod val="115000"/>
+                </a:schemeClr>
+              </a:gs>
+              <a:gs pos="50000">
+                <a:schemeClr val="accent1">
+                  <a:shade val="67500"/>
+                  <a:satMod val="115000"/>
+                </a:schemeClr>
+              </a:gs>
+              <a:gs pos="100000">
+                <a:schemeClr val="accent1">
+                  <a:shade val="100000"/>
+                  <a:satMod val="115000"/>
+                </a:schemeClr>
+              </a:gs>
+            </a:gsLst>
+            <a:path path="circle">
+              <a:fillToRect l="100000" t="100000"/>
+            </a:path>
+            <a:tileRect r="-100000" b="-100000"/>
+          </a:gradFill>
+          <a:ln>
+            <a:solidFill>
+              <a:srgbClr val="002060"/>
+            </a:solidFill>
+          </a:ln>
+        </p:spPr>
+        <p:style>
+          <a:lnRef idx="2">
+            <a:schemeClr val="accent1">
+              <a:shade val="50000"/>
+            </a:schemeClr>
+          </a:lnRef>
+          <a:fillRef idx="1">
+            <a:schemeClr val="accent1"/>
+          </a:fillRef>
+          <a:effectRef idx="0">
+            <a:schemeClr val="accent1"/>
+          </a:effectRef>
+          <a:fontRef idx="minor">
+            <a:schemeClr val="lt1"/>
+          </a:fontRef>
+        </p:style>
+        <p:txBody>
+          <a:bodyPr rtlCol="0" anchor="ctr"/>
+          <a:lstStyle/>
+          <a:p>
+            <a:pPr algn="ctr"/>
+            <a:endParaRPr lang="en-GB">
+              <a:ln>
+                <a:solidFill>
+                  <a:srgbClr val="002060"/>
+                </a:solidFill>
+              </a:ln>
+            </a:endParaRPr>
+          </a:p>
+        </p:txBody>
+      </p:sp>
+      <p:sp>
+        <p:nvSpPr>
+          <p:cNvPr id="28" name="Rounded Rectangle 27"/>
+          <p:cNvSpPr/>
+          <p:nvPr/>
+        </p:nvSpPr>
+        <p:spPr>
+          <a:xfrm>
+            <a:off x="720180" y="2303464"/>
+            <a:ext cx="3456384" cy="648914"/>
+          </a:xfrm>
+          <a:prstGeom prst="roundRect">
+            <a:avLst/>
+          </a:prstGeom>
+          <a:gradFill flip="none" rotWithShape="1">
+            <a:gsLst>
+              <a:gs pos="0">
+                <a:schemeClr val="accent1">
+                  <a:shade val="30000"/>
+                  <a:satMod val="115000"/>
+                </a:schemeClr>
+              </a:gs>
+              <a:gs pos="50000">
+                <a:schemeClr val="accent1">
+                  <a:shade val="67500"/>
+                  <a:satMod val="115000"/>
+                </a:schemeClr>
+              </a:gs>
+              <a:gs pos="100000">
+                <a:schemeClr val="accent1">
+                  <a:shade val="100000"/>
+                  <a:satMod val="115000"/>
+                </a:schemeClr>
+              </a:gs>
+            </a:gsLst>
+            <a:path path="circle">
+              <a:fillToRect l="100000" t="100000"/>
+            </a:path>
+            <a:tileRect r="-100000" b="-100000"/>
+          </a:gradFill>
+          <a:ln>
+            <a:solidFill>
+              <a:srgbClr val="002060"/>
+            </a:solidFill>
+          </a:ln>
+        </p:spPr>
+        <p:style>
+          <a:lnRef idx="2">
+            <a:schemeClr val="accent1">
+              <a:shade val="50000"/>
+            </a:schemeClr>
+          </a:lnRef>
+          <a:fillRef idx="1">
+            <a:schemeClr val="accent1"/>
+          </a:fillRef>
+          <a:effectRef idx="0">
+            <a:schemeClr val="accent1"/>
+          </a:effectRef>
+          <a:fontRef idx="minor">
+            <a:schemeClr val="lt1"/>
+          </a:fontRef>
+        </p:style>
+        <p:txBody>
+          <a:bodyPr rtlCol="0" anchor="ctr"/>
+          <a:lstStyle/>
+          <a:p>
+            <a:pPr algn="ctr"/>
+            <a:endParaRPr lang="en-GB">
+              <a:ln>
+                <a:solidFill>
+                  <a:srgbClr val="002060"/>
+                </a:solidFill>
+              </a:ln>
+            </a:endParaRPr>
+          </a:p>
+        </p:txBody>
+      </p:sp>
+      <p:sp>
+        <p:nvSpPr>
+          <p:cNvPr id="29" name="Rounded Rectangle 28"/>
+          <p:cNvSpPr/>
+          <p:nvPr/>
+        </p:nvSpPr>
+        <p:spPr>
+          <a:xfrm>
+            <a:off x="720180" y="3958709"/>
+            <a:ext cx="3487277" cy="779709"/>
+          </a:xfrm>
+          <a:prstGeom prst="roundRect">
+            <a:avLst/>
+          </a:prstGeom>
+          <a:gradFill flip="none" rotWithShape="1">
+            <a:gsLst>
+              <a:gs pos="0">
+                <a:srgbClr val="00B0F0">
+                  <a:shade val="30000"/>
+                  <a:satMod val="115000"/>
+                </a:srgbClr>
+              </a:gs>
+              <a:gs pos="50000">
+                <a:srgbClr val="00B0F0">
+                  <a:shade val="67500"/>
+                  <a:satMod val="115000"/>
+                </a:srgbClr>
+              </a:gs>
+              <a:gs pos="100000">
+                <a:srgbClr val="00B0F0">
+                  <a:shade val="100000"/>
+                  <a:satMod val="115000"/>
+                </a:srgbClr>
+              </a:gs>
+            </a:gsLst>
+            <a:path path="circle">
+              <a:fillToRect l="100000" t="100000"/>
+            </a:path>
+            <a:tileRect r="-100000" b="-100000"/>
+          </a:gradFill>
+          <a:ln>
+            <a:solidFill>
+              <a:srgbClr val="002060"/>
+            </a:solidFill>
+          </a:ln>
+        </p:spPr>
+        <p:style>
+          <a:lnRef idx="2">
+            <a:schemeClr val="accent1">
+              <a:shade val="50000"/>
+            </a:schemeClr>
+          </a:lnRef>
+          <a:fillRef idx="1">
+            <a:schemeClr val="accent1"/>
+          </a:fillRef>
+          <a:effectRef idx="0">
+            <a:schemeClr val="accent1"/>
+          </a:effectRef>
+          <a:fontRef idx="minor">
+            <a:schemeClr val="lt1"/>
+          </a:fontRef>
+        </p:style>
+        <p:txBody>
+          <a:bodyPr rtlCol="0" anchor="ctr"/>
+          <a:lstStyle/>
+          <a:p>
+            <a:pPr algn="ctr"/>
+            <a:endParaRPr lang="en-GB">
+              <a:ln>
+                <a:solidFill>
+                  <a:srgbClr val="002060"/>
+                </a:solidFill>
+              </a:ln>
+            </a:endParaRPr>
+          </a:p>
+        </p:txBody>
+      </p:sp>
+      <p:sp>
+        <p:nvSpPr>
+          <p:cNvPr id="24" name="Rounded Rectangle 23"/>
+          <p:cNvSpPr/>
+          <p:nvPr/>
+        </p:nvSpPr>
+        <p:spPr>
+          <a:xfrm>
+            <a:off x="720180" y="511594"/>
+            <a:ext cx="3456384" cy="779709"/>
+          </a:xfrm>
+          <a:prstGeom prst="roundRect">
+            <a:avLst/>
+          </a:prstGeom>
+          <a:gradFill flip="none" rotWithShape="1">
+            <a:gsLst>
+              <a:gs pos="0">
+                <a:schemeClr val="accent1">
+                  <a:shade val="30000"/>
+                  <a:satMod val="115000"/>
+                </a:schemeClr>
+              </a:gs>
+              <a:gs pos="50000">
+                <a:schemeClr val="accent1">
+                  <a:shade val="67500"/>
+                  <a:satMod val="115000"/>
+                </a:schemeClr>
+              </a:gs>
+              <a:gs pos="100000">
+                <a:schemeClr val="accent1">
+                  <a:shade val="100000"/>
+                  <a:satMod val="115000"/>
+                </a:schemeClr>
+              </a:gs>
+            </a:gsLst>
+            <a:path path="circle">
+              <a:fillToRect l="100000" t="100000"/>
+            </a:path>
+            <a:tileRect r="-100000" b="-100000"/>
+          </a:gradFill>
+          <a:ln>
+            <a:solidFill>
+              <a:srgbClr val="002060"/>
+            </a:solidFill>
+          </a:ln>
+        </p:spPr>
+        <p:style>
+          <a:lnRef idx="2">
+            <a:schemeClr val="accent1">
+              <a:shade val="50000"/>
+            </a:schemeClr>
+          </a:lnRef>
+          <a:fillRef idx="1">
+            <a:schemeClr val="accent1"/>
+          </a:fillRef>
+          <a:effectRef idx="0">
+            <a:schemeClr val="accent1"/>
+          </a:effectRef>
+          <a:fontRef idx="minor">
+            <a:schemeClr val="lt1"/>
+          </a:fontRef>
+        </p:style>
+        <p:txBody>
+          <a:bodyPr rtlCol="0" anchor="ctr"/>
+          <a:lstStyle/>
+          <a:p>
+            <a:pPr algn="ctr"/>
+            <a:endParaRPr lang="en-GB">
+              <a:ln>
+                <a:solidFill>
+                  <a:srgbClr val="002060"/>
+                </a:solidFill>
+              </a:ln>
+            </a:endParaRPr>
+          </a:p>
+        </p:txBody>
+      </p:sp>
+      <p:sp>
+        <p:nvSpPr>
+          <p:cNvPr id="14" name="TextBox 13"/>
+          <p:cNvSpPr txBox="1"/>
+          <p:nvPr/>
+        </p:nvSpPr>
+        <p:spPr>
+          <a:xfrm>
+            <a:off x="720180" y="1584226"/>
+            <a:ext cx="3456384" cy="409973"/>
+          </a:xfrm>
+          <a:prstGeom prst="rect">
+            <a:avLst/>
+          </a:prstGeom>
+          <a:noFill/>
+        </p:spPr>
+        <p:txBody>
+          <a:bodyPr wrap="square" lIns="101206" tIns="50604" rIns="101206" bIns="50604" rtlCol="0">
+            <a:spAutoFit/>
+          </a:bodyPr>
+          <a:lstStyle/>
+          <a:p>
+            <a:pPr algn="ctr"/>
+            <a:r>
+              <a:rPr lang="fr-FR" b="1" dirty="0" smtClean="0">
+                <a:solidFill>
+                  <a:schemeClr val="bg1"/>
+                </a:solidFill>
+              </a:rPr>
+              <a:t>Gestions des fiches diététique</a:t>
+            </a:r>
+            <a:endParaRPr lang="en-US" b="1" dirty="0">
+              <a:solidFill>
+                <a:schemeClr val="bg1"/>
+              </a:solidFill>
+            </a:endParaRPr>
+          </a:p>
+        </p:txBody>
+      </p:sp>
+      <p:sp>
+        <p:nvSpPr>
+          <p:cNvPr id="15" name="TextBox 14"/>
+          <p:cNvSpPr txBox="1"/>
+          <p:nvPr/>
+        </p:nvSpPr>
+        <p:spPr>
+          <a:xfrm>
+            <a:off x="864196" y="2399232"/>
+            <a:ext cx="3343261" cy="409973"/>
+          </a:xfrm>
+          <a:prstGeom prst="rect">
+            <a:avLst/>
+          </a:prstGeom>
+          <a:noFill/>
+        </p:spPr>
+        <p:txBody>
+          <a:bodyPr wrap="none" lIns="101206" tIns="50604" rIns="101206" bIns="50604" rtlCol="0">
+            <a:spAutoFit/>
+          </a:bodyPr>
+          <a:lstStyle/>
+          <a:p>
+            <a:r>
+              <a:rPr lang="fr-FR" b="1" dirty="0" smtClean="0">
+                <a:solidFill>
+                  <a:schemeClr val="bg1"/>
+                </a:solidFill>
+              </a:rPr>
+              <a:t>Consulter les fiches médicaux</a:t>
+            </a:r>
+            <a:endParaRPr lang="en-US" b="1" dirty="0">
+              <a:solidFill>
+                <a:schemeClr val="bg1"/>
+              </a:solidFill>
+            </a:endParaRPr>
+          </a:p>
+        </p:txBody>
+      </p:sp>
+      <p:sp>
+        <p:nvSpPr>
+          <p:cNvPr id="10" name="Multiplier 9"/>
+          <p:cNvSpPr/>
+          <p:nvPr/>
+        </p:nvSpPr>
+        <p:spPr>
+          <a:xfrm>
+            <a:off x="13256686" y="358080"/>
+            <a:ext cx="562569" cy="450057"/>
+          </a:xfrm>
+          <a:prstGeom prst="mathMultiply">
+            <a:avLst/>
+          </a:prstGeom>
+          <a:solidFill>
+            <a:srgbClr val="C00000"/>
+          </a:solidFill>
+          <a:ln w="3175">
+            <a:solidFill>
+              <a:schemeClr val="tx1"/>
+            </a:solidFill>
+          </a:ln>
+        </p:spPr>
+        <p:style>
+          <a:lnRef idx="2">
+            <a:schemeClr val="accent1">
+              <a:shade val="50000"/>
+            </a:schemeClr>
+          </a:lnRef>
+          <a:fillRef idx="1">
+            <a:schemeClr val="accent1"/>
+          </a:fillRef>
+          <a:effectRef idx="0">
+            <a:schemeClr val="accent1"/>
+          </a:effectRef>
+          <a:fontRef idx="minor">
+            <a:schemeClr val="lt1"/>
+          </a:fontRef>
+        </p:style>
+        <p:txBody>
+          <a:bodyPr lIns="101206" tIns="50604" rIns="101206" bIns="50604" anchor="ctr"/>
+          <a:lstStyle>
+            <a:defPPr>
+              <a:defRPr lang="fr-FR"/>
+            </a:defPPr>
+            <a:lvl1pPr algn="l" rtl="0" fontAlgn="base">
+              <a:spcBef>
+                <a:spcPct val="0"/>
+              </a:spcBef>
+              <a:spcAft>
+                <a:spcPct val="0"/>
+              </a:spcAft>
+              <a:defRPr kern="1200">
+                <a:solidFill>
+                  <a:schemeClr val="lt1"/>
+                </a:solidFill>
+                <a:latin typeface="+mn-lt"/>
+                <a:ea typeface="+mn-ea"/>
+                <a:cs typeface="+mn-cs"/>
+              </a:defRPr>
+            </a:lvl1pPr>
+            <a:lvl2pPr marL="457200" algn="l" rtl="0" fontAlgn="base">
+              <a:spcBef>
+                <a:spcPct val="0"/>
+              </a:spcBef>
+              <a:spcAft>
+                <a:spcPct val="0"/>
+              </a:spcAft>
+              <a:defRPr kern="1200">
+                <a:solidFill>
+                  <a:schemeClr val="lt1"/>
+                </a:solidFill>
+                <a:latin typeface="+mn-lt"/>
+                <a:ea typeface="+mn-ea"/>
+                <a:cs typeface="+mn-cs"/>
+              </a:defRPr>
+            </a:lvl2pPr>
+            <a:lvl3pPr marL="914400" algn="l" rtl="0" fontAlgn="base">
+              <a:spcBef>
+                <a:spcPct val="0"/>
+              </a:spcBef>
+              <a:spcAft>
+                <a:spcPct val="0"/>
+              </a:spcAft>
+              <a:defRPr kern="1200">
+                <a:solidFill>
+                  <a:schemeClr val="lt1"/>
+                </a:solidFill>
+                <a:latin typeface="+mn-lt"/>
+                <a:ea typeface="+mn-ea"/>
+                <a:cs typeface="+mn-cs"/>
+              </a:defRPr>
+            </a:lvl3pPr>
+            <a:lvl4pPr marL="1371600" algn="l" rtl="0" fontAlgn="base">
+              <a:spcBef>
+                <a:spcPct val="0"/>
+              </a:spcBef>
+              <a:spcAft>
+                <a:spcPct val="0"/>
+              </a:spcAft>
+              <a:defRPr kern="1200">
+                <a:solidFill>
+                  <a:schemeClr val="lt1"/>
+                </a:solidFill>
+                <a:latin typeface="+mn-lt"/>
+                <a:ea typeface="+mn-ea"/>
+                <a:cs typeface="+mn-cs"/>
+              </a:defRPr>
+            </a:lvl4pPr>
+            <a:lvl5pPr marL="1828800" algn="l" rtl="0" fontAlgn="base">
+              <a:spcBef>
+                <a:spcPct val="0"/>
+              </a:spcBef>
+              <a:spcAft>
+                <a:spcPct val="0"/>
+              </a:spcAft>
+              <a:defRPr kern="1200">
+                <a:solidFill>
+                  <a:schemeClr val="lt1"/>
+                </a:solidFill>
+                <a:latin typeface="+mn-lt"/>
+                <a:ea typeface="+mn-ea"/>
+                <a:cs typeface="+mn-cs"/>
+              </a:defRPr>
+            </a:lvl5pPr>
+            <a:lvl6pPr marL="2286000" algn="l" defTabSz="914400" rtl="0" eaLnBrk="1" latinLnBrk="0" hangingPunct="1">
+              <a:defRPr kern="1200">
+                <a:solidFill>
+                  <a:schemeClr val="lt1"/>
+                </a:solidFill>
+                <a:latin typeface="+mn-lt"/>
+                <a:ea typeface="+mn-ea"/>
+                <a:cs typeface="+mn-cs"/>
+              </a:defRPr>
+            </a:lvl6pPr>
+            <a:lvl7pPr marL="2743200" algn="l" defTabSz="914400" rtl="0" eaLnBrk="1" latinLnBrk="0" hangingPunct="1">
+              <a:defRPr kern="1200">
+                <a:solidFill>
+                  <a:schemeClr val="lt1"/>
+                </a:solidFill>
+                <a:latin typeface="+mn-lt"/>
+                <a:ea typeface="+mn-ea"/>
+                <a:cs typeface="+mn-cs"/>
+              </a:defRPr>
+            </a:lvl7pPr>
+            <a:lvl8pPr marL="3200400" algn="l" defTabSz="914400" rtl="0" eaLnBrk="1" latinLnBrk="0" hangingPunct="1">
+              <a:defRPr kern="1200">
+                <a:solidFill>
+                  <a:schemeClr val="lt1"/>
+                </a:solidFill>
+                <a:latin typeface="+mn-lt"/>
+                <a:ea typeface="+mn-ea"/>
+                <a:cs typeface="+mn-cs"/>
+              </a:defRPr>
+            </a:lvl8pPr>
+            <a:lvl9pPr marL="3657600" algn="l" defTabSz="914400" rtl="0" eaLnBrk="1" latinLnBrk="0" hangingPunct="1">
+              <a:defRPr kern="1200">
+                <a:solidFill>
+                  <a:schemeClr val="lt1"/>
+                </a:solidFill>
+                <a:latin typeface="+mn-lt"/>
+                <a:ea typeface="+mn-ea"/>
+                <a:cs typeface="+mn-cs"/>
+              </a:defRPr>
+            </a:lvl9pPr>
+          </a:lstStyle>
+          <a:p>
+            <a:pPr algn="ctr">
+              <a:defRPr/>
+            </a:pPr>
+            <a:endParaRPr lang="fr-FR"/>
+          </a:p>
+        </p:txBody>
+      </p:sp>
+      <p:sp>
+        <p:nvSpPr>
+          <p:cNvPr id="16" name="TextBox 15"/>
+          <p:cNvSpPr txBox="1"/>
+          <p:nvPr/>
+        </p:nvSpPr>
+        <p:spPr>
+          <a:xfrm>
+            <a:off x="720180" y="696463"/>
+            <a:ext cx="3456384" cy="409973"/>
+          </a:xfrm>
+          <a:prstGeom prst="rect">
+            <a:avLst/>
+          </a:prstGeom>
+          <a:noFill/>
+        </p:spPr>
+        <p:txBody>
+          <a:bodyPr wrap="square" lIns="101206" tIns="50604" rIns="101206" bIns="50604" rtlCol="0">
+            <a:spAutoFit/>
+          </a:bodyPr>
+          <a:lstStyle/>
+          <a:p>
+            <a:pPr algn="ctr"/>
+            <a:r>
+              <a:rPr lang="fr-FR" b="1" dirty="0" smtClean="0">
+                <a:solidFill>
+                  <a:schemeClr val="bg1"/>
+                </a:solidFill>
+              </a:rPr>
+              <a:t>Fiche Personnelle</a:t>
+            </a:r>
+            <a:endParaRPr lang="en-US" b="1" dirty="0">
+              <a:solidFill>
+                <a:schemeClr val="bg1"/>
+              </a:solidFill>
+            </a:endParaRPr>
+          </a:p>
+        </p:txBody>
+      </p:sp>
+      <p:cxnSp>
+        <p:nvCxnSpPr>
+          <p:cNvPr id="3" name="Straight Connector 2"/>
+          <p:cNvCxnSpPr/>
+          <p:nvPr/>
+        </p:nvCxnSpPr>
+        <p:spPr>
+          <a:xfrm>
+            <a:off x="4392588" y="349290"/>
+            <a:ext cx="0" cy="6577931"/>
+          </a:xfrm>
+          <a:prstGeom prst="line">
+            <a:avLst/>
+          </a:prstGeom>
+          <a:ln>
+            <a:solidFill>
+              <a:schemeClr val="tx1"/>
+            </a:solidFill>
+          </a:ln>
+        </p:spPr>
+        <p:style>
+          <a:lnRef idx="1">
+            <a:schemeClr val="accent1"/>
+          </a:lnRef>
+          <a:fillRef idx="0">
+            <a:schemeClr val="accent1"/>
+          </a:fillRef>
+          <a:effectRef idx="0">
+            <a:schemeClr val="accent1"/>
+          </a:effectRef>
+          <a:fontRef idx="minor">
+            <a:schemeClr val="tx1"/>
+          </a:fontRef>
+        </p:style>
+      </p:cxnSp>
+      <p:cxnSp>
+        <p:nvCxnSpPr>
+          <p:cNvPr id="7" name="Straight Connector 6"/>
+          <p:cNvCxnSpPr/>
+          <p:nvPr/>
+        </p:nvCxnSpPr>
+        <p:spPr>
+          <a:xfrm flipH="1">
+            <a:off x="509558" y="3827275"/>
+            <a:ext cx="3883030" cy="0"/>
+          </a:xfrm>
+          <a:prstGeom prst="line">
+            <a:avLst/>
+          </a:prstGeom>
+          <a:ln>
+            <a:solidFill>
+              <a:schemeClr val="tx1"/>
+            </a:solidFill>
+          </a:ln>
+        </p:spPr>
+        <p:style>
+          <a:lnRef idx="1">
+            <a:schemeClr val="accent1"/>
+          </a:lnRef>
+          <a:fillRef idx="0">
+            <a:schemeClr val="accent1"/>
+          </a:fillRef>
+          <a:effectRef idx="0">
+            <a:schemeClr val="accent1"/>
+          </a:effectRef>
+          <a:fontRef idx="minor">
+            <a:schemeClr val="tx1"/>
+          </a:fontRef>
+        </p:style>
+      </p:cxnSp>
+      <p:pic>
+        <p:nvPicPr>
+          <p:cNvPr id="17" name="Image 19" descr="870x489_calendrier-mai-2018.jpg"/>
+          <p:cNvPicPr>
+            <a:picLocks noChangeAspect="1"/>
+          </p:cNvPicPr>
+          <p:nvPr/>
+        </p:nvPicPr>
+        <p:blipFill>
+          <a:blip r:embed="rId2" cstate="print">
+            <a:extLst>
+              <a:ext uri="{28A0092B-C50C-407E-A947-70E740481C1C}">
+                <a14:useLocalDpi xmlns:a14="http://schemas.microsoft.com/office/drawing/2010/main" val="0"/>
+              </a:ext>
+            </a:extLst>
+          </a:blip>
+          <a:srcRect/>
+          <a:stretch>
+            <a:fillRect/>
+          </a:stretch>
+        </p:blipFill>
+        <p:spPr bwMode="auto">
+          <a:xfrm>
+            <a:off x="720180" y="4988578"/>
+            <a:ext cx="3487276" cy="1663386"/>
+          </a:xfrm>
+          <a:prstGeom prst="rect">
+            <a:avLst/>
+          </a:prstGeom>
+          <a:noFill/>
+          <a:ln w="19050">
+            <a:solidFill>
+              <a:srgbClr val="000000"/>
+            </a:solidFill>
+            <a:miter lim="800000"/>
+            <a:headEnd/>
+            <a:tailEnd/>
+          </a:ln>
+          <a:extLst>
+            <a:ext uri="{909E8E84-426E-40DD-AFC4-6F175D3DCCD1}">
+              <a14:hiddenFill xmlns:a14="http://schemas.microsoft.com/office/drawing/2010/main">
+                <a:solidFill>
+                  <a:srgbClr val="FFFFFF"/>
+                </a:solidFill>
+              </a14:hiddenFill>
+            </a:ext>
+          </a:extLst>
+        </p:spPr>
+      </p:pic>
+      <p:sp>
+        <p:nvSpPr>
+          <p:cNvPr id="19" name="TextBox 18"/>
+          <p:cNvSpPr txBox="1"/>
+          <p:nvPr/>
+        </p:nvSpPr>
+        <p:spPr>
+          <a:xfrm>
+            <a:off x="720180" y="4143578"/>
+            <a:ext cx="3487277" cy="409973"/>
+          </a:xfrm>
+          <a:prstGeom prst="rect">
+            <a:avLst/>
+          </a:prstGeom>
+          <a:noFill/>
+        </p:spPr>
+        <p:txBody>
+          <a:bodyPr wrap="square" lIns="101206" tIns="50604" rIns="101206" bIns="50604" rtlCol="0">
+            <a:spAutoFit/>
+          </a:bodyPr>
+          <a:lstStyle/>
+          <a:p>
+            <a:pPr algn="ctr"/>
+            <a:r>
+              <a:rPr lang="fr-FR" b="1" dirty="0" smtClean="0">
+                <a:solidFill>
+                  <a:schemeClr val="bg1"/>
+                </a:solidFill>
+              </a:rPr>
+              <a:t>Calendrier</a:t>
+            </a:r>
+            <a:endParaRPr lang="en-US" b="1" dirty="0">
+              <a:solidFill>
+                <a:schemeClr val="bg1"/>
+              </a:solidFill>
+            </a:endParaRPr>
+          </a:p>
+        </p:txBody>
+      </p:sp>
+      <p:sp>
+        <p:nvSpPr>
+          <p:cNvPr id="8" name="Rounded Rectangle 7"/>
+          <p:cNvSpPr/>
+          <p:nvPr/>
+        </p:nvSpPr>
+        <p:spPr>
+          <a:xfrm>
+            <a:off x="720181" y="3071193"/>
+            <a:ext cx="3456384" cy="567063"/>
+          </a:xfrm>
+          <a:prstGeom prst="roundRect">
+            <a:avLst/>
+          </a:prstGeom>
+          <a:gradFill flip="none" rotWithShape="1">
+            <a:gsLst>
+              <a:gs pos="0">
+                <a:srgbClr val="FF0000">
+                  <a:shade val="30000"/>
+                  <a:satMod val="115000"/>
+                </a:srgbClr>
+              </a:gs>
+              <a:gs pos="50000">
+                <a:srgbClr val="FF0000">
+                  <a:shade val="67500"/>
+                  <a:satMod val="115000"/>
+                </a:srgbClr>
+              </a:gs>
+              <a:gs pos="100000">
+                <a:srgbClr val="FF0000">
+                  <a:shade val="100000"/>
+                  <a:satMod val="115000"/>
+                </a:srgbClr>
+              </a:gs>
+            </a:gsLst>
+            <a:path path="circle">
+              <a:fillToRect l="100000" t="100000"/>
+            </a:path>
+            <a:tileRect r="-100000" b="-100000"/>
+          </a:gradFill>
+          <a:ln>
+            <a:solidFill>
+              <a:srgbClr val="580000"/>
+            </a:solidFill>
+          </a:ln>
+        </p:spPr>
+        <p:style>
+          <a:lnRef idx="2">
+            <a:schemeClr val="accent1">
+              <a:shade val="50000"/>
+            </a:schemeClr>
+          </a:lnRef>
+          <a:fillRef idx="1">
+            <a:schemeClr val="accent1"/>
+          </a:fillRef>
+          <a:effectRef idx="0">
+            <a:schemeClr val="accent1"/>
+          </a:effectRef>
+          <a:fontRef idx="minor">
+            <a:schemeClr val="lt1"/>
+          </a:fontRef>
+        </p:style>
+        <p:txBody>
+          <a:bodyPr lIns="101206" tIns="50604" rIns="101206" bIns="50604" spcCol="0" rtlCol="0" anchor="ctr"/>
+          <a:lstStyle/>
+          <a:p>
+            <a:pPr algn="ctr"/>
+            <a:endParaRPr lang="en-GB"/>
+          </a:p>
+        </p:txBody>
+      </p:sp>
+      <p:sp>
+        <p:nvSpPr>
+          <p:cNvPr id="22" name="TextBox 21"/>
+          <p:cNvSpPr txBox="1"/>
+          <p:nvPr/>
+        </p:nvSpPr>
+        <p:spPr>
+          <a:xfrm>
+            <a:off x="792188" y="3160825"/>
+            <a:ext cx="3384376" cy="409973"/>
+          </a:xfrm>
+          <a:prstGeom prst="rect">
+            <a:avLst/>
+          </a:prstGeom>
+          <a:noFill/>
+        </p:spPr>
+        <p:txBody>
+          <a:bodyPr wrap="square" lIns="101206" tIns="50604" rIns="101206" bIns="50604" rtlCol="0">
+            <a:spAutoFit/>
+          </a:bodyPr>
+          <a:lstStyle/>
+          <a:p>
+            <a:pPr algn="ctr"/>
+            <a:r>
+              <a:rPr lang="fr-FR" b="1" dirty="0" err="1" smtClean="0">
+                <a:solidFill>
+                  <a:schemeClr val="bg1"/>
+                </a:solidFill>
+              </a:rPr>
+              <a:t>Déconexion</a:t>
+            </a:r>
+            <a:endParaRPr lang="en-US" b="1" dirty="0">
+              <a:solidFill>
+                <a:schemeClr val="bg1"/>
+              </a:solidFill>
+            </a:endParaRPr>
+          </a:p>
+        </p:txBody>
+      </p:sp>
+      <p:pic>
+        <p:nvPicPr>
+          <p:cNvPr id="37" name="Picture 36"/>
+          <p:cNvPicPr>
+            <a:picLocks noChangeAspect="1"/>
+          </p:cNvPicPr>
+          <p:nvPr/>
+        </p:nvPicPr>
+        <p:blipFill>
+          <a:blip r:embed="rId3" cstate="print">
+            <a:extLst>
+              <a:ext uri="{28A0092B-C50C-407E-A947-70E740481C1C}">
+                <a14:useLocalDpi xmlns:a14="http://schemas.microsoft.com/office/drawing/2010/main" val="0"/>
+              </a:ext>
+            </a:extLst>
+          </a:blip>
+          <a:stretch>
+            <a:fillRect/>
+          </a:stretch>
+        </p:blipFill>
+        <p:spPr>
+          <a:xfrm>
+            <a:off x="11334934" y="6120730"/>
+            <a:ext cx="2415091" cy="669025"/>
+          </a:xfrm>
+          <a:prstGeom prst="rect">
+            <a:avLst/>
+          </a:prstGeom>
+        </p:spPr>
+      </p:pic>
+      <p:sp>
+        <p:nvSpPr>
+          <p:cNvPr id="32" name="Rounded Rectangle 31"/>
+          <p:cNvSpPr/>
+          <p:nvPr/>
+        </p:nvSpPr>
+        <p:spPr>
+          <a:xfrm>
+            <a:off x="7992988" y="3071193"/>
+            <a:ext cx="2793323" cy="547903"/>
+          </a:xfrm>
+          <a:prstGeom prst="roundRect">
+            <a:avLst/>
+          </a:prstGeom>
+          <a:gradFill flip="none" rotWithShape="1">
+            <a:gsLst>
+              <a:gs pos="0">
+                <a:schemeClr val="accent1">
+                  <a:shade val="30000"/>
+                  <a:satMod val="115000"/>
+                </a:schemeClr>
+              </a:gs>
+              <a:gs pos="50000">
+                <a:schemeClr val="accent1">
+                  <a:shade val="67500"/>
+                  <a:satMod val="115000"/>
+                </a:schemeClr>
+              </a:gs>
+              <a:gs pos="100000">
+                <a:schemeClr val="accent1">
+                  <a:shade val="100000"/>
+                  <a:satMod val="115000"/>
+                </a:schemeClr>
+              </a:gs>
+            </a:gsLst>
+            <a:path path="circle">
+              <a:fillToRect l="100000" t="100000"/>
+            </a:path>
+            <a:tileRect r="-100000" b="-100000"/>
+          </a:gradFill>
+          <a:ln>
+            <a:solidFill>
+              <a:srgbClr val="002060"/>
+            </a:solidFill>
+          </a:ln>
+        </p:spPr>
+        <p:style>
+          <a:lnRef idx="2">
+            <a:schemeClr val="accent1">
+              <a:shade val="50000"/>
+            </a:schemeClr>
+          </a:lnRef>
+          <a:fillRef idx="1">
+            <a:schemeClr val="accent1"/>
+          </a:fillRef>
+          <a:effectRef idx="0">
+            <a:schemeClr val="accent1"/>
+          </a:effectRef>
+          <a:fontRef idx="minor">
+            <a:schemeClr val="lt1"/>
+          </a:fontRef>
+        </p:style>
+        <p:txBody>
+          <a:bodyPr rtlCol="0" anchor="ctr"/>
+          <a:lstStyle/>
+          <a:p>
+            <a:pPr algn="ctr"/>
+            <a:endParaRPr lang="en-GB">
+              <a:ln>
+                <a:solidFill>
+                  <a:srgbClr val="002060"/>
+                </a:solidFill>
+              </a:ln>
+            </a:endParaRPr>
+          </a:p>
+        </p:txBody>
+      </p:sp>
+      <p:sp>
+        <p:nvSpPr>
+          <p:cNvPr id="33" name="TextBox 32"/>
+          <p:cNvSpPr txBox="1"/>
+          <p:nvPr/>
+        </p:nvSpPr>
+        <p:spPr>
+          <a:xfrm>
+            <a:off x="8949369" y="3145088"/>
+            <a:ext cx="987835" cy="400110"/>
+          </a:xfrm>
+          <a:prstGeom prst="rect">
+            <a:avLst/>
+          </a:prstGeom>
+          <a:noFill/>
+        </p:spPr>
+        <p:txBody>
+          <a:bodyPr wrap="none" rtlCol="0">
+            <a:spAutoFit/>
+          </a:bodyPr>
+          <a:lstStyle/>
+          <a:p>
+            <a:r>
+              <a:rPr lang="fr-FR" b="1" dirty="0" smtClean="0">
+                <a:solidFill>
+                  <a:schemeClr val="bg1"/>
+                </a:solidFill>
+              </a:rPr>
+              <a:t>Ajouter</a:t>
+            </a:r>
+            <a:endParaRPr lang="en-GB" dirty="0"/>
+          </a:p>
+        </p:txBody>
+      </p:sp>
+      <p:sp>
+        <p:nvSpPr>
+          <p:cNvPr id="25" name="ZoneTexte 10"/>
+          <p:cNvSpPr txBox="1">
+            <a:spLocks noChangeArrowheads="1"/>
+          </p:cNvSpPr>
+          <p:nvPr/>
+        </p:nvSpPr>
+        <p:spPr bwMode="auto">
+          <a:xfrm>
+            <a:off x="4741515" y="2123885"/>
+            <a:ext cx="720080" cy="400110"/>
+          </a:xfrm>
+          <a:prstGeom prst="rect">
+            <a:avLst/>
+          </a:prstGeom>
+          <a:noFill/>
+          <a:ln>
+            <a:noFill/>
+          </a:ln>
+          <a:extLst>
+            <a:ext uri="{909E8E84-426E-40DD-AFC4-6F175D3DCCD1}">
+              <a14:hiddenFill xmlns:a14="http://schemas.microsoft.com/office/drawing/2010/main">
+                <a:solidFill>
+                  <a:srgbClr val="FFFFFF"/>
+                </a:solidFill>
+              </a14:hiddenFill>
+            </a:ext>
+            <a:ext uri="{91240B29-F687-4F45-9708-019B960494DF}">
+              <a14:hiddenLine xmlns:a14="http://schemas.microsoft.com/office/drawing/2010/main" w="9525">
+                <a:solidFill>
+                  <a:srgbClr val="000000"/>
+                </a:solidFill>
+                <a:miter lim="800000"/>
+                <a:headEnd/>
+                <a:tailEnd/>
+              </a14:hiddenLine>
+            </a:ext>
+          </a:extLst>
+        </p:spPr>
+        <p:txBody>
+          <a:bodyPr wrap="square">
+            <a:spAutoFit/>
+          </a:bodyPr>
+          <a:lstStyle>
+            <a:defPPr>
+              <a:defRPr lang="fr-FR"/>
+            </a:defPPr>
+            <a:lvl1pPr algn="l" rtl="0" fontAlgn="base">
+              <a:spcBef>
+                <a:spcPct val="0"/>
+              </a:spcBef>
+              <a:spcAft>
+                <a:spcPct val="0"/>
+              </a:spcAft>
+              <a:defRPr kern="1200">
+                <a:solidFill>
+                  <a:schemeClr val="tx1"/>
+                </a:solidFill>
+                <a:latin typeface="Arial" charset="0"/>
+                <a:ea typeface="+mn-ea"/>
+                <a:cs typeface="Arial" charset="0"/>
+              </a:defRPr>
+            </a:lvl1pPr>
+            <a:lvl2pPr marL="457200" algn="l" rtl="0" fontAlgn="base">
+              <a:spcBef>
+                <a:spcPct val="0"/>
+              </a:spcBef>
+              <a:spcAft>
+                <a:spcPct val="0"/>
+              </a:spcAft>
+              <a:defRPr kern="1200">
+                <a:solidFill>
+                  <a:schemeClr val="tx1"/>
+                </a:solidFill>
+                <a:latin typeface="Arial" charset="0"/>
+                <a:ea typeface="+mn-ea"/>
+                <a:cs typeface="Arial" charset="0"/>
+              </a:defRPr>
+            </a:lvl2pPr>
+            <a:lvl3pPr marL="914400" algn="l" rtl="0" fontAlgn="base">
+              <a:spcBef>
+                <a:spcPct val="0"/>
+              </a:spcBef>
+              <a:spcAft>
+                <a:spcPct val="0"/>
+              </a:spcAft>
+              <a:defRPr kern="1200">
+                <a:solidFill>
+                  <a:schemeClr val="tx1"/>
+                </a:solidFill>
+                <a:latin typeface="Arial" charset="0"/>
+                <a:ea typeface="+mn-ea"/>
+                <a:cs typeface="Arial" charset="0"/>
+              </a:defRPr>
+            </a:lvl3pPr>
+            <a:lvl4pPr marL="1371600" algn="l" rtl="0" fontAlgn="base">
+              <a:spcBef>
+                <a:spcPct val="0"/>
+              </a:spcBef>
+              <a:spcAft>
+                <a:spcPct val="0"/>
+              </a:spcAft>
+              <a:defRPr kern="1200">
+                <a:solidFill>
+                  <a:schemeClr val="tx1"/>
+                </a:solidFill>
+                <a:latin typeface="Arial" charset="0"/>
+                <a:ea typeface="+mn-ea"/>
+                <a:cs typeface="Arial" charset="0"/>
+              </a:defRPr>
+            </a:lvl4pPr>
+            <a:lvl5pPr marL="1828800" algn="l" rtl="0" fontAlgn="base">
+              <a:spcBef>
+                <a:spcPct val="0"/>
+              </a:spcBef>
+              <a:spcAft>
+                <a:spcPct val="0"/>
+              </a:spcAft>
+              <a:defRPr kern="1200">
+                <a:solidFill>
+                  <a:schemeClr val="tx1"/>
+                </a:solidFill>
+                <a:latin typeface="Arial" charset="0"/>
+                <a:ea typeface="+mn-ea"/>
+                <a:cs typeface="Arial" charset="0"/>
+              </a:defRPr>
+            </a:lvl5pPr>
+            <a:lvl6pPr marL="2286000" algn="l" defTabSz="914400" rtl="0" eaLnBrk="1" latinLnBrk="0" hangingPunct="1">
+              <a:defRPr kern="1200">
+                <a:solidFill>
+                  <a:schemeClr val="tx1"/>
+                </a:solidFill>
+                <a:latin typeface="Arial" charset="0"/>
+                <a:ea typeface="+mn-ea"/>
+                <a:cs typeface="Arial" charset="0"/>
+              </a:defRPr>
+            </a:lvl6pPr>
+            <a:lvl7pPr marL="2743200" algn="l" defTabSz="914400" rtl="0" eaLnBrk="1" latinLnBrk="0" hangingPunct="1">
+              <a:defRPr kern="1200">
+                <a:solidFill>
+                  <a:schemeClr val="tx1"/>
+                </a:solidFill>
+                <a:latin typeface="Arial" charset="0"/>
+                <a:ea typeface="+mn-ea"/>
+                <a:cs typeface="Arial" charset="0"/>
+              </a:defRPr>
+            </a:lvl7pPr>
+            <a:lvl8pPr marL="3200400" algn="l" defTabSz="914400" rtl="0" eaLnBrk="1" latinLnBrk="0" hangingPunct="1">
+              <a:defRPr kern="1200">
+                <a:solidFill>
+                  <a:schemeClr val="tx1"/>
+                </a:solidFill>
+                <a:latin typeface="Arial" charset="0"/>
+                <a:ea typeface="+mn-ea"/>
+                <a:cs typeface="Arial" charset="0"/>
+              </a:defRPr>
+            </a:lvl8pPr>
+            <a:lvl9pPr marL="3657600" algn="l" defTabSz="914400" rtl="0" eaLnBrk="1" latinLnBrk="0" hangingPunct="1">
+              <a:defRPr kern="1200">
+                <a:solidFill>
+                  <a:schemeClr val="tx1"/>
+                </a:solidFill>
+                <a:latin typeface="Arial" charset="0"/>
+                <a:ea typeface="+mn-ea"/>
+                <a:cs typeface="Arial" charset="0"/>
+              </a:defRPr>
+            </a:lvl9pPr>
+          </a:lstStyle>
+          <a:p>
+            <a:pPr eaLnBrk="1" hangingPunct="1"/>
+            <a:r>
+              <a:rPr lang="fr-FR" dirty="0" smtClean="0">
+                <a:latin typeface="Calibri" pitchFamily="34" charset="0"/>
+              </a:rPr>
+              <a:t>Jour</a:t>
+            </a:r>
+            <a:endParaRPr lang="fr-FR" dirty="0">
+              <a:latin typeface="Calibri" pitchFamily="34" charset="0"/>
+            </a:endParaRPr>
+          </a:p>
+        </p:txBody>
+      </p:sp>
+      <p:sp>
+        <p:nvSpPr>
+          <p:cNvPr id="26" name="ZoneTexte 13"/>
+          <p:cNvSpPr txBox="1">
+            <a:spLocks noChangeArrowheads="1"/>
+          </p:cNvSpPr>
+          <p:nvPr/>
+        </p:nvSpPr>
+        <p:spPr bwMode="auto">
+          <a:xfrm>
+            <a:off x="7416924" y="2134002"/>
+            <a:ext cx="1905164" cy="400110"/>
+          </a:xfrm>
+          <a:prstGeom prst="rect">
+            <a:avLst/>
+          </a:prstGeom>
+          <a:noFill/>
+          <a:ln>
+            <a:noFill/>
+          </a:ln>
+          <a:extLst>
+            <a:ext uri="{909E8E84-426E-40DD-AFC4-6F175D3DCCD1}">
+              <a14:hiddenFill xmlns:a14="http://schemas.microsoft.com/office/drawing/2010/main">
+                <a:solidFill>
+                  <a:srgbClr val="FFFFFF"/>
+                </a:solidFill>
+              </a14:hiddenFill>
+            </a:ext>
+            <a:ext uri="{91240B29-F687-4F45-9708-019B960494DF}">
+              <a14:hiddenLine xmlns:a14="http://schemas.microsoft.com/office/drawing/2010/main" w="9525">
+                <a:solidFill>
+                  <a:srgbClr val="000000"/>
+                </a:solidFill>
+                <a:miter lim="800000"/>
+                <a:headEnd/>
+                <a:tailEnd/>
+              </a14:hiddenLine>
+            </a:ext>
+          </a:extLst>
+        </p:spPr>
+        <p:txBody>
+          <a:bodyPr wrap="square">
+            <a:spAutoFit/>
+          </a:bodyPr>
+          <a:lstStyle>
+            <a:defPPr>
+              <a:defRPr lang="fr-FR"/>
+            </a:defPPr>
+            <a:lvl1pPr algn="l" rtl="0" fontAlgn="base">
+              <a:spcBef>
+                <a:spcPct val="0"/>
+              </a:spcBef>
+              <a:spcAft>
+                <a:spcPct val="0"/>
+              </a:spcAft>
+              <a:defRPr kern="1200">
+                <a:solidFill>
+                  <a:schemeClr val="tx1"/>
+                </a:solidFill>
+                <a:latin typeface="Arial" charset="0"/>
+                <a:ea typeface="+mn-ea"/>
+                <a:cs typeface="Arial" charset="0"/>
+              </a:defRPr>
+            </a:lvl1pPr>
+            <a:lvl2pPr marL="457200" algn="l" rtl="0" fontAlgn="base">
+              <a:spcBef>
+                <a:spcPct val="0"/>
+              </a:spcBef>
+              <a:spcAft>
+                <a:spcPct val="0"/>
+              </a:spcAft>
+              <a:defRPr kern="1200">
+                <a:solidFill>
+                  <a:schemeClr val="tx1"/>
+                </a:solidFill>
+                <a:latin typeface="Arial" charset="0"/>
+                <a:ea typeface="+mn-ea"/>
+                <a:cs typeface="Arial" charset="0"/>
+              </a:defRPr>
+            </a:lvl2pPr>
+            <a:lvl3pPr marL="914400" algn="l" rtl="0" fontAlgn="base">
+              <a:spcBef>
+                <a:spcPct val="0"/>
+              </a:spcBef>
+              <a:spcAft>
+                <a:spcPct val="0"/>
+              </a:spcAft>
+              <a:defRPr kern="1200">
+                <a:solidFill>
+                  <a:schemeClr val="tx1"/>
+                </a:solidFill>
+                <a:latin typeface="Arial" charset="0"/>
+                <a:ea typeface="+mn-ea"/>
+                <a:cs typeface="Arial" charset="0"/>
+              </a:defRPr>
+            </a:lvl3pPr>
+            <a:lvl4pPr marL="1371600" algn="l" rtl="0" fontAlgn="base">
+              <a:spcBef>
+                <a:spcPct val="0"/>
+              </a:spcBef>
+              <a:spcAft>
+                <a:spcPct val="0"/>
+              </a:spcAft>
+              <a:defRPr kern="1200">
+                <a:solidFill>
+                  <a:schemeClr val="tx1"/>
+                </a:solidFill>
+                <a:latin typeface="Arial" charset="0"/>
+                <a:ea typeface="+mn-ea"/>
+                <a:cs typeface="Arial" charset="0"/>
+              </a:defRPr>
+            </a:lvl4pPr>
+            <a:lvl5pPr marL="1828800" algn="l" rtl="0" fontAlgn="base">
+              <a:spcBef>
+                <a:spcPct val="0"/>
+              </a:spcBef>
+              <a:spcAft>
+                <a:spcPct val="0"/>
+              </a:spcAft>
+              <a:defRPr kern="1200">
+                <a:solidFill>
+                  <a:schemeClr val="tx1"/>
+                </a:solidFill>
+                <a:latin typeface="Arial" charset="0"/>
+                <a:ea typeface="+mn-ea"/>
+                <a:cs typeface="Arial" charset="0"/>
+              </a:defRPr>
+            </a:lvl5pPr>
+            <a:lvl6pPr marL="2286000" algn="l" defTabSz="914400" rtl="0" eaLnBrk="1" latinLnBrk="0" hangingPunct="1">
+              <a:defRPr kern="1200">
+                <a:solidFill>
+                  <a:schemeClr val="tx1"/>
+                </a:solidFill>
+                <a:latin typeface="Arial" charset="0"/>
+                <a:ea typeface="+mn-ea"/>
+                <a:cs typeface="Arial" charset="0"/>
+              </a:defRPr>
+            </a:lvl6pPr>
+            <a:lvl7pPr marL="2743200" algn="l" defTabSz="914400" rtl="0" eaLnBrk="1" latinLnBrk="0" hangingPunct="1">
+              <a:defRPr kern="1200">
+                <a:solidFill>
+                  <a:schemeClr val="tx1"/>
+                </a:solidFill>
+                <a:latin typeface="Arial" charset="0"/>
+                <a:ea typeface="+mn-ea"/>
+                <a:cs typeface="Arial" charset="0"/>
+              </a:defRPr>
+            </a:lvl7pPr>
+            <a:lvl8pPr marL="3200400" algn="l" defTabSz="914400" rtl="0" eaLnBrk="1" latinLnBrk="0" hangingPunct="1">
+              <a:defRPr kern="1200">
+                <a:solidFill>
+                  <a:schemeClr val="tx1"/>
+                </a:solidFill>
+                <a:latin typeface="Arial" charset="0"/>
+                <a:ea typeface="+mn-ea"/>
+                <a:cs typeface="Arial" charset="0"/>
+              </a:defRPr>
+            </a:lvl8pPr>
+            <a:lvl9pPr marL="3657600" algn="l" defTabSz="914400" rtl="0" eaLnBrk="1" latinLnBrk="0" hangingPunct="1">
+              <a:defRPr kern="1200">
+                <a:solidFill>
+                  <a:schemeClr val="tx1"/>
+                </a:solidFill>
+                <a:latin typeface="Arial" charset="0"/>
+                <a:ea typeface="+mn-ea"/>
+                <a:cs typeface="Arial" charset="0"/>
+              </a:defRPr>
+            </a:lvl9pPr>
+          </a:lstStyle>
+          <a:p>
+            <a:pPr eaLnBrk="1" hangingPunct="1"/>
+            <a:r>
+              <a:rPr lang="fr-FR" dirty="0" smtClean="0">
+                <a:latin typeface="Calibri" pitchFamily="34" charset="0"/>
+              </a:rPr>
+              <a:t>Heure(</a:t>
+            </a:r>
+            <a:r>
+              <a:rPr lang="fr-FR" dirty="0" err="1" smtClean="0">
+                <a:latin typeface="Calibri" pitchFamily="34" charset="0"/>
+              </a:rPr>
+              <a:t>periode</a:t>
+            </a:r>
+            <a:r>
+              <a:rPr lang="fr-FR" dirty="0" smtClean="0">
+                <a:latin typeface="Calibri" pitchFamily="34" charset="0"/>
+              </a:rPr>
+              <a:t>)</a:t>
+            </a:r>
+            <a:endParaRPr lang="fr-FR" dirty="0">
+              <a:latin typeface="Calibri" pitchFamily="34" charset="0"/>
+            </a:endParaRPr>
+          </a:p>
+        </p:txBody>
+      </p:sp>
+      <p:sp>
+        <p:nvSpPr>
+          <p:cNvPr id="30" name="ZoneTexte 20"/>
+          <p:cNvSpPr txBox="1">
+            <a:spLocks noChangeArrowheads="1"/>
+          </p:cNvSpPr>
+          <p:nvPr/>
+        </p:nvSpPr>
+        <p:spPr bwMode="auto">
+          <a:xfrm>
+            <a:off x="11521380" y="2158432"/>
+            <a:ext cx="1138154" cy="400110"/>
+          </a:xfrm>
+          <a:prstGeom prst="rect">
+            <a:avLst/>
+          </a:prstGeom>
+          <a:noFill/>
+          <a:ln>
+            <a:noFill/>
+          </a:ln>
+          <a:extLst>
+            <a:ext uri="{909E8E84-426E-40DD-AFC4-6F175D3DCCD1}">
+              <a14:hiddenFill xmlns:a14="http://schemas.microsoft.com/office/drawing/2010/main">
+                <a:solidFill>
+                  <a:srgbClr val="FFFFFF"/>
+                </a:solidFill>
+              </a14:hiddenFill>
+            </a:ext>
+            <a:ext uri="{91240B29-F687-4F45-9708-019B960494DF}">
+              <a14:hiddenLine xmlns:a14="http://schemas.microsoft.com/office/drawing/2010/main" w="9525">
+                <a:solidFill>
+                  <a:srgbClr val="000000"/>
+                </a:solidFill>
+                <a:miter lim="800000"/>
+                <a:headEnd/>
+                <a:tailEnd/>
+              </a14:hiddenLine>
+            </a:ext>
+          </a:extLst>
+        </p:spPr>
+        <p:txBody>
+          <a:bodyPr wrap="square">
+            <a:spAutoFit/>
+          </a:bodyPr>
+          <a:lstStyle>
+            <a:defPPr>
+              <a:defRPr lang="fr-FR"/>
+            </a:defPPr>
+            <a:lvl1pPr algn="l" rtl="0" fontAlgn="base">
+              <a:spcBef>
+                <a:spcPct val="0"/>
+              </a:spcBef>
+              <a:spcAft>
+                <a:spcPct val="0"/>
+              </a:spcAft>
+              <a:defRPr kern="1200">
+                <a:solidFill>
+                  <a:schemeClr val="tx1"/>
+                </a:solidFill>
+                <a:latin typeface="Arial" charset="0"/>
+                <a:ea typeface="+mn-ea"/>
+                <a:cs typeface="Arial" charset="0"/>
+              </a:defRPr>
+            </a:lvl1pPr>
+            <a:lvl2pPr marL="457200" algn="l" rtl="0" fontAlgn="base">
+              <a:spcBef>
+                <a:spcPct val="0"/>
+              </a:spcBef>
+              <a:spcAft>
+                <a:spcPct val="0"/>
+              </a:spcAft>
+              <a:defRPr kern="1200">
+                <a:solidFill>
+                  <a:schemeClr val="tx1"/>
+                </a:solidFill>
+                <a:latin typeface="Arial" charset="0"/>
+                <a:ea typeface="+mn-ea"/>
+                <a:cs typeface="Arial" charset="0"/>
+              </a:defRPr>
+            </a:lvl2pPr>
+            <a:lvl3pPr marL="914400" algn="l" rtl="0" fontAlgn="base">
+              <a:spcBef>
+                <a:spcPct val="0"/>
+              </a:spcBef>
+              <a:spcAft>
+                <a:spcPct val="0"/>
+              </a:spcAft>
+              <a:defRPr kern="1200">
+                <a:solidFill>
+                  <a:schemeClr val="tx1"/>
+                </a:solidFill>
+                <a:latin typeface="Arial" charset="0"/>
+                <a:ea typeface="+mn-ea"/>
+                <a:cs typeface="Arial" charset="0"/>
+              </a:defRPr>
+            </a:lvl3pPr>
+            <a:lvl4pPr marL="1371600" algn="l" rtl="0" fontAlgn="base">
+              <a:spcBef>
+                <a:spcPct val="0"/>
+              </a:spcBef>
+              <a:spcAft>
+                <a:spcPct val="0"/>
+              </a:spcAft>
+              <a:defRPr kern="1200">
+                <a:solidFill>
+                  <a:schemeClr val="tx1"/>
+                </a:solidFill>
+                <a:latin typeface="Arial" charset="0"/>
+                <a:ea typeface="+mn-ea"/>
+                <a:cs typeface="Arial" charset="0"/>
+              </a:defRPr>
+            </a:lvl4pPr>
+            <a:lvl5pPr marL="1828800" algn="l" rtl="0" fontAlgn="base">
+              <a:spcBef>
+                <a:spcPct val="0"/>
+              </a:spcBef>
+              <a:spcAft>
+                <a:spcPct val="0"/>
+              </a:spcAft>
+              <a:defRPr kern="1200">
+                <a:solidFill>
+                  <a:schemeClr val="tx1"/>
+                </a:solidFill>
+                <a:latin typeface="Arial" charset="0"/>
+                <a:ea typeface="+mn-ea"/>
+                <a:cs typeface="Arial" charset="0"/>
+              </a:defRPr>
+            </a:lvl5pPr>
+            <a:lvl6pPr marL="2286000" algn="l" defTabSz="914400" rtl="0" eaLnBrk="1" latinLnBrk="0" hangingPunct="1">
+              <a:defRPr kern="1200">
+                <a:solidFill>
+                  <a:schemeClr val="tx1"/>
+                </a:solidFill>
+                <a:latin typeface="Arial" charset="0"/>
+                <a:ea typeface="+mn-ea"/>
+                <a:cs typeface="Arial" charset="0"/>
+              </a:defRPr>
+            </a:lvl6pPr>
+            <a:lvl7pPr marL="2743200" algn="l" defTabSz="914400" rtl="0" eaLnBrk="1" latinLnBrk="0" hangingPunct="1">
+              <a:defRPr kern="1200">
+                <a:solidFill>
+                  <a:schemeClr val="tx1"/>
+                </a:solidFill>
+                <a:latin typeface="Arial" charset="0"/>
+                <a:ea typeface="+mn-ea"/>
+                <a:cs typeface="Arial" charset="0"/>
+              </a:defRPr>
+            </a:lvl7pPr>
+            <a:lvl8pPr marL="3200400" algn="l" defTabSz="914400" rtl="0" eaLnBrk="1" latinLnBrk="0" hangingPunct="1">
+              <a:defRPr kern="1200">
+                <a:solidFill>
+                  <a:schemeClr val="tx1"/>
+                </a:solidFill>
+                <a:latin typeface="Arial" charset="0"/>
+                <a:ea typeface="+mn-ea"/>
+                <a:cs typeface="Arial" charset="0"/>
+              </a:defRPr>
+            </a:lvl8pPr>
+            <a:lvl9pPr marL="3657600" algn="l" defTabSz="914400" rtl="0" eaLnBrk="1" latinLnBrk="0" hangingPunct="1">
+              <a:defRPr kern="1200">
+                <a:solidFill>
+                  <a:schemeClr val="tx1"/>
+                </a:solidFill>
+                <a:latin typeface="Arial" charset="0"/>
+                <a:ea typeface="+mn-ea"/>
+                <a:cs typeface="Arial" charset="0"/>
+              </a:defRPr>
+            </a:lvl9pPr>
+          </a:lstStyle>
+          <a:p>
+            <a:pPr eaLnBrk="1" hangingPunct="1"/>
+            <a:r>
+              <a:rPr lang="fr-FR" dirty="0" smtClean="0">
+                <a:latin typeface="Calibri" pitchFamily="34" charset="0"/>
+              </a:rPr>
+              <a:t>Capacité</a:t>
+            </a:r>
+            <a:endParaRPr lang="fr-FR" dirty="0">
+              <a:latin typeface="Calibri" pitchFamily="34" charset="0"/>
+            </a:endParaRPr>
+          </a:p>
+        </p:txBody>
+      </p:sp>
+      <p:sp>
+        <p:nvSpPr>
+          <p:cNvPr id="31" name="Rounded Rectangle 30"/>
+          <p:cNvSpPr/>
+          <p:nvPr/>
+        </p:nvSpPr>
+        <p:spPr>
+          <a:xfrm>
+            <a:off x="5461595" y="2146508"/>
+            <a:ext cx="1739305" cy="377487"/>
+          </a:xfrm>
+          <a:prstGeom prst="roundRect">
+            <a:avLst/>
+          </a:prstGeom>
+          <a:solidFill>
+            <a:srgbClr val="EEEEEE"/>
+          </a:solidFill>
+        </p:spPr>
+        <p:style>
+          <a:lnRef idx="2">
+            <a:schemeClr val="accent1">
+              <a:shade val="50000"/>
+            </a:schemeClr>
+          </a:lnRef>
+          <a:fillRef idx="1">
+            <a:schemeClr val="accent1"/>
+          </a:fillRef>
+          <a:effectRef idx="0">
+            <a:schemeClr val="accent1"/>
+          </a:effectRef>
+          <a:fontRef idx="minor">
+            <a:schemeClr val="lt1"/>
+          </a:fontRef>
+        </p:style>
+        <p:txBody>
+          <a:bodyPr rtlCol="0" anchor="ctr"/>
+          <a:lstStyle/>
+          <a:p>
+            <a:pPr algn="ctr"/>
+            <a:endParaRPr lang="en-GB"/>
+          </a:p>
+        </p:txBody>
+      </p:sp>
+      <p:sp>
+        <p:nvSpPr>
+          <p:cNvPr id="39" name="Rounded Rectangle 38"/>
+          <p:cNvSpPr/>
+          <p:nvPr/>
+        </p:nvSpPr>
+        <p:spPr>
+          <a:xfrm>
+            <a:off x="9217124" y="2158433"/>
+            <a:ext cx="2071638" cy="377487"/>
+          </a:xfrm>
+          <a:prstGeom prst="roundRect">
+            <a:avLst/>
+          </a:prstGeom>
+          <a:solidFill>
+            <a:srgbClr val="EEEEEE"/>
+          </a:solidFill>
+        </p:spPr>
+        <p:style>
+          <a:lnRef idx="2">
+            <a:schemeClr val="accent1">
+              <a:shade val="50000"/>
+            </a:schemeClr>
+          </a:lnRef>
+          <a:fillRef idx="1">
+            <a:schemeClr val="accent1"/>
+          </a:fillRef>
+          <a:effectRef idx="0">
+            <a:schemeClr val="accent1"/>
+          </a:effectRef>
+          <a:fontRef idx="minor">
+            <a:schemeClr val="lt1"/>
+          </a:fontRef>
+        </p:style>
+        <p:txBody>
+          <a:bodyPr rtlCol="0" anchor="ctr"/>
+          <a:lstStyle/>
+          <a:p>
+            <a:pPr algn="ctr"/>
+            <a:endParaRPr lang="en-GB"/>
+          </a:p>
+        </p:txBody>
+      </p:sp>
+      <p:sp>
+        <p:nvSpPr>
+          <p:cNvPr id="41" name="Rounded Rectangle 40"/>
+          <p:cNvSpPr/>
+          <p:nvPr/>
+        </p:nvSpPr>
+        <p:spPr>
+          <a:xfrm>
+            <a:off x="12673508" y="2158432"/>
+            <a:ext cx="864462" cy="377487"/>
+          </a:xfrm>
+          <a:prstGeom prst="roundRect">
+            <a:avLst/>
+          </a:prstGeom>
+          <a:solidFill>
+            <a:srgbClr val="EEEEEE"/>
+          </a:solidFill>
+        </p:spPr>
+        <p:style>
+          <a:lnRef idx="2">
+            <a:schemeClr val="accent1">
+              <a:shade val="50000"/>
+            </a:schemeClr>
+          </a:lnRef>
+          <a:fillRef idx="1">
+            <a:schemeClr val="accent1"/>
+          </a:fillRef>
+          <a:effectRef idx="0">
+            <a:schemeClr val="accent1"/>
+          </a:effectRef>
+          <a:fontRef idx="minor">
+            <a:schemeClr val="lt1"/>
+          </a:fontRef>
+        </p:style>
+        <p:txBody>
+          <a:bodyPr rtlCol="0" anchor="ctr"/>
+          <a:lstStyle/>
+          <a:p>
+            <a:pPr algn="ctr"/>
+            <a:endParaRPr lang="en-GB"/>
+          </a:p>
+        </p:txBody>
+      </p:sp>
+    </p:spTree>
+    <p:extLst>
+      <p:ext uri="{BB962C8B-B14F-4D97-AF65-F5344CB8AC3E}">
+        <p14:creationId xmlns:p14="http://schemas.microsoft.com/office/powerpoint/2010/main" val="3392680260"/>
+      </p:ext>
+    </p:extLst>
+  </p:cSld>
+  <p:clrMapOvr>
+    <a:masterClrMapping/>
+  </p:clrMapOvr>
+  <p:timing>
+    <p:tnLst>
+      <p:par>
+        <p:cTn id="1" dur="indefinite" restart="never" nodeType="tmRoot"/>
+      </p:par>
+    </p:tnLst>
+  </p:timing>
+</p:sld>
+</file>
+
+<file path=ppt/slides/slide13.xml><?xml version="1.0" encoding="utf-8"?>
+<p:sld xmlns:a="http://schemas.openxmlformats.org/drawingml/2006/main" xmlns:r="http://schemas.openxmlformats.org/officeDocument/2006/relationships" xmlns:p="http://schemas.openxmlformats.org/presentationml/2006/main">
+  <p:cSld>
+    <p:spTree>
+      <p:nvGrpSpPr>
+        <p:cNvPr id="1" name=""/>
+        <p:cNvGrpSpPr/>
+        <p:nvPr/>
+      </p:nvGrpSpPr>
+      <p:grpSpPr>
+        <a:xfrm>
+          <a:off x="0" y="0"/>
+          <a:ext cx="0" cy="0"/>
+          <a:chOff x="0" y="0"/>
+          <a:chExt cx="0" cy="0"/>
+        </a:xfrm>
+      </p:grpSpPr>
+      <p:sp>
+        <p:nvSpPr>
+          <p:cNvPr id="40" name="Rectangle 39"/>
+          <p:cNvSpPr/>
+          <p:nvPr/>
+        </p:nvSpPr>
+        <p:spPr>
+          <a:xfrm>
+            <a:off x="442950" y="349290"/>
+            <a:ext cx="13382686" cy="6577931"/>
+          </a:xfrm>
+          <a:prstGeom prst="rect">
+            <a:avLst/>
+          </a:prstGeom>
+          <a:gradFill flip="none" rotWithShape="1">
+            <a:gsLst>
+              <a:gs pos="0">
+                <a:schemeClr val="accent1">
+                  <a:lumMod val="75000"/>
+                  <a:tint val="66000"/>
+                  <a:satMod val="160000"/>
+                </a:schemeClr>
+              </a:gs>
+              <a:gs pos="50000">
+                <a:schemeClr val="accent1">
+                  <a:lumMod val="75000"/>
+                  <a:tint val="44500"/>
+                  <a:satMod val="160000"/>
+                </a:schemeClr>
+              </a:gs>
+              <a:gs pos="100000">
+                <a:schemeClr val="accent1">
+                  <a:lumMod val="75000"/>
+                  <a:tint val="23500"/>
+                  <a:satMod val="160000"/>
+                </a:schemeClr>
+              </a:gs>
+            </a:gsLst>
+            <a:path path="circle">
+              <a:fillToRect l="100000" t="100000"/>
+            </a:path>
+            <a:tileRect r="-100000" b="-100000"/>
+          </a:gradFill>
+          <a:ln>
+            <a:solidFill>
+              <a:schemeClr val="tx1"/>
+            </a:solidFill>
+          </a:ln>
+        </p:spPr>
+        <p:style>
+          <a:lnRef idx="2">
+            <a:schemeClr val="accent1">
+              <a:shade val="50000"/>
+            </a:schemeClr>
+          </a:lnRef>
+          <a:fillRef idx="1">
+            <a:schemeClr val="accent1"/>
+          </a:fillRef>
+          <a:effectRef idx="0">
+            <a:schemeClr val="accent1"/>
+          </a:effectRef>
+          <a:fontRef idx="minor">
+            <a:schemeClr val="lt1"/>
+          </a:fontRef>
+        </p:style>
+        <p:txBody>
+          <a:bodyPr lIns="101206" tIns="50604" rIns="101206" bIns="50604" rtlCol="0" anchor="ctr"/>
+          <a:lstStyle/>
+          <a:p>
+            <a:pPr algn="ctr"/>
+            <a:endParaRPr lang="en-US" i="1" dirty="0">
+              <a:gradFill flip="none" rotWithShape="1">
+                <a:gsLst>
+                  <a:gs pos="0">
+                    <a:schemeClr val="tx1">
+                      <a:tint val="66000"/>
+                      <a:satMod val="160000"/>
+                    </a:schemeClr>
+                  </a:gs>
+                  <a:gs pos="50000">
+                    <a:schemeClr val="tx1">
+                      <a:tint val="44500"/>
+                      <a:satMod val="160000"/>
+                    </a:schemeClr>
+                  </a:gs>
+                  <a:gs pos="100000">
+                    <a:schemeClr val="tx1">
+                      <a:tint val="23500"/>
+                      <a:satMod val="160000"/>
+                    </a:schemeClr>
+                  </a:gs>
+                </a:gsLst>
+                <a:lin ang="5400000" scaled="1"/>
+                <a:tileRect/>
+              </a:gradFill>
+            </a:endParaRPr>
+          </a:p>
+        </p:txBody>
+      </p:sp>
+      <p:sp>
+        <p:nvSpPr>
+          <p:cNvPr id="27" name="Rounded Rectangle 26"/>
+          <p:cNvSpPr/>
+          <p:nvPr/>
+        </p:nvSpPr>
+        <p:spPr>
+          <a:xfrm>
+            <a:off x="720180" y="1397083"/>
+            <a:ext cx="3456384" cy="748730"/>
+          </a:xfrm>
+          <a:prstGeom prst="roundRect">
+            <a:avLst/>
+          </a:prstGeom>
+          <a:gradFill flip="none" rotWithShape="1">
+            <a:gsLst>
+              <a:gs pos="0">
+                <a:schemeClr val="accent1">
+                  <a:shade val="30000"/>
+                  <a:satMod val="115000"/>
+                </a:schemeClr>
+              </a:gs>
+              <a:gs pos="50000">
+                <a:schemeClr val="accent1">
+                  <a:shade val="67500"/>
+                  <a:satMod val="115000"/>
+                </a:schemeClr>
+              </a:gs>
+              <a:gs pos="100000">
+                <a:schemeClr val="accent1">
+                  <a:shade val="100000"/>
+                  <a:satMod val="115000"/>
+                </a:schemeClr>
+              </a:gs>
+            </a:gsLst>
+            <a:path path="circle">
+              <a:fillToRect l="100000" t="100000"/>
+            </a:path>
+            <a:tileRect r="-100000" b="-100000"/>
+          </a:gradFill>
+          <a:ln>
+            <a:solidFill>
+              <a:srgbClr val="002060"/>
+            </a:solidFill>
+          </a:ln>
+        </p:spPr>
+        <p:style>
+          <a:lnRef idx="2">
+            <a:schemeClr val="accent1">
+              <a:shade val="50000"/>
+            </a:schemeClr>
+          </a:lnRef>
+          <a:fillRef idx="1">
+            <a:schemeClr val="accent1"/>
+          </a:fillRef>
+          <a:effectRef idx="0">
+            <a:schemeClr val="accent1"/>
+          </a:effectRef>
+          <a:fontRef idx="minor">
+            <a:schemeClr val="lt1"/>
+          </a:fontRef>
+        </p:style>
+        <p:txBody>
+          <a:bodyPr rtlCol="0" anchor="ctr"/>
+          <a:lstStyle/>
+          <a:p>
+            <a:pPr algn="ctr"/>
+            <a:endParaRPr lang="en-GB">
+              <a:ln>
+                <a:solidFill>
+                  <a:srgbClr val="002060"/>
+                </a:solidFill>
+              </a:ln>
+            </a:endParaRPr>
+          </a:p>
+        </p:txBody>
+      </p:sp>
+      <p:sp>
+        <p:nvSpPr>
+          <p:cNvPr id="28" name="Rounded Rectangle 27"/>
+          <p:cNvSpPr/>
+          <p:nvPr/>
+        </p:nvSpPr>
+        <p:spPr>
+          <a:xfrm>
+            <a:off x="720180" y="2303464"/>
+            <a:ext cx="3456384" cy="648914"/>
+          </a:xfrm>
+          <a:prstGeom prst="roundRect">
+            <a:avLst/>
+          </a:prstGeom>
+          <a:gradFill flip="none" rotWithShape="1">
+            <a:gsLst>
+              <a:gs pos="0">
+                <a:schemeClr val="accent1">
+                  <a:shade val="30000"/>
+                  <a:satMod val="115000"/>
+                </a:schemeClr>
+              </a:gs>
+              <a:gs pos="50000">
+                <a:schemeClr val="accent1">
+                  <a:shade val="67500"/>
+                  <a:satMod val="115000"/>
+                </a:schemeClr>
+              </a:gs>
+              <a:gs pos="100000">
+                <a:schemeClr val="accent1">
+                  <a:shade val="100000"/>
+                  <a:satMod val="115000"/>
+                </a:schemeClr>
+              </a:gs>
+            </a:gsLst>
+            <a:path path="circle">
+              <a:fillToRect l="100000" t="100000"/>
+            </a:path>
+            <a:tileRect r="-100000" b="-100000"/>
+          </a:gradFill>
+          <a:ln>
+            <a:solidFill>
+              <a:srgbClr val="002060"/>
+            </a:solidFill>
+          </a:ln>
+        </p:spPr>
+        <p:style>
+          <a:lnRef idx="2">
+            <a:schemeClr val="accent1">
+              <a:shade val="50000"/>
+            </a:schemeClr>
+          </a:lnRef>
+          <a:fillRef idx="1">
+            <a:schemeClr val="accent1"/>
+          </a:fillRef>
+          <a:effectRef idx="0">
+            <a:schemeClr val="accent1"/>
+          </a:effectRef>
+          <a:fontRef idx="minor">
+            <a:schemeClr val="lt1"/>
+          </a:fontRef>
+        </p:style>
+        <p:txBody>
+          <a:bodyPr rtlCol="0" anchor="ctr"/>
+          <a:lstStyle/>
+          <a:p>
+            <a:pPr algn="ctr"/>
+            <a:endParaRPr lang="en-GB">
+              <a:ln>
+                <a:solidFill>
+                  <a:srgbClr val="002060"/>
+                </a:solidFill>
+              </a:ln>
+            </a:endParaRPr>
+          </a:p>
+        </p:txBody>
+      </p:sp>
+      <p:sp>
+        <p:nvSpPr>
+          <p:cNvPr id="29" name="Rounded Rectangle 28"/>
+          <p:cNvSpPr/>
+          <p:nvPr/>
+        </p:nvSpPr>
+        <p:spPr>
+          <a:xfrm>
+            <a:off x="720180" y="3958709"/>
+            <a:ext cx="3487277" cy="779709"/>
+          </a:xfrm>
+          <a:prstGeom prst="roundRect">
+            <a:avLst/>
+          </a:prstGeom>
+          <a:gradFill flip="none" rotWithShape="1">
+            <a:gsLst>
+              <a:gs pos="0">
+                <a:srgbClr val="00B0F0">
+                  <a:shade val="30000"/>
+                  <a:satMod val="115000"/>
+                </a:srgbClr>
+              </a:gs>
+              <a:gs pos="50000">
+                <a:srgbClr val="00B0F0">
+                  <a:shade val="67500"/>
+                  <a:satMod val="115000"/>
+                </a:srgbClr>
+              </a:gs>
+              <a:gs pos="100000">
+                <a:srgbClr val="00B0F0">
+                  <a:shade val="100000"/>
+                  <a:satMod val="115000"/>
+                </a:srgbClr>
+              </a:gs>
+            </a:gsLst>
+            <a:path path="circle">
+              <a:fillToRect l="100000" t="100000"/>
+            </a:path>
+            <a:tileRect r="-100000" b="-100000"/>
+          </a:gradFill>
+          <a:ln>
+            <a:solidFill>
+              <a:srgbClr val="002060"/>
+            </a:solidFill>
+          </a:ln>
+        </p:spPr>
+        <p:style>
+          <a:lnRef idx="2">
+            <a:schemeClr val="accent1">
+              <a:shade val="50000"/>
+            </a:schemeClr>
+          </a:lnRef>
+          <a:fillRef idx="1">
+            <a:schemeClr val="accent1"/>
+          </a:fillRef>
+          <a:effectRef idx="0">
+            <a:schemeClr val="accent1"/>
+          </a:effectRef>
+          <a:fontRef idx="minor">
+            <a:schemeClr val="lt1"/>
+          </a:fontRef>
+        </p:style>
+        <p:txBody>
+          <a:bodyPr rtlCol="0" anchor="ctr"/>
+          <a:lstStyle/>
+          <a:p>
+            <a:pPr algn="ctr"/>
+            <a:endParaRPr lang="en-GB">
+              <a:ln>
+                <a:solidFill>
+                  <a:srgbClr val="002060"/>
+                </a:solidFill>
+              </a:ln>
+            </a:endParaRPr>
+          </a:p>
+        </p:txBody>
+      </p:sp>
+      <p:sp>
+        <p:nvSpPr>
+          <p:cNvPr id="24" name="Rounded Rectangle 23"/>
+          <p:cNvSpPr/>
+          <p:nvPr/>
+        </p:nvSpPr>
+        <p:spPr>
+          <a:xfrm>
+            <a:off x="720180" y="511594"/>
+            <a:ext cx="3456384" cy="779709"/>
+          </a:xfrm>
+          <a:prstGeom prst="roundRect">
+            <a:avLst/>
+          </a:prstGeom>
+          <a:gradFill flip="none" rotWithShape="1">
+            <a:gsLst>
+              <a:gs pos="0">
+                <a:schemeClr val="accent1">
+                  <a:shade val="30000"/>
+                  <a:satMod val="115000"/>
+                </a:schemeClr>
+              </a:gs>
+              <a:gs pos="50000">
+                <a:schemeClr val="accent1">
+                  <a:shade val="67500"/>
+                  <a:satMod val="115000"/>
+                </a:schemeClr>
+              </a:gs>
+              <a:gs pos="100000">
+                <a:schemeClr val="accent1">
+                  <a:shade val="100000"/>
+                  <a:satMod val="115000"/>
+                </a:schemeClr>
+              </a:gs>
+            </a:gsLst>
+            <a:path path="circle">
+              <a:fillToRect l="100000" t="100000"/>
+            </a:path>
+            <a:tileRect r="-100000" b="-100000"/>
+          </a:gradFill>
+          <a:ln>
+            <a:solidFill>
+              <a:srgbClr val="002060"/>
+            </a:solidFill>
+          </a:ln>
+        </p:spPr>
+        <p:style>
+          <a:lnRef idx="2">
+            <a:schemeClr val="accent1">
+              <a:shade val="50000"/>
+            </a:schemeClr>
+          </a:lnRef>
+          <a:fillRef idx="1">
+            <a:schemeClr val="accent1"/>
+          </a:fillRef>
+          <a:effectRef idx="0">
+            <a:schemeClr val="accent1"/>
+          </a:effectRef>
+          <a:fontRef idx="minor">
+            <a:schemeClr val="lt1"/>
+          </a:fontRef>
+        </p:style>
+        <p:txBody>
+          <a:bodyPr rtlCol="0" anchor="ctr"/>
+          <a:lstStyle/>
+          <a:p>
+            <a:pPr algn="ctr"/>
+            <a:endParaRPr lang="en-GB">
+              <a:ln>
+                <a:solidFill>
+                  <a:srgbClr val="002060"/>
+                </a:solidFill>
+              </a:ln>
+            </a:endParaRPr>
+          </a:p>
+        </p:txBody>
+      </p:sp>
+      <p:sp>
+        <p:nvSpPr>
+          <p:cNvPr id="14" name="TextBox 13"/>
+          <p:cNvSpPr txBox="1"/>
+          <p:nvPr/>
+        </p:nvSpPr>
+        <p:spPr>
+          <a:xfrm>
+            <a:off x="720180" y="1584226"/>
+            <a:ext cx="3456384" cy="409973"/>
+          </a:xfrm>
+          <a:prstGeom prst="rect">
+            <a:avLst/>
+          </a:prstGeom>
+          <a:noFill/>
+        </p:spPr>
+        <p:txBody>
+          <a:bodyPr wrap="square" lIns="101206" tIns="50604" rIns="101206" bIns="50604" rtlCol="0">
+            <a:spAutoFit/>
+          </a:bodyPr>
+          <a:lstStyle/>
+          <a:p>
+            <a:pPr algn="ctr"/>
+            <a:r>
+              <a:rPr lang="fr-FR" b="1" dirty="0" smtClean="0">
+                <a:solidFill>
+                  <a:schemeClr val="bg1"/>
+                </a:solidFill>
+              </a:rPr>
+              <a:t>Gestions des fiches diététique</a:t>
+            </a:r>
+            <a:endParaRPr lang="en-US" b="1" dirty="0">
+              <a:solidFill>
+                <a:schemeClr val="bg1"/>
+              </a:solidFill>
+            </a:endParaRPr>
+          </a:p>
+        </p:txBody>
+      </p:sp>
+      <p:sp>
+        <p:nvSpPr>
+          <p:cNvPr id="15" name="TextBox 14"/>
+          <p:cNvSpPr txBox="1"/>
+          <p:nvPr/>
+        </p:nvSpPr>
+        <p:spPr>
+          <a:xfrm>
+            <a:off x="864196" y="2399232"/>
+            <a:ext cx="3343261" cy="409973"/>
+          </a:xfrm>
+          <a:prstGeom prst="rect">
+            <a:avLst/>
+          </a:prstGeom>
+          <a:noFill/>
+        </p:spPr>
+        <p:txBody>
+          <a:bodyPr wrap="none" lIns="101206" tIns="50604" rIns="101206" bIns="50604" rtlCol="0">
+            <a:spAutoFit/>
+          </a:bodyPr>
+          <a:lstStyle/>
+          <a:p>
+            <a:r>
+              <a:rPr lang="fr-FR" b="1" dirty="0" smtClean="0">
+                <a:solidFill>
+                  <a:schemeClr val="bg1"/>
+                </a:solidFill>
+              </a:rPr>
+              <a:t>Consulter les fiches médicaux</a:t>
+            </a:r>
+            <a:endParaRPr lang="en-US" b="1" dirty="0">
+              <a:solidFill>
+                <a:schemeClr val="bg1"/>
+              </a:solidFill>
+            </a:endParaRPr>
+          </a:p>
+        </p:txBody>
+      </p:sp>
+      <p:sp>
+        <p:nvSpPr>
+          <p:cNvPr id="10" name="Multiplier 9"/>
+          <p:cNvSpPr/>
+          <p:nvPr/>
+        </p:nvSpPr>
+        <p:spPr>
+          <a:xfrm>
+            <a:off x="13256686" y="358080"/>
+            <a:ext cx="562569" cy="450057"/>
+          </a:xfrm>
+          <a:prstGeom prst="mathMultiply">
+            <a:avLst/>
+          </a:prstGeom>
+          <a:solidFill>
+            <a:srgbClr val="C00000"/>
+          </a:solidFill>
+          <a:ln w="3175">
+            <a:solidFill>
+              <a:schemeClr val="tx1"/>
+            </a:solidFill>
+          </a:ln>
+        </p:spPr>
+        <p:style>
+          <a:lnRef idx="2">
+            <a:schemeClr val="accent1">
+              <a:shade val="50000"/>
+            </a:schemeClr>
+          </a:lnRef>
+          <a:fillRef idx="1">
+            <a:schemeClr val="accent1"/>
+          </a:fillRef>
+          <a:effectRef idx="0">
+            <a:schemeClr val="accent1"/>
+          </a:effectRef>
+          <a:fontRef idx="minor">
+            <a:schemeClr val="lt1"/>
+          </a:fontRef>
+        </p:style>
+        <p:txBody>
+          <a:bodyPr lIns="101206" tIns="50604" rIns="101206" bIns="50604" anchor="ctr"/>
+          <a:lstStyle>
+            <a:defPPr>
+              <a:defRPr lang="fr-FR"/>
+            </a:defPPr>
+            <a:lvl1pPr algn="l" rtl="0" fontAlgn="base">
+              <a:spcBef>
+                <a:spcPct val="0"/>
+              </a:spcBef>
+              <a:spcAft>
+                <a:spcPct val="0"/>
+              </a:spcAft>
+              <a:defRPr kern="1200">
+                <a:solidFill>
+                  <a:schemeClr val="lt1"/>
+                </a:solidFill>
+                <a:latin typeface="+mn-lt"/>
+                <a:ea typeface="+mn-ea"/>
+                <a:cs typeface="+mn-cs"/>
+              </a:defRPr>
+            </a:lvl1pPr>
+            <a:lvl2pPr marL="457200" algn="l" rtl="0" fontAlgn="base">
+              <a:spcBef>
+                <a:spcPct val="0"/>
+              </a:spcBef>
+              <a:spcAft>
+                <a:spcPct val="0"/>
+              </a:spcAft>
+              <a:defRPr kern="1200">
+                <a:solidFill>
+                  <a:schemeClr val="lt1"/>
+                </a:solidFill>
+                <a:latin typeface="+mn-lt"/>
+                <a:ea typeface="+mn-ea"/>
+                <a:cs typeface="+mn-cs"/>
+              </a:defRPr>
+            </a:lvl2pPr>
+            <a:lvl3pPr marL="914400" algn="l" rtl="0" fontAlgn="base">
+              <a:spcBef>
+                <a:spcPct val="0"/>
+              </a:spcBef>
+              <a:spcAft>
+                <a:spcPct val="0"/>
+              </a:spcAft>
+              <a:defRPr kern="1200">
+                <a:solidFill>
+                  <a:schemeClr val="lt1"/>
+                </a:solidFill>
+                <a:latin typeface="+mn-lt"/>
+                <a:ea typeface="+mn-ea"/>
+                <a:cs typeface="+mn-cs"/>
+              </a:defRPr>
+            </a:lvl3pPr>
+            <a:lvl4pPr marL="1371600" algn="l" rtl="0" fontAlgn="base">
+              <a:spcBef>
+                <a:spcPct val="0"/>
+              </a:spcBef>
+              <a:spcAft>
+                <a:spcPct val="0"/>
+              </a:spcAft>
+              <a:defRPr kern="1200">
+                <a:solidFill>
+                  <a:schemeClr val="lt1"/>
+                </a:solidFill>
+                <a:latin typeface="+mn-lt"/>
+                <a:ea typeface="+mn-ea"/>
+                <a:cs typeface="+mn-cs"/>
+              </a:defRPr>
+            </a:lvl4pPr>
+            <a:lvl5pPr marL="1828800" algn="l" rtl="0" fontAlgn="base">
+              <a:spcBef>
+                <a:spcPct val="0"/>
+              </a:spcBef>
+              <a:spcAft>
+                <a:spcPct val="0"/>
+              </a:spcAft>
+              <a:defRPr kern="1200">
+                <a:solidFill>
+                  <a:schemeClr val="lt1"/>
+                </a:solidFill>
+                <a:latin typeface="+mn-lt"/>
+                <a:ea typeface="+mn-ea"/>
+                <a:cs typeface="+mn-cs"/>
+              </a:defRPr>
+            </a:lvl5pPr>
+            <a:lvl6pPr marL="2286000" algn="l" defTabSz="914400" rtl="0" eaLnBrk="1" latinLnBrk="0" hangingPunct="1">
+              <a:defRPr kern="1200">
+                <a:solidFill>
+                  <a:schemeClr val="lt1"/>
+                </a:solidFill>
+                <a:latin typeface="+mn-lt"/>
+                <a:ea typeface="+mn-ea"/>
+                <a:cs typeface="+mn-cs"/>
+              </a:defRPr>
+            </a:lvl6pPr>
+            <a:lvl7pPr marL="2743200" algn="l" defTabSz="914400" rtl="0" eaLnBrk="1" latinLnBrk="0" hangingPunct="1">
+              <a:defRPr kern="1200">
+                <a:solidFill>
+                  <a:schemeClr val="lt1"/>
+                </a:solidFill>
+                <a:latin typeface="+mn-lt"/>
+                <a:ea typeface="+mn-ea"/>
+                <a:cs typeface="+mn-cs"/>
+              </a:defRPr>
+            </a:lvl7pPr>
+            <a:lvl8pPr marL="3200400" algn="l" defTabSz="914400" rtl="0" eaLnBrk="1" latinLnBrk="0" hangingPunct="1">
+              <a:defRPr kern="1200">
+                <a:solidFill>
+                  <a:schemeClr val="lt1"/>
+                </a:solidFill>
+                <a:latin typeface="+mn-lt"/>
+                <a:ea typeface="+mn-ea"/>
+                <a:cs typeface="+mn-cs"/>
+              </a:defRPr>
+            </a:lvl8pPr>
+            <a:lvl9pPr marL="3657600" algn="l" defTabSz="914400" rtl="0" eaLnBrk="1" latinLnBrk="0" hangingPunct="1">
+              <a:defRPr kern="1200">
+                <a:solidFill>
+                  <a:schemeClr val="lt1"/>
+                </a:solidFill>
+                <a:latin typeface="+mn-lt"/>
+                <a:ea typeface="+mn-ea"/>
+                <a:cs typeface="+mn-cs"/>
+              </a:defRPr>
+            </a:lvl9pPr>
+          </a:lstStyle>
+          <a:p>
+            <a:pPr algn="ctr">
+              <a:defRPr/>
+            </a:pPr>
+            <a:endParaRPr lang="fr-FR"/>
+          </a:p>
+        </p:txBody>
+      </p:sp>
+      <p:sp>
+        <p:nvSpPr>
+          <p:cNvPr id="16" name="TextBox 15"/>
+          <p:cNvSpPr txBox="1"/>
+          <p:nvPr/>
+        </p:nvSpPr>
+        <p:spPr>
+          <a:xfrm>
+            <a:off x="720180" y="696463"/>
+            <a:ext cx="3456384" cy="409973"/>
+          </a:xfrm>
+          <a:prstGeom prst="rect">
+            <a:avLst/>
+          </a:prstGeom>
+          <a:noFill/>
+        </p:spPr>
+        <p:txBody>
+          <a:bodyPr wrap="square" lIns="101206" tIns="50604" rIns="101206" bIns="50604" rtlCol="0">
+            <a:spAutoFit/>
+          </a:bodyPr>
+          <a:lstStyle/>
+          <a:p>
+            <a:pPr algn="ctr"/>
+            <a:r>
+              <a:rPr lang="fr-FR" b="1" dirty="0" smtClean="0">
+                <a:solidFill>
+                  <a:schemeClr val="bg1"/>
+                </a:solidFill>
+              </a:rPr>
+              <a:t>Fiche Personnelle</a:t>
+            </a:r>
+            <a:endParaRPr lang="en-US" b="1" dirty="0">
+              <a:solidFill>
+                <a:schemeClr val="bg1"/>
+              </a:solidFill>
+            </a:endParaRPr>
+          </a:p>
+        </p:txBody>
+      </p:sp>
+      <p:cxnSp>
+        <p:nvCxnSpPr>
+          <p:cNvPr id="3" name="Straight Connector 2"/>
+          <p:cNvCxnSpPr/>
+          <p:nvPr/>
+        </p:nvCxnSpPr>
+        <p:spPr>
+          <a:xfrm>
+            <a:off x="4392588" y="349290"/>
+            <a:ext cx="0" cy="6577931"/>
+          </a:xfrm>
+          <a:prstGeom prst="line">
+            <a:avLst/>
+          </a:prstGeom>
+          <a:ln>
+            <a:solidFill>
+              <a:schemeClr val="tx1"/>
+            </a:solidFill>
+          </a:ln>
+        </p:spPr>
+        <p:style>
+          <a:lnRef idx="1">
+            <a:schemeClr val="accent1"/>
+          </a:lnRef>
+          <a:fillRef idx="0">
+            <a:schemeClr val="accent1"/>
+          </a:fillRef>
+          <a:effectRef idx="0">
+            <a:schemeClr val="accent1"/>
+          </a:effectRef>
+          <a:fontRef idx="minor">
+            <a:schemeClr val="tx1"/>
+          </a:fontRef>
+        </p:style>
+      </p:cxnSp>
+      <p:cxnSp>
+        <p:nvCxnSpPr>
+          <p:cNvPr id="7" name="Straight Connector 6"/>
+          <p:cNvCxnSpPr/>
+          <p:nvPr/>
+        </p:nvCxnSpPr>
+        <p:spPr>
+          <a:xfrm flipH="1">
+            <a:off x="509558" y="3827275"/>
+            <a:ext cx="3883030" cy="0"/>
+          </a:xfrm>
+          <a:prstGeom prst="line">
+            <a:avLst/>
+          </a:prstGeom>
+          <a:ln>
+            <a:solidFill>
+              <a:schemeClr val="tx1"/>
+            </a:solidFill>
+          </a:ln>
+        </p:spPr>
+        <p:style>
+          <a:lnRef idx="1">
+            <a:schemeClr val="accent1"/>
+          </a:lnRef>
+          <a:fillRef idx="0">
+            <a:schemeClr val="accent1"/>
+          </a:fillRef>
+          <a:effectRef idx="0">
+            <a:schemeClr val="accent1"/>
+          </a:effectRef>
+          <a:fontRef idx="minor">
+            <a:schemeClr val="tx1"/>
+          </a:fontRef>
+        </p:style>
+      </p:cxnSp>
+      <p:pic>
+        <p:nvPicPr>
+          <p:cNvPr id="17" name="Image 19" descr="870x489_calendrier-mai-2018.jpg"/>
+          <p:cNvPicPr>
+            <a:picLocks noChangeAspect="1"/>
+          </p:cNvPicPr>
+          <p:nvPr/>
+        </p:nvPicPr>
+        <p:blipFill>
+          <a:blip r:embed="rId2" cstate="print">
+            <a:extLst>
+              <a:ext uri="{28A0092B-C50C-407E-A947-70E740481C1C}">
+                <a14:useLocalDpi xmlns:a14="http://schemas.microsoft.com/office/drawing/2010/main" val="0"/>
+              </a:ext>
+            </a:extLst>
+          </a:blip>
+          <a:srcRect/>
+          <a:stretch>
+            <a:fillRect/>
+          </a:stretch>
+        </p:blipFill>
+        <p:spPr bwMode="auto">
+          <a:xfrm>
+            <a:off x="720180" y="4988578"/>
+            <a:ext cx="3487276" cy="1663386"/>
+          </a:xfrm>
+          <a:prstGeom prst="rect">
+            <a:avLst/>
+          </a:prstGeom>
+          <a:noFill/>
+          <a:ln w="19050">
+            <a:solidFill>
+              <a:srgbClr val="000000"/>
+            </a:solidFill>
+            <a:miter lim="800000"/>
+            <a:headEnd/>
+            <a:tailEnd/>
+          </a:ln>
+          <a:extLst>
+            <a:ext uri="{909E8E84-426E-40DD-AFC4-6F175D3DCCD1}">
+              <a14:hiddenFill xmlns:a14="http://schemas.microsoft.com/office/drawing/2010/main">
+                <a:solidFill>
+                  <a:srgbClr val="FFFFFF"/>
+                </a:solidFill>
+              </a14:hiddenFill>
+            </a:ext>
+          </a:extLst>
+        </p:spPr>
+      </p:pic>
+      <p:sp>
+        <p:nvSpPr>
+          <p:cNvPr id="19" name="TextBox 18"/>
+          <p:cNvSpPr txBox="1"/>
+          <p:nvPr/>
+        </p:nvSpPr>
+        <p:spPr>
+          <a:xfrm>
+            <a:off x="720180" y="4143578"/>
+            <a:ext cx="3487277" cy="409973"/>
+          </a:xfrm>
+          <a:prstGeom prst="rect">
+            <a:avLst/>
+          </a:prstGeom>
+          <a:noFill/>
+        </p:spPr>
+        <p:txBody>
+          <a:bodyPr wrap="square" lIns="101206" tIns="50604" rIns="101206" bIns="50604" rtlCol="0">
+            <a:spAutoFit/>
+          </a:bodyPr>
+          <a:lstStyle/>
+          <a:p>
+            <a:pPr algn="ctr"/>
+            <a:r>
+              <a:rPr lang="fr-FR" b="1" dirty="0" smtClean="0">
+                <a:solidFill>
+                  <a:schemeClr val="bg1"/>
+                </a:solidFill>
+              </a:rPr>
+              <a:t>Calendrier</a:t>
+            </a:r>
+            <a:endParaRPr lang="en-US" b="1" dirty="0">
+              <a:solidFill>
+                <a:schemeClr val="bg1"/>
+              </a:solidFill>
+            </a:endParaRPr>
+          </a:p>
+        </p:txBody>
+      </p:sp>
+      <p:sp>
+        <p:nvSpPr>
+          <p:cNvPr id="8" name="Rounded Rectangle 7"/>
+          <p:cNvSpPr/>
+          <p:nvPr/>
+        </p:nvSpPr>
+        <p:spPr>
+          <a:xfrm>
+            <a:off x="720181" y="3071193"/>
+            <a:ext cx="3456384" cy="567063"/>
+          </a:xfrm>
+          <a:prstGeom prst="roundRect">
+            <a:avLst/>
+          </a:prstGeom>
+          <a:gradFill flip="none" rotWithShape="1">
+            <a:gsLst>
+              <a:gs pos="0">
+                <a:srgbClr val="FF0000">
+                  <a:shade val="30000"/>
+                  <a:satMod val="115000"/>
+                </a:srgbClr>
+              </a:gs>
+              <a:gs pos="50000">
+                <a:srgbClr val="FF0000">
+                  <a:shade val="67500"/>
+                  <a:satMod val="115000"/>
+                </a:srgbClr>
+              </a:gs>
+              <a:gs pos="100000">
+                <a:srgbClr val="FF0000">
+                  <a:shade val="100000"/>
+                  <a:satMod val="115000"/>
+                </a:srgbClr>
+              </a:gs>
+            </a:gsLst>
+            <a:path path="circle">
+              <a:fillToRect l="100000" t="100000"/>
+            </a:path>
+            <a:tileRect r="-100000" b="-100000"/>
+          </a:gradFill>
+          <a:ln>
+            <a:solidFill>
+              <a:srgbClr val="580000"/>
+            </a:solidFill>
+          </a:ln>
+        </p:spPr>
+        <p:style>
+          <a:lnRef idx="2">
+            <a:schemeClr val="accent1">
+              <a:shade val="50000"/>
+            </a:schemeClr>
+          </a:lnRef>
+          <a:fillRef idx="1">
+            <a:schemeClr val="accent1"/>
+          </a:fillRef>
+          <a:effectRef idx="0">
+            <a:schemeClr val="accent1"/>
+          </a:effectRef>
+          <a:fontRef idx="minor">
+            <a:schemeClr val="lt1"/>
+          </a:fontRef>
+        </p:style>
+        <p:txBody>
+          <a:bodyPr lIns="101206" tIns="50604" rIns="101206" bIns="50604" spcCol="0" rtlCol="0" anchor="ctr"/>
+          <a:lstStyle/>
+          <a:p>
+            <a:pPr algn="ctr"/>
+            <a:endParaRPr lang="en-GB"/>
+          </a:p>
+        </p:txBody>
+      </p:sp>
+      <p:sp>
+        <p:nvSpPr>
+          <p:cNvPr id="22" name="TextBox 21"/>
+          <p:cNvSpPr txBox="1"/>
+          <p:nvPr/>
+        </p:nvSpPr>
+        <p:spPr>
+          <a:xfrm>
+            <a:off x="792188" y="3160825"/>
+            <a:ext cx="3384376" cy="409973"/>
+          </a:xfrm>
+          <a:prstGeom prst="rect">
+            <a:avLst/>
+          </a:prstGeom>
+          <a:noFill/>
+        </p:spPr>
+        <p:txBody>
+          <a:bodyPr wrap="square" lIns="101206" tIns="50604" rIns="101206" bIns="50604" rtlCol="0">
+            <a:spAutoFit/>
+          </a:bodyPr>
+          <a:lstStyle/>
+          <a:p>
+            <a:pPr algn="ctr"/>
+            <a:r>
+              <a:rPr lang="fr-FR" b="1" dirty="0" err="1" smtClean="0">
+                <a:solidFill>
+                  <a:schemeClr val="bg1"/>
+                </a:solidFill>
+              </a:rPr>
+              <a:t>Déconexion</a:t>
+            </a:r>
+            <a:endParaRPr lang="en-US" b="1" dirty="0">
+              <a:solidFill>
+                <a:schemeClr val="bg1"/>
+              </a:solidFill>
+            </a:endParaRPr>
+          </a:p>
+        </p:txBody>
+      </p:sp>
+      <p:pic>
+        <p:nvPicPr>
+          <p:cNvPr id="37" name="Picture 36"/>
+          <p:cNvPicPr>
+            <a:picLocks noChangeAspect="1"/>
+          </p:cNvPicPr>
+          <p:nvPr/>
+        </p:nvPicPr>
+        <p:blipFill>
+          <a:blip r:embed="rId3" cstate="print">
+            <a:extLst>
+              <a:ext uri="{28A0092B-C50C-407E-A947-70E740481C1C}">
+                <a14:useLocalDpi xmlns:a14="http://schemas.microsoft.com/office/drawing/2010/main" val="0"/>
+              </a:ext>
+            </a:extLst>
+          </a:blip>
+          <a:stretch>
+            <a:fillRect/>
+          </a:stretch>
+        </p:blipFill>
+        <p:spPr>
+          <a:xfrm>
+            <a:off x="11334934" y="6120730"/>
+            <a:ext cx="2415091" cy="669025"/>
+          </a:xfrm>
+          <a:prstGeom prst="rect">
+            <a:avLst/>
+          </a:prstGeom>
+        </p:spPr>
+      </p:pic>
+      <p:sp>
+        <p:nvSpPr>
+          <p:cNvPr id="32" name="Rounded Rectangle 31"/>
+          <p:cNvSpPr/>
+          <p:nvPr/>
+        </p:nvSpPr>
+        <p:spPr>
+          <a:xfrm>
+            <a:off x="7992988" y="3071193"/>
+            <a:ext cx="2793323" cy="547903"/>
+          </a:xfrm>
+          <a:prstGeom prst="roundRect">
+            <a:avLst/>
+          </a:prstGeom>
+          <a:gradFill flip="none" rotWithShape="1">
+            <a:gsLst>
+              <a:gs pos="0">
+                <a:schemeClr val="accent1">
+                  <a:shade val="30000"/>
+                  <a:satMod val="115000"/>
+                </a:schemeClr>
+              </a:gs>
+              <a:gs pos="50000">
+                <a:schemeClr val="accent1">
+                  <a:shade val="67500"/>
+                  <a:satMod val="115000"/>
+                </a:schemeClr>
+              </a:gs>
+              <a:gs pos="100000">
+                <a:schemeClr val="accent1">
+                  <a:shade val="100000"/>
+                  <a:satMod val="115000"/>
+                </a:schemeClr>
+              </a:gs>
+            </a:gsLst>
+            <a:path path="circle">
+              <a:fillToRect l="100000" t="100000"/>
+            </a:path>
+            <a:tileRect r="-100000" b="-100000"/>
+          </a:gradFill>
+          <a:ln>
+            <a:solidFill>
+              <a:srgbClr val="002060"/>
+            </a:solidFill>
+          </a:ln>
+        </p:spPr>
+        <p:style>
+          <a:lnRef idx="2">
+            <a:schemeClr val="accent1">
+              <a:shade val="50000"/>
+            </a:schemeClr>
+          </a:lnRef>
+          <a:fillRef idx="1">
+            <a:schemeClr val="accent1"/>
+          </a:fillRef>
+          <a:effectRef idx="0">
+            <a:schemeClr val="accent1"/>
+          </a:effectRef>
+          <a:fontRef idx="minor">
+            <a:schemeClr val="lt1"/>
+          </a:fontRef>
+        </p:style>
+        <p:txBody>
+          <a:bodyPr rtlCol="0" anchor="ctr"/>
+          <a:lstStyle/>
+          <a:p>
+            <a:pPr algn="ctr"/>
+            <a:endParaRPr lang="en-GB">
+              <a:ln>
+                <a:solidFill>
+                  <a:srgbClr val="002060"/>
+                </a:solidFill>
+              </a:ln>
+            </a:endParaRPr>
+          </a:p>
+        </p:txBody>
+      </p:sp>
+      <p:sp>
+        <p:nvSpPr>
+          <p:cNvPr id="33" name="TextBox 32"/>
+          <p:cNvSpPr txBox="1"/>
+          <p:nvPr/>
+        </p:nvSpPr>
+        <p:spPr>
+          <a:xfrm>
+            <a:off x="8949369" y="3145088"/>
+            <a:ext cx="987835" cy="400110"/>
+          </a:xfrm>
+          <a:prstGeom prst="rect">
+            <a:avLst/>
+          </a:prstGeom>
+          <a:noFill/>
+        </p:spPr>
+        <p:txBody>
+          <a:bodyPr wrap="none" rtlCol="0">
+            <a:spAutoFit/>
+          </a:bodyPr>
+          <a:lstStyle/>
+          <a:p>
+            <a:r>
+              <a:rPr lang="fr-FR" b="1" dirty="0" smtClean="0">
+                <a:solidFill>
+                  <a:schemeClr val="bg1"/>
+                </a:solidFill>
+              </a:rPr>
+              <a:t>Ajouter</a:t>
+            </a:r>
+            <a:endParaRPr lang="en-GB" dirty="0"/>
+          </a:p>
+        </p:txBody>
+      </p:sp>
+      <p:sp>
+        <p:nvSpPr>
+          <p:cNvPr id="25" name="ZoneTexte 10"/>
+          <p:cNvSpPr txBox="1">
+            <a:spLocks noChangeArrowheads="1"/>
+          </p:cNvSpPr>
+          <p:nvPr/>
+        </p:nvSpPr>
+        <p:spPr bwMode="auto">
+          <a:xfrm>
+            <a:off x="4741515" y="2123885"/>
+            <a:ext cx="720080" cy="400110"/>
+          </a:xfrm>
+          <a:prstGeom prst="rect">
+            <a:avLst/>
+          </a:prstGeom>
+          <a:noFill/>
+          <a:ln>
+            <a:noFill/>
+          </a:ln>
+          <a:extLst>
+            <a:ext uri="{909E8E84-426E-40DD-AFC4-6F175D3DCCD1}">
+              <a14:hiddenFill xmlns:a14="http://schemas.microsoft.com/office/drawing/2010/main">
+                <a:solidFill>
+                  <a:srgbClr val="FFFFFF"/>
+                </a:solidFill>
+              </a14:hiddenFill>
+            </a:ext>
+            <a:ext uri="{91240B29-F687-4F45-9708-019B960494DF}">
+              <a14:hiddenLine xmlns:a14="http://schemas.microsoft.com/office/drawing/2010/main" w="9525">
+                <a:solidFill>
+                  <a:srgbClr val="000000"/>
+                </a:solidFill>
+                <a:miter lim="800000"/>
+                <a:headEnd/>
+                <a:tailEnd/>
+              </a14:hiddenLine>
+            </a:ext>
+          </a:extLst>
+        </p:spPr>
+        <p:txBody>
+          <a:bodyPr wrap="square">
+            <a:spAutoFit/>
+          </a:bodyPr>
+          <a:lstStyle>
+            <a:defPPr>
+              <a:defRPr lang="fr-FR"/>
+            </a:defPPr>
+            <a:lvl1pPr algn="l" rtl="0" fontAlgn="base">
+              <a:spcBef>
+                <a:spcPct val="0"/>
+              </a:spcBef>
+              <a:spcAft>
+                <a:spcPct val="0"/>
+              </a:spcAft>
+              <a:defRPr kern="1200">
+                <a:solidFill>
+                  <a:schemeClr val="tx1"/>
+                </a:solidFill>
+                <a:latin typeface="Arial" charset="0"/>
+                <a:ea typeface="+mn-ea"/>
+                <a:cs typeface="Arial" charset="0"/>
+              </a:defRPr>
+            </a:lvl1pPr>
+            <a:lvl2pPr marL="457200" algn="l" rtl="0" fontAlgn="base">
+              <a:spcBef>
+                <a:spcPct val="0"/>
+              </a:spcBef>
+              <a:spcAft>
+                <a:spcPct val="0"/>
+              </a:spcAft>
+              <a:defRPr kern="1200">
+                <a:solidFill>
+                  <a:schemeClr val="tx1"/>
+                </a:solidFill>
+                <a:latin typeface="Arial" charset="0"/>
+                <a:ea typeface="+mn-ea"/>
+                <a:cs typeface="Arial" charset="0"/>
+              </a:defRPr>
+            </a:lvl2pPr>
+            <a:lvl3pPr marL="914400" algn="l" rtl="0" fontAlgn="base">
+              <a:spcBef>
+                <a:spcPct val="0"/>
+              </a:spcBef>
+              <a:spcAft>
+                <a:spcPct val="0"/>
+              </a:spcAft>
+              <a:defRPr kern="1200">
+                <a:solidFill>
+                  <a:schemeClr val="tx1"/>
+                </a:solidFill>
+                <a:latin typeface="Arial" charset="0"/>
+                <a:ea typeface="+mn-ea"/>
+                <a:cs typeface="Arial" charset="0"/>
+              </a:defRPr>
+            </a:lvl3pPr>
+            <a:lvl4pPr marL="1371600" algn="l" rtl="0" fontAlgn="base">
+              <a:spcBef>
+                <a:spcPct val="0"/>
+              </a:spcBef>
+              <a:spcAft>
+                <a:spcPct val="0"/>
+              </a:spcAft>
+              <a:defRPr kern="1200">
+                <a:solidFill>
+                  <a:schemeClr val="tx1"/>
+                </a:solidFill>
+                <a:latin typeface="Arial" charset="0"/>
+                <a:ea typeface="+mn-ea"/>
+                <a:cs typeface="Arial" charset="0"/>
+              </a:defRPr>
+            </a:lvl4pPr>
+            <a:lvl5pPr marL="1828800" algn="l" rtl="0" fontAlgn="base">
+              <a:spcBef>
+                <a:spcPct val="0"/>
+              </a:spcBef>
+              <a:spcAft>
+                <a:spcPct val="0"/>
+              </a:spcAft>
+              <a:defRPr kern="1200">
+                <a:solidFill>
+                  <a:schemeClr val="tx1"/>
+                </a:solidFill>
+                <a:latin typeface="Arial" charset="0"/>
+                <a:ea typeface="+mn-ea"/>
+                <a:cs typeface="Arial" charset="0"/>
+              </a:defRPr>
+            </a:lvl5pPr>
+            <a:lvl6pPr marL="2286000" algn="l" defTabSz="914400" rtl="0" eaLnBrk="1" latinLnBrk="0" hangingPunct="1">
+              <a:defRPr kern="1200">
+                <a:solidFill>
+                  <a:schemeClr val="tx1"/>
+                </a:solidFill>
+                <a:latin typeface="Arial" charset="0"/>
+                <a:ea typeface="+mn-ea"/>
+                <a:cs typeface="Arial" charset="0"/>
+              </a:defRPr>
+            </a:lvl6pPr>
+            <a:lvl7pPr marL="2743200" algn="l" defTabSz="914400" rtl="0" eaLnBrk="1" latinLnBrk="0" hangingPunct="1">
+              <a:defRPr kern="1200">
+                <a:solidFill>
+                  <a:schemeClr val="tx1"/>
+                </a:solidFill>
+                <a:latin typeface="Arial" charset="0"/>
+                <a:ea typeface="+mn-ea"/>
+                <a:cs typeface="Arial" charset="0"/>
+              </a:defRPr>
+            </a:lvl7pPr>
+            <a:lvl8pPr marL="3200400" algn="l" defTabSz="914400" rtl="0" eaLnBrk="1" latinLnBrk="0" hangingPunct="1">
+              <a:defRPr kern="1200">
+                <a:solidFill>
+                  <a:schemeClr val="tx1"/>
+                </a:solidFill>
+                <a:latin typeface="Arial" charset="0"/>
+                <a:ea typeface="+mn-ea"/>
+                <a:cs typeface="Arial" charset="0"/>
+              </a:defRPr>
+            </a:lvl8pPr>
+            <a:lvl9pPr marL="3657600" algn="l" defTabSz="914400" rtl="0" eaLnBrk="1" latinLnBrk="0" hangingPunct="1">
+              <a:defRPr kern="1200">
+                <a:solidFill>
+                  <a:schemeClr val="tx1"/>
+                </a:solidFill>
+                <a:latin typeface="Arial" charset="0"/>
+                <a:ea typeface="+mn-ea"/>
+                <a:cs typeface="Arial" charset="0"/>
+              </a:defRPr>
+            </a:lvl9pPr>
+          </a:lstStyle>
+          <a:p>
+            <a:pPr eaLnBrk="1" hangingPunct="1"/>
+            <a:r>
+              <a:rPr lang="fr-FR" dirty="0" smtClean="0">
+                <a:latin typeface="Calibri" pitchFamily="34" charset="0"/>
+              </a:rPr>
+              <a:t>Jour</a:t>
+            </a:r>
+            <a:endParaRPr lang="fr-FR" dirty="0">
+              <a:latin typeface="Calibri" pitchFamily="34" charset="0"/>
+            </a:endParaRPr>
+          </a:p>
+        </p:txBody>
+      </p:sp>
+      <p:sp>
+        <p:nvSpPr>
+          <p:cNvPr id="26" name="ZoneTexte 13"/>
+          <p:cNvSpPr txBox="1">
+            <a:spLocks noChangeArrowheads="1"/>
+          </p:cNvSpPr>
+          <p:nvPr/>
+        </p:nvSpPr>
+        <p:spPr bwMode="auto">
+          <a:xfrm>
+            <a:off x="7416924" y="2134002"/>
+            <a:ext cx="1905164" cy="400110"/>
+          </a:xfrm>
+          <a:prstGeom prst="rect">
+            <a:avLst/>
+          </a:prstGeom>
+          <a:noFill/>
+          <a:ln>
+            <a:noFill/>
+          </a:ln>
+          <a:extLst>
+            <a:ext uri="{909E8E84-426E-40DD-AFC4-6F175D3DCCD1}">
+              <a14:hiddenFill xmlns:a14="http://schemas.microsoft.com/office/drawing/2010/main">
+                <a:solidFill>
+                  <a:srgbClr val="FFFFFF"/>
+                </a:solidFill>
+              </a14:hiddenFill>
+            </a:ext>
+            <a:ext uri="{91240B29-F687-4F45-9708-019B960494DF}">
+              <a14:hiddenLine xmlns:a14="http://schemas.microsoft.com/office/drawing/2010/main" w="9525">
+                <a:solidFill>
+                  <a:srgbClr val="000000"/>
+                </a:solidFill>
+                <a:miter lim="800000"/>
+                <a:headEnd/>
+                <a:tailEnd/>
+              </a14:hiddenLine>
+            </a:ext>
+          </a:extLst>
+        </p:spPr>
+        <p:txBody>
+          <a:bodyPr wrap="square">
+            <a:spAutoFit/>
+          </a:bodyPr>
+          <a:lstStyle>
+            <a:defPPr>
+              <a:defRPr lang="fr-FR"/>
+            </a:defPPr>
+            <a:lvl1pPr algn="l" rtl="0" fontAlgn="base">
+              <a:spcBef>
+                <a:spcPct val="0"/>
+              </a:spcBef>
+              <a:spcAft>
+                <a:spcPct val="0"/>
+              </a:spcAft>
+              <a:defRPr kern="1200">
+                <a:solidFill>
+                  <a:schemeClr val="tx1"/>
+                </a:solidFill>
+                <a:latin typeface="Arial" charset="0"/>
+                <a:ea typeface="+mn-ea"/>
+                <a:cs typeface="Arial" charset="0"/>
+              </a:defRPr>
+            </a:lvl1pPr>
+            <a:lvl2pPr marL="457200" algn="l" rtl="0" fontAlgn="base">
+              <a:spcBef>
+                <a:spcPct val="0"/>
+              </a:spcBef>
+              <a:spcAft>
+                <a:spcPct val="0"/>
+              </a:spcAft>
+              <a:defRPr kern="1200">
+                <a:solidFill>
+                  <a:schemeClr val="tx1"/>
+                </a:solidFill>
+                <a:latin typeface="Arial" charset="0"/>
+                <a:ea typeface="+mn-ea"/>
+                <a:cs typeface="Arial" charset="0"/>
+              </a:defRPr>
+            </a:lvl2pPr>
+            <a:lvl3pPr marL="914400" algn="l" rtl="0" fontAlgn="base">
+              <a:spcBef>
+                <a:spcPct val="0"/>
+              </a:spcBef>
+              <a:spcAft>
+                <a:spcPct val="0"/>
+              </a:spcAft>
+              <a:defRPr kern="1200">
+                <a:solidFill>
+                  <a:schemeClr val="tx1"/>
+                </a:solidFill>
+                <a:latin typeface="Arial" charset="0"/>
+                <a:ea typeface="+mn-ea"/>
+                <a:cs typeface="Arial" charset="0"/>
+              </a:defRPr>
+            </a:lvl3pPr>
+            <a:lvl4pPr marL="1371600" algn="l" rtl="0" fontAlgn="base">
+              <a:spcBef>
+                <a:spcPct val="0"/>
+              </a:spcBef>
+              <a:spcAft>
+                <a:spcPct val="0"/>
+              </a:spcAft>
+              <a:defRPr kern="1200">
+                <a:solidFill>
+                  <a:schemeClr val="tx1"/>
+                </a:solidFill>
+                <a:latin typeface="Arial" charset="0"/>
+                <a:ea typeface="+mn-ea"/>
+                <a:cs typeface="Arial" charset="0"/>
+              </a:defRPr>
+            </a:lvl4pPr>
+            <a:lvl5pPr marL="1828800" algn="l" rtl="0" fontAlgn="base">
+              <a:spcBef>
+                <a:spcPct val="0"/>
+              </a:spcBef>
+              <a:spcAft>
+                <a:spcPct val="0"/>
+              </a:spcAft>
+              <a:defRPr kern="1200">
+                <a:solidFill>
+                  <a:schemeClr val="tx1"/>
+                </a:solidFill>
+                <a:latin typeface="Arial" charset="0"/>
+                <a:ea typeface="+mn-ea"/>
+                <a:cs typeface="Arial" charset="0"/>
+              </a:defRPr>
+            </a:lvl5pPr>
+            <a:lvl6pPr marL="2286000" algn="l" defTabSz="914400" rtl="0" eaLnBrk="1" latinLnBrk="0" hangingPunct="1">
+              <a:defRPr kern="1200">
+                <a:solidFill>
+                  <a:schemeClr val="tx1"/>
+                </a:solidFill>
+                <a:latin typeface="Arial" charset="0"/>
+                <a:ea typeface="+mn-ea"/>
+                <a:cs typeface="Arial" charset="0"/>
+              </a:defRPr>
+            </a:lvl6pPr>
+            <a:lvl7pPr marL="2743200" algn="l" defTabSz="914400" rtl="0" eaLnBrk="1" latinLnBrk="0" hangingPunct="1">
+              <a:defRPr kern="1200">
+                <a:solidFill>
+                  <a:schemeClr val="tx1"/>
+                </a:solidFill>
+                <a:latin typeface="Arial" charset="0"/>
+                <a:ea typeface="+mn-ea"/>
+                <a:cs typeface="Arial" charset="0"/>
+              </a:defRPr>
+            </a:lvl7pPr>
+            <a:lvl8pPr marL="3200400" algn="l" defTabSz="914400" rtl="0" eaLnBrk="1" latinLnBrk="0" hangingPunct="1">
+              <a:defRPr kern="1200">
+                <a:solidFill>
+                  <a:schemeClr val="tx1"/>
+                </a:solidFill>
+                <a:latin typeface="Arial" charset="0"/>
+                <a:ea typeface="+mn-ea"/>
+                <a:cs typeface="Arial" charset="0"/>
+              </a:defRPr>
+            </a:lvl8pPr>
+            <a:lvl9pPr marL="3657600" algn="l" defTabSz="914400" rtl="0" eaLnBrk="1" latinLnBrk="0" hangingPunct="1">
+              <a:defRPr kern="1200">
+                <a:solidFill>
+                  <a:schemeClr val="tx1"/>
+                </a:solidFill>
+                <a:latin typeface="Arial" charset="0"/>
+                <a:ea typeface="+mn-ea"/>
+                <a:cs typeface="Arial" charset="0"/>
+              </a:defRPr>
+            </a:lvl9pPr>
+          </a:lstStyle>
+          <a:p>
+            <a:pPr eaLnBrk="1" hangingPunct="1"/>
+            <a:r>
+              <a:rPr lang="fr-FR" dirty="0" smtClean="0">
+                <a:latin typeface="Calibri" pitchFamily="34" charset="0"/>
+              </a:rPr>
+              <a:t>Heure(</a:t>
+            </a:r>
+            <a:r>
+              <a:rPr lang="fr-FR" dirty="0" err="1" smtClean="0">
+                <a:latin typeface="Calibri" pitchFamily="34" charset="0"/>
+              </a:rPr>
+              <a:t>periode</a:t>
+            </a:r>
+            <a:r>
+              <a:rPr lang="fr-FR" dirty="0" smtClean="0">
+                <a:latin typeface="Calibri" pitchFamily="34" charset="0"/>
+              </a:rPr>
+              <a:t>)</a:t>
+            </a:r>
+            <a:endParaRPr lang="fr-FR" dirty="0">
+              <a:latin typeface="Calibri" pitchFamily="34" charset="0"/>
+            </a:endParaRPr>
+          </a:p>
+        </p:txBody>
+      </p:sp>
+      <p:sp>
+        <p:nvSpPr>
+          <p:cNvPr id="30" name="ZoneTexte 20"/>
+          <p:cNvSpPr txBox="1">
+            <a:spLocks noChangeArrowheads="1"/>
+          </p:cNvSpPr>
+          <p:nvPr/>
+        </p:nvSpPr>
+        <p:spPr bwMode="auto">
+          <a:xfrm>
+            <a:off x="11521380" y="2158432"/>
+            <a:ext cx="1138154" cy="400110"/>
+          </a:xfrm>
+          <a:prstGeom prst="rect">
+            <a:avLst/>
+          </a:prstGeom>
+          <a:noFill/>
+          <a:ln>
+            <a:noFill/>
+          </a:ln>
+          <a:extLst>
+            <a:ext uri="{909E8E84-426E-40DD-AFC4-6F175D3DCCD1}">
+              <a14:hiddenFill xmlns:a14="http://schemas.microsoft.com/office/drawing/2010/main">
+                <a:solidFill>
+                  <a:srgbClr val="FFFFFF"/>
+                </a:solidFill>
+              </a14:hiddenFill>
+            </a:ext>
+            <a:ext uri="{91240B29-F687-4F45-9708-019B960494DF}">
+              <a14:hiddenLine xmlns:a14="http://schemas.microsoft.com/office/drawing/2010/main" w="9525">
+                <a:solidFill>
+                  <a:srgbClr val="000000"/>
+                </a:solidFill>
+                <a:miter lim="800000"/>
+                <a:headEnd/>
+                <a:tailEnd/>
+              </a14:hiddenLine>
+            </a:ext>
+          </a:extLst>
+        </p:spPr>
+        <p:txBody>
+          <a:bodyPr wrap="square">
+            <a:spAutoFit/>
+          </a:bodyPr>
+          <a:lstStyle>
+            <a:defPPr>
+              <a:defRPr lang="fr-FR"/>
+            </a:defPPr>
+            <a:lvl1pPr algn="l" rtl="0" fontAlgn="base">
+              <a:spcBef>
+                <a:spcPct val="0"/>
+              </a:spcBef>
+              <a:spcAft>
+                <a:spcPct val="0"/>
+              </a:spcAft>
+              <a:defRPr kern="1200">
+                <a:solidFill>
+                  <a:schemeClr val="tx1"/>
+                </a:solidFill>
+                <a:latin typeface="Arial" charset="0"/>
+                <a:ea typeface="+mn-ea"/>
+                <a:cs typeface="Arial" charset="0"/>
+              </a:defRPr>
+            </a:lvl1pPr>
+            <a:lvl2pPr marL="457200" algn="l" rtl="0" fontAlgn="base">
+              <a:spcBef>
+                <a:spcPct val="0"/>
+              </a:spcBef>
+              <a:spcAft>
+                <a:spcPct val="0"/>
+              </a:spcAft>
+              <a:defRPr kern="1200">
+                <a:solidFill>
+                  <a:schemeClr val="tx1"/>
+                </a:solidFill>
+                <a:latin typeface="Arial" charset="0"/>
+                <a:ea typeface="+mn-ea"/>
+                <a:cs typeface="Arial" charset="0"/>
+              </a:defRPr>
+            </a:lvl2pPr>
+            <a:lvl3pPr marL="914400" algn="l" rtl="0" fontAlgn="base">
+              <a:spcBef>
+                <a:spcPct val="0"/>
+              </a:spcBef>
+              <a:spcAft>
+                <a:spcPct val="0"/>
+              </a:spcAft>
+              <a:defRPr kern="1200">
+                <a:solidFill>
+                  <a:schemeClr val="tx1"/>
+                </a:solidFill>
+                <a:latin typeface="Arial" charset="0"/>
+                <a:ea typeface="+mn-ea"/>
+                <a:cs typeface="Arial" charset="0"/>
+              </a:defRPr>
+            </a:lvl3pPr>
+            <a:lvl4pPr marL="1371600" algn="l" rtl="0" fontAlgn="base">
+              <a:spcBef>
+                <a:spcPct val="0"/>
+              </a:spcBef>
+              <a:spcAft>
+                <a:spcPct val="0"/>
+              </a:spcAft>
+              <a:defRPr kern="1200">
+                <a:solidFill>
+                  <a:schemeClr val="tx1"/>
+                </a:solidFill>
+                <a:latin typeface="Arial" charset="0"/>
+                <a:ea typeface="+mn-ea"/>
+                <a:cs typeface="Arial" charset="0"/>
+              </a:defRPr>
+            </a:lvl4pPr>
+            <a:lvl5pPr marL="1828800" algn="l" rtl="0" fontAlgn="base">
+              <a:spcBef>
+                <a:spcPct val="0"/>
+              </a:spcBef>
+              <a:spcAft>
+                <a:spcPct val="0"/>
+              </a:spcAft>
+              <a:defRPr kern="1200">
+                <a:solidFill>
+                  <a:schemeClr val="tx1"/>
+                </a:solidFill>
+                <a:latin typeface="Arial" charset="0"/>
+                <a:ea typeface="+mn-ea"/>
+                <a:cs typeface="Arial" charset="0"/>
+              </a:defRPr>
+            </a:lvl5pPr>
+            <a:lvl6pPr marL="2286000" algn="l" defTabSz="914400" rtl="0" eaLnBrk="1" latinLnBrk="0" hangingPunct="1">
+              <a:defRPr kern="1200">
+                <a:solidFill>
+                  <a:schemeClr val="tx1"/>
+                </a:solidFill>
+                <a:latin typeface="Arial" charset="0"/>
+                <a:ea typeface="+mn-ea"/>
+                <a:cs typeface="Arial" charset="0"/>
+              </a:defRPr>
+            </a:lvl6pPr>
+            <a:lvl7pPr marL="2743200" algn="l" defTabSz="914400" rtl="0" eaLnBrk="1" latinLnBrk="0" hangingPunct="1">
+              <a:defRPr kern="1200">
+                <a:solidFill>
+                  <a:schemeClr val="tx1"/>
+                </a:solidFill>
+                <a:latin typeface="Arial" charset="0"/>
+                <a:ea typeface="+mn-ea"/>
+                <a:cs typeface="Arial" charset="0"/>
+              </a:defRPr>
+            </a:lvl7pPr>
+            <a:lvl8pPr marL="3200400" algn="l" defTabSz="914400" rtl="0" eaLnBrk="1" latinLnBrk="0" hangingPunct="1">
+              <a:defRPr kern="1200">
+                <a:solidFill>
+                  <a:schemeClr val="tx1"/>
+                </a:solidFill>
+                <a:latin typeface="Arial" charset="0"/>
+                <a:ea typeface="+mn-ea"/>
+                <a:cs typeface="Arial" charset="0"/>
+              </a:defRPr>
+            </a:lvl8pPr>
+            <a:lvl9pPr marL="3657600" algn="l" defTabSz="914400" rtl="0" eaLnBrk="1" latinLnBrk="0" hangingPunct="1">
+              <a:defRPr kern="1200">
+                <a:solidFill>
+                  <a:schemeClr val="tx1"/>
+                </a:solidFill>
+                <a:latin typeface="Arial" charset="0"/>
+                <a:ea typeface="+mn-ea"/>
+                <a:cs typeface="Arial" charset="0"/>
+              </a:defRPr>
+            </a:lvl9pPr>
+          </a:lstStyle>
+          <a:p>
+            <a:pPr eaLnBrk="1" hangingPunct="1"/>
+            <a:r>
+              <a:rPr lang="fr-FR" dirty="0" smtClean="0">
+                <a:latin typeface="Calibri" pitchFamily="34" charset="0"/>
+              </a:rPr>
+              <a:t>Capacité</a:t>
+            </a:r>
+            <a:endParaRPr lang="fr-FR" dirty="0">
+              <a:latin typeface="Calibri" pitchFamily="34" charset="0"/>
+            </a:endParaRPr>
+          </a:p>
+        </p:txBody>
+      </p:sp>
+      <p:sp>
+        <p:nvSpPr>
+          <p:cNvPr id="31" name="Rounded Rectangle 30"/>
+          <p:cNvSpPr/>
+          <p:nvPr/>
+        </p:nvSpPr>
+        <p:spPr>
+          <a:xfrm>
+            <a:off x="5461595" y="2146508"/>
+            <a:ext cx="1739305" cy="377487"/>
+          </a:xfrm>
+          <a:prstGeom prst="roundRect">
+            <a:avLst/>
+          </a:prstGeom>
+          <a:solidFill>
+            <a:srgbClr val="EEEEEE"/>
+          </a:solidFill>
+        </p:spPr>
+        <p:style>
+          <a:lnRef idx="2">
+            <a:schemeClr val="accent1">
+              <a:shade val="50000"/>
+            </a:schemeClr>
+          </a:lnRef>
+          <a:fillRef idx="1">
+            <a:schemeClr val="accent1"/>
+          </a:fillRef>
+          <a:effectRef idx="0">
+            <a:schemeClr val="accent1"/>
+          </a:effectRef>
+          <a:fontRef idx="minor">
+            <a:schemeClr val="lt1"/>
+          </a:fontRef>
+        </p:style>
+        <p:txBody>
+          <a:bodyPr rtlCol="0" anchor="ctr"/>
+          <a:lstStyle/>
+          <a:p>
+            <a:pPr algn="ctr"/>
+            <a:endParaRPr lang="en-GB"/>
+          </a:p>
+        </p:txBody>
+      </p:sp>
+      <p:sp>
+        <p:nvSpPr>
+          <p:cNvPr id="39" name="Rounded Rectangle 38"/>
+          <p:cNvSpPr/>
+          <p:nvPr/>
+        </p:nvSpPr>
+        <p:spPr>
+          <a:xfrm>
+            <a:off x="9217124" y="2158433"/>
+            <a:ext cx="2071638" cy="377487"/>
+          </a:xfrm>
+          <a:prstGeom prst="roundRect">
+            <a:avLst/>
+          </a:prstGeom>
+          <a:solidFill>
+            <a:srgbClr val="EEEEEE"/>
+          </a:solidFill>
+        </p:spPr>
+        <p:style>
+          <a:lnRef idx="2">
+            <a:schemeClr val="accent1">
+              <a:shade val="50000"/>
+            </a:schemeClr>
+          </a:lnRef>
+          <a:fillRef idx="1">
+            <a:schemeClr val="accent1"/>
+          </a:fillRef>
+          <a:effectRef idx="0">
+            <a:schemeClr val="accent1"/>
+          </a:effectRef>
+          <a:fontRef idx="minor">
+            <a:schemeClr val="lt1"/>
+          </a:fontRef>
+        </p:style>
+        <p:txBody>
+          <a:bodyPr rtlCol="0" anchor="ctr"/>
+          <a:lstStyle/>
+          <a:p>
+            <a:pPr algn="ctr"/>
+            <a:endParaRPr lang="en-GB"/>
+          </a:p>
+        </p:txBody>
+      </p:sp>
+      <p:sp>
+        <p:nvSpPr>
+          <p:cNvPr id="41" name="Rounded Rectangle 40"/>
+          <p:cNvSpPr/>
+          <p:nvPr/>
+        </p:nvSpPr>
+        <p:spPr>
+          <a:xfrm>
+            <a:off x="12673508" y="2158432"/>
+            <a:ext cx="864462" cy="377487"/>
+          </a:xfrm>
+          <a:prstGeom prst="roundRect">
+            <a:avLst/>
+          </a:prstGeom>
+          <a:solidFill>
+            <a:srgbClr val="EEEEEE"/>
+          </a:solidFill>
+        </p:spPr>
+        <p:style>
+          <a:lnRef idx="2">
+            <a:schemeClr val="accent1">
+              <a:shade val="50000"/>
+            </a:schemeClr>
+          </a:lnRef>
+          <a:fillRef idx="1">
+            <a:schemeClr val="accent1"/>
+          </a:fillRef>
+          <a:effectRef idx="0">
+            <a:schemeClr val="accent1"/>
+          </a:effectRef>
+          <a:fontRef idx="minor">
+            <a:schemeClr val="lt1"/>
+          </a:fontRef>
+        </p:style>
+        <p:txBody>
+          <a:bodyPr rtlCol="0" anchor="ctr"/>
+          <a:lstStyle/>
+          <a:p>
+            <a:pPr algn="ctr"/>
+            <a:endParaRPr lang="en-GB"/>
+          </a:p>
+        </p:txBody>
+      </p:sp>
+      <p:sp>
+        <p:nvSpPr>
+          <p:cNvPr id="2" name="Rectangle 1"/>
+          <p:cNvSpPr/>
+          <p:nvPr/>
+        </p:nvSpPr>
+        <p:spPr>
+          <a:xfrm>
+            <a:off x="5461595" y="2448322"/>
+            <a:ext cx="1739305" cy="1800276"/>
+          </a:xfrm>
+          <a:prstGeom prst="rect">
+            <a:avLst/>
+          </a:prstGeom>
+          <a:solidFill>
+            <a:srgbClr val="EEEEEE"/>
+          </a:solidFill>
+          <a:ln>
+            <a:noFill/>
+          </a:ln>
+        </p:spPr>
+        <p:style>
+          <a:lnRef idx="2">
+            <a:schemeClr val="accent1">
+              <a:shade val="50000"/>
+            </a:schemeClr>
+          </a:lnRef>
+          <a:fillRef idx="1">
+            <a:schemeClr val="accent1"/>
+          </a:fillRef>
+          <a:effectRef idx="0">
+            <a:schemeClr val="accent1"/>
+          </a:effectRef>
+          <a:fontRef idx="minor">
+            <a:schemeClr val="lt1"/>
+          </a:fontRef>
+        </p:style>
+        <p:txBody>
+          <a:bodyPr rtlCol="0" anchor="ctr"/>
+          <a:lstStyle/>
+          <a:p>
+            <a:pPr algn="ctr"/>
+            <a:endParaRPr lang="en-GB"/>
+          </a:p>
+        </p:txBody>
+      </p:sp>
+      <p:sp>
+        <p:nvSpPr>
+          <p:cNvPr id="4" name="TextBox 3"/>
+          <p:cNvSpPr txBox="1"/>
+          <p:nvPr/>
+        </p:nvSpPr>
+        <p:spPr>
+          <a:xfrm>
+            <a:off x="5544716" y="2237522"/>
+            <a:ext cx="1136080" cy="1938992"/>
+          </a:xfrm>
+          <a:prstGeom prst="rect">
+            <a:avLst/>
+          </a:prstGeom>
+          <a:noFill/>
+        </p:spPr>
+        <p:txBody>
+          <a:bodyPr wrap="none" rtlCol="0">
+            <a:spAutoFit/>
+          </a:bodyPr>
+          <a:lstStyle/>
+          <a:p>
+            <a:r>
+              <a:rPr lang="en-GB" dirty="0" err="1" smtClean="0"/>
+              <a:t>Lundi</a:t>
+            </a:r>
+            <a:endParaRPr lang="en-GB" dirty="0" smtClean="0"/>
+          </a:p>
+          <a:p>
+            <a:r>
+              <a:rPr lang="en-GB" dirty="0" smtClean="0"/>
+              <a:t>Mardi</a:t>
+            </a:r>
+          </a:p>
+          <a:p>
+            <a:r>
+              <a:rPr lang="en-GB" dirty="0" err="1" smtClean="0"/>
+              <a:t>Mercredi</a:t>
+            </a:r>
+            <a:endParaRPr lang="en-GB" dirty="0" smtClean="0"/>
+          </a:p>
+          <a:p>
+            <a:r>
+              <a:rPr lang="en-GB" dirty="0">
+                <a:solidFill>
+                  <a:srgbClr val="FF0000"/>
+                </a:solidFill>
+              </a:rPr>
+              <a:t> ̶</a:t>
+            </a:r>
+            <a:r>
+              <a:rPr lang="en-GB" dirty="0" err="1">
+                <a:solidFill>
+                  <a:srgbClr val="FF0000"/>
+                </a:solidFill>
+              </a:rPr>
+              <a:t>J̶e̶u̶d̶i</a:t>
+            </a:r>
+            <a:r>
+              <a:rPr lang="en-GB" dirty="0" smtClean="0">
+                <a:solidFill>
+                  <a:srgbClr val="FF0000"/>
+                </a:solidFill>
+              </a:rPr>
+              <a:t>̶</a:t>
+            </a:r>
+          </a:p>
+          <a:p>
+            <a:r>
+              <a:rPr lang="en-GB" dirty="0" err="1" smtClean="0"/>
+              <a:t>Vendredi</a:t>
+            </a:r>
+            <a:r>
+              <a:rPr lang="en-GB" dirty="0" smtClean="0"/>
+              <a:t/>
+            </a:r>
+            <a:br>
+              <a:rPr lang="en-GB" dirty="0" smtClean="0"/>
+            </a:br>
+            <a:r>
+              <a:rPr lang="en-GB" dirty="0" err="1" smtClean="0"/>
+              <a:t>Samedi</a:t>
+            </a:r>
+            <a:endParaRPr lang="en-GB" dirty="0"/>
+          </a:p>
+        </p:txBody>
+      </p:sp>
+      <p:sp>
+        <p:nvSpPr>
+          <p:cNvPr id="34" name="Rectangle 33"/>
+          <p:cNvSpPr/>
+          <p:nvPr/>
+        </p:nvSpPr>
+        <p:spPr>
+          <a:xfrm>
+            <a:off x="9227622" y="2454586"/>
+            <a:ext cx="2061140" cy="1367958"/>
+          </a:xfrm>
+          <a:prstGeom prst="rect">
+            <a:avLst/>
+          </a:prstGeom>
+          <a:solidFill>
+            <a:srgbClr val="EEEEEE"/>
+          </a:solidFill>
+          <a:ln>
+            <a:noFill/>
+          </a:ln>
+        </p:spPr>
+        <p:style>
+          <a:lnRef idx="2">
+            <a:schemeClr val="accent1">
+              <a:shade val="50000"/>
+            </a:schemeClr>
+          </a:lnRef>
+          <a:fillRef idx="1">
+            <a:schemeClr val="accent1"/>
+          </a:fillRef>
+          <a:effectRef idx="0">
+            <a:schemeClr val="accent1"/>
+          </a:effectRef>
+          <a:fontRef idx="minor">
+            <a:schemeClr val="lt1"/>
+          </a:fontRef>
+        </p:style>
+        <p:txBody>
+          <a:bodyPr rtlCol="0" anchor="ctr"/>
+          <a:lstStyle/>
+          <a:p>
+            <a:pPr algn="ctr"/>
+            <a:endParaRPr lang="en-GB"/>
+          </a:p>
+        </p:txBody>
+      </p:sp>
+      <p:sp>
+        <p:nvSpPr>
+          <p:cNvPr id="5" name="TextBox 4"/>
+          <p:cNvSpPr txBox="1"/>
+          <p:nvPr/>
+        </p:nvSpPr>
+        <p:spPr>
+          <a:xfrm>
+            <a:off x="9322088" y="2499105"/>
+            <a:ext cx="840295" cy="1323439"/>
+          </a:xfrm>
+          <a:prstGeom prst="rect">
+            <a:avLst/>
+          </a:prstGeom>
+          <a:noFill/>
+        </p:spPr>
+        <p:txBody>
+          <a:bodyPr wrap="none" rtlCol="0">
+            <a:spAutoFit/>
+          </a:bodyPr>
+          <a:lstStyle/>
+          <a:p>
+            <a:r>
+              <a:rPr lang="en-GB" dirty="0" smtClean="0"/>
+              <a:t>8-10</a:t>
+            </a:r>
+          </a:p>
+          <a:p>
+            <a:r>
+              <a:rPr lang="en-GB" dirty="0" smtClean="0"/>
+              <a:t>10-12</a:t>
+            </a:r>
+          </a:p>
+          <a:p>
+            <a:r>
+              <a:rPr lang="en-GB" dirty="0" smtClean="0"/>
+              <a:t>14-16</a:t>
+            </a:r>
+          </a:p>
+          <a:p>
+            <a:r>
+              <a:rPr lang="en-GB" dirty="0"/>
+              <a:t> </a:t>
+            </a:r>
+            <a:r>
+              <a:rPr lang="en-GB" dirty="0">
+                <a:solidFill>
+                  <a:srgbClr val="FF0000"/>
+                </a:solidFill>
+              </a:rPr>
+              <a:t>̶1̶6̶-̶1̶8̶</a:t>
+            </a:r>
+          </a:p>
+        </p:txBody>
+      </p:sp>
+      <p:sp>
+        <p:nvSpPr>
+          <p:cNvPr id="6" name="TextBox 5"/>
+          <p:cNvSpPr txBox="1"/>
+          <p:nvPr/>
+        </p:nvSpPr>
+        <p:spPr>
+          <a:xfrm>
+            <a:off x="12658252" y="2120220"/>
+            <a:ext cx="303288" cy="400110"/>
+          </a:xfrm>
+          <a:prstGeom prst="rect">
+            <a:avLst/>
+          </a:prstGeom>
+          <a:noFill/>
+        </p:spPr>
+        <p:txBody>
+          <a:bodyPr wrap="none" rtlCol="0">
+            <a:spAutoFit/>
+          </a:bodyPr>
+          <a:lstStyle/>
+          <a:p>
+            <a:r>
+              <a:rPr lang="en-GB" dirty="0" smtClean="0"/>
+              <a:t>|</a:t>
+            </a:r>
+            <a:endParaRPr lang="en-GB" dirty="0"/>
+          </a:p>
+        </p:txBody>
+      </p:sp>
+    </p:spTree>
+    <p:extLst>
+      <p:ext uri="{BB962C8B-B14F-4D97-AF65-F5344CB8AC3E}">
+        <p14:creationId xmlns:p14="http://schemas.microsoft.com/office/powerpoint/2010/main" val="1230556422"/>
+      </p:ext>
+    </p:extLst>
+  </p:cSld>
+  <p:clrMapOvr>
+    <a:masterClrMapping/>
+  </p:clrMapOvr>
+  <p:timing>
+    <p:tnLst>
+      <p:par>
+        <p:cTn id="1" dur="indefinite" restart="never" nodeType="tmRoot"/>
+      </p:par>
+    </p:tnLst>
+  </p:timing>
+</p:sld>
+</file>
+
+<file path=ppt/slides/slide14.xml><?xml version="1.0" encoding="utf-8"?>
+<p:sld xmlns:a="http://schemas.openxmlformats.org/drawingml/2006/main" xmlns:r="http://schemas.openxmlformats.org/officeDocument/2006/relationships" xmlns:p="http://schemas.openxmlformats.org/presentationml/2006/main">
+  <p:cSld>
+    <p:spTree>
+      <p:nvGrpSpPr>
+        <p:cNvPr id="1" name=""/>
+        <p:cNvGrpSpPr/>
+        <p:nvPr/>
+      </p:nvGrpSpPr>
+      <p:grpSpPr>
+        <a:xfrm>
+          <a:off x="0" y="0"/>
+          <a:ext cx="0" cy="0"/>
+          <a:chOff x="0" y="0"/>
+          <a:chExt cx="0" cy="0"/>
+        </a:xfrm>
+      </p:grpSpPr>
+      <p:sp>
+        <p:nvSpPr>
+          <p:cNvPr id="40" name="Rectangle 39"/>
+          <p:cNvSpPr/>
+          <p:nvPr/>
+        </p:nvSpPr>
+        <p:spPr>
+          <a:xfrm>
+            <a:off x="442950" y="349290"/>
+            <a:ext cx="13382686" cy="6577931"/>
+          </a:xfrm>
+          <a:prstGeom prst="rect">
+            <a:avLst/>
+          </a:prstGeom>
+          <a:gradFill flip="none" rotWithShape="1">
+            <a:gsLst>
+              <a:gs pos="0">
+                <a:schemeClr val="accent1">
+                  <a:lumMod val="75000"/>
+                  <a:tint val="66000"/>
+                  <a:satMod val="160000"/>
+                </a:schemeClr>
+              </a:gs>
+              <a:gs pos="50000">
+                <a:schemeClr val="accent1">
+                  <a:lumMod val="75000"/>
+                  <a:tint val="44500"/>
+                  <a:satMod val="160000"/>
+                </a:schemeClr>
+              </a:gs>
+              <a:gs pos="100000">
+                <a:schemeClr val="accent1">
+                  <a:lumMod val="75000"/>
+                  <a:tint val="23500"/>
+                  <a:satMod val="160000"/>
+                </a:schemeClr>
+              </a:gs>
+            </a:gsLst>
+            <a:path path="circle">
+              <a:fillToRect l="100000" t="100000"/>
+            </a:path>
+            <a:tileRect r="-100000" b="-100000"/>
+          </a:gradFill>
+          <a:ln>
+            <a:solidFill>
+              <a:schemeClr val="tx1"/>
+            </a:solidFill>
+          </a:ln>
+        </p:spPr>
+        <p:style>
+          <a:lnRef idx="2">
+            <a:schemeClr val="accent1">
+              <a:shade val="50000"/>
+            </a:schemeClr>
+          </a:lnRef>
+          <a:fillRef idx="1">
+            <a:schemeClr val="accent1"/>
+          </a:fillRef>
+          <a:effectRef idx="0">
+            <a:schemeClr val="accent1"/>
+          </a:effectRef>
+          <a:fontRef idx="minor">
+            <a:schemeClr val="lt1"/>
+          </a:fontRef>
+        </p:style>
+        <p:txBody>
+          <a:bodyPr lIns="101206" tIns="50604" rIns="101206" bIns="50604" rtlCol="0" anchor="ctr"/>
+          <a:lstStyle/>
+          <a:p>
+            <a:pPr algn="ctr"/>
+            <a:endParaRPr lang="en-US" i="1" dirty="0">
+              <a:gradFill flip="none" rotWithShape="1">
+                <a:gsLst>
+                  <a:gs pos="0">
+                    <a:schemeClr val="tx1">
+                      <a:tint val="66000"/>
+                      <a:satMod val="160000"/>
+                    </a:schemeClr>
+                  </a:gs>
+                  <a:gs pos="50000">
+                    <a:schemeClr val="tx1">
+                      <a:tint val="44500"/>
+                      <a:satMod val="160000"/>
+                    </a:schemeClr>
+                  </a:gs>
+                  <a:gs pos="100000">
+                    <a:schemeClr val="tx1">
+                      <a:tint val="23500"/>
+                      <a:satMod val="160000"/>
+                    </a:schemeClr>
+                  </a:gs>
+                </a:gsLst>
+                <a:lin ang="5400000" scaled="1"/>
+                <a:tileRect/>
+              </a:gradFill>
+            </a:endParaRPr>
+          </a:p>
+        </p:txBody>
+      </p:sp>
+      <p:sp>
+        <p:nvSpPr>
+          <p:cNvPr id="27" name="Rounded Rectangle 26"/>
+          <p:cNvSpPr/>
+          <p:nvPr/>
+        </p:nvSpPr>
+        <p:spPr>
+          <a:xfrm>
+            <a:off x="720180" y="1397083"/>
+            <a:ext cx="3456384" cy="748730"/>
+          </a:xfrm>
+          <a:prstGeom prst="roundRect">
+            <a:avLst/>
+          </a:prstGeom>
+          <a:gradFill flip="none" rotWithShape="1">
+            <a:gsLst>
+              <a:gs pos="0">
+                <a:schemeClr val="accent1">
+                  <a:shade val="30000"/>
+                  <a:satMod val="115000"/>
+                </a:schemeClr>
+              </a:gs>
+              <a:gs pos="50000">
+                <a:schemeClr val="accent1">
+                  <a:shade val="67500"/>
+                  <a:satMod val="115000"/>
+                </a:schemeClr>
+              </a:gs>
+              <a:gs pos="100000">
+                <a:schemeClr val="accent1">
+                  <a:shade val="100000"/>
+                  <a:satMod val="115000"/>
+                </a:schemeClr>
+              </a:gs>
+            </a:gsLst>
+            <a:path path="circle">
+              <a:fillToRect l="100000" t="100000"/>
+            </a:path>
+            <a:tileRect r="-100000" b="-100000"/>
+          </a:gradFill>
+          <a:ln>
+            <a:solidFill>
+              <a:srgbClr val="002060"/>
+            </a:solidFill>
+          </a:ln>
+        </p:spPr>
+        <p:style>
+          <a:lnRef idx="2">
+            <a:schemeClr val="accent1">
+              <a:shade val="50000"/>
+            </a:schemeClr>
+          </a:lnRef>
+          <a:fillRef idx="1">
+            <a:schemeClr val="accent1"/>
+          </a:fillRef>
+          <a:effectRef idx="0">
+            <a:schemeClr val="accent1"/>
+          </a:effectRef>
+          <a:fontRef idx="minor">
+            <a:schemeClr val="lt1"/>
+          </a:fontRef>
+        </p:style>
+        <p:txBody>
+          <a:bodyPr rtlCol="0" anchor="ctr"/>
+          <a:lstStyle/>
+          <a:p>
+            <a:pPr algn="ctr"/>
+            <a:endParaRPr lang="en-GB">
+              <a:ln>
+                <a:solidFill>
+                  <a:srgbClr val="002060"/>
+                </a:solidFill>
+              </a:ln>
+            </a:endParaRPr>
+          </a:p>
+        </p:txBody>
+      </p:sp>
+      <p:sp>
+        <p:nvSpPr>
+          <p:cNvPr id="28" name="Rounded Rectangle 27"/>
+          <p:cNvSpPr/>
+          <p:nvPr/>
+        </p:nvSpPr>
+        <p:spPr>
+          <a:xfrm>
+            <a:off x="720180" y="2303464"/>
+            <a:ext cx="3456384" cy="648914"/>
+          </a:xfrm>
+          <a:prstGeom prst="roundRect">
+            <a:avLst/>
+          </a:prstGeom>
+          <a:gradFill flip="none" rotWithShape="1">
+            <a:gsLst>
+              <a:gs pos="0">
+                <a:schemeClr val="accent1">
+                  <a:shade val="30000"/>
+                  <a:satMod val="115000"/>
+                </a:schemeClr>
+              </a:gs>
+              <a:gs pos="50000">
+                <a:schemeClr val="accent1">
+                  <a:shade val="67500"/>
+                  <a:satMod val="115000"/>
+                </a:schemeClr>
+              </a:gs>
+              <a:gs pos="100000">
+                <a:schemeClr val="accent1">
+                  <a:shade val="100000"/>
+                  <a:satMod val="115000"/>
+                </a:schemeClr>
+              </a:gs>
+            </a:gsLst>
+            <a:path path="circle">
+              <a:fillToRect l="100000" t="100000"/>
+            </a:path>
+            <a:tileRect r="-100000" b="-100000"/>
+          </a:gradFill>
+          <a:ln>
+            <a:solidFill>
+              <a:srgbClr val="002060"/>
+            </a:solidFill>
+          </a:ln>
+        </p:spPr>
+        <p:style>
+          <a:lnRef idx="2">
+            <a:schemeClr val="accent1">
+              <a:shade val="50000"/>
+            </a:schemeClr>
+          </a:lnRef>
+          <a:fillRef idx="1">
+            <a:schemeClr val="accent1"/>
+          </a:fillRef>
+          <a:effectRef idx="0">
+            <a:schemeClr val="accent1"/>
+          </a:effectRef>
+          <a:fontRef idx="minor">
+            <a:schemeClr val="lt1"/>
+          </a:fontRef>
+        </p:style>
+        <p:txBody>
+          <a:bodyPr rtlCol="0" anchor="ctr"/>
+          <a:lstStyle/>
+          <a:p>
+            <a:pPr algn="ctr"/>
+            <a:endParaRPr lang="en-GB">
+              <a:ln>
+                <a:solidFill>
+                  <a:srgbClr val="002060"/>
+                </a:solidFill>
+              </a:ln>
+            </a:endParaRPr>
+          </a:p>
+        </p:txBody>
+      </p:sp>
+      <p:sp>
+        <p:nvSpPr>
+          <p:cNvPr id="29" name="Rounded Rectangle 28"/>
+          <p:cNvSpPr/>
+          <p:nvPr/>
+        </p:nvSpPr>
+        <p:spPr>
+          <a:xfrm>
+            <a:off x="720180" y="3958709"/>
+            <a:ext cx="3487277" cy="779709"/>
+          </a:xfrm>
+          <a:prstGeom prst="roundRect">
+            <a:avLst/>
+          </a:prstGeom>
+          <a:gradFill flip="none" rotWithShape="1">
+            <a:gsLst>
+              <a:gs pos="0">
+                <a:srgbClr val="00B0F0">
+                  <a:shade val="30000"/>
+                  <a:satMod val="115000"/>
+                </a:srgbClr>
+              </a:gs>
+              <a:gs pos="50000">
+                <a:srgbClr val="00B0F0">
+                  <a:shade val="67500"/>
+                  <a:satMod val="115000"/>
+                </a:srgbClr>
+              </a:gs>
+              <a:gs pos="100000">
+                <a:srgbClr val="00B0F0">
+                  <a:shade val="100000"/>
+                  <a:satMod val="115000"/>
+                </a:srgbClr>
+              </a:gs>
+            </a:gsLst>
+            <a:path path="circle">
+              <a:fillToRect l="100000" t="100000"/>
+            </a:path>
+            <a:tileRect r="-100000" b="-100000"/>
+          </a:gradFill>
+          <a:ln>
+            <a:solidFill>
+              <a:srgbClr val="002060"/>
+            </a:solidFill>
+          </a:ln>
+        </p:spPr>
+        <p:style>
+          <a:lnRef idx="2">
+            <a:schemeClr val="accent1">
+              <a:shade val="50000"/>
+            </a:schemeClr>
+          </a:lnRef>
+          <a:fillRef idx="1">
+            <a:schemeClr val="accent1"/>
+          </a:fillRef>
+          <a:effectRef idx="0">
+            <a:schemeClr val="accent1"/>
+          </a:effectRef>
+          <a:fontRef idx="minor">
+            <a:schemeClr val="lt1"/>
+          </a:fontRef>
+        </p:style>
+        <p:txBody>
+          <a:bodyPr rtlCol="0" anchor="ctr"/>
+          <a:lstStyle/>
+          <a:p>
+            <a:pPr algn="ctr"/>
+            <a:endParaRPr lang="en-GB">
+              <a:ln>
+                <a:solidFill>
+                  <a:srgbClr val="002060"/>
+                </a:solidFill>
+              </a:ln>
+            </a:endParaRPr>
+          </a:p>
+        </p:txBody>
+      </p:sp>
+      <p:sp>
+        <p:nvSpPr>
+          <p:cNvPr id="24" name="Rounded Rectangle 23"/>
+          <p:cNvSpPr/>
+          <p:nvPr/>
+        </p:nvSpPr>
+        <p:spPr>
+          <a:xfrm>
+            <a:off x="720180" y="511594"/>
+            <a:ext cx="3456384" cy="779709"/>
+          </a:xfrm>
+          <a:prstGeom prst="roundRect">
+            <a:avLst/>
+          </a:prstGeom>
+          <a:gradFill flip="none" rotWithShape="1">
+            <a:gsLst>
+              <a:gs pos="0">
+                <a:schemeClr val="accent1">
+                  <a:shade val="30000"/>
+                  <a:satMod val="115000"/>
+                </a:schemeClr>
+              </a:gs>
+              <a:gs pos="50000">
+                <a:schemeClr val="accent1">
+                  <a:shade val="67500"/>
+                  <a:satMod val="115000"/>
+                </a:schemeClr>
+              </a:gs>
+              <a:gs pos="100000">
+                <a:schemeClr val="accent1">
+                  <a:shade val="100000"/>
+                  <a:satMod val="115000"/>
+                </a:schemeClr>
+              </a:gs>
+            </a:gsLst>
+            <a:path path="circle">
+              <a:fillToRect l="100000" t="100000"/>
+            </a:path>
+            <a:tileRect r="-100000" b="-100000"/>
+          </a:gradFill>
+          <a:ln>
+            <a:solidFill>
+              <a:srgbClr val="002060"/>
+            </a:solidFill>
+          </a:ln>
+        </p:spPr>
+        <p:style>
+          <a:lnRef idx="2">
+            <a:schemeClr val="accent1">
+              <a:shade val="50000"/>
+            </a:schemeClr>
+          </a:lnRef>
+          <a:fillRef idx="1">
+            <a:schemeClr val="accent1"/>
+          </a:fillRef>
+          <a:effectRef idx="0">
+            <a:schemeClr val="accent1"/>
+          </a:effectRef>
+          <a:fontRef idx="minor">
+            <a:schemeClr val="lt1"/>
+          </a:fontRef>
+        </p:style>
+        <p:txBody>
+          <a:bodyPr rtlCol="0" anchor="ctr"/>
+          <a:lstStyle/>
+          <a:p>
+            <a:pPr algn="ctr"/>
+            <a:endParaRPr lang="en-GB">
+              <a:ln>
+                <a:solidFill>
+                  <a:srgbClr val="002060"/>
+                </a:solidFill>
+              </a:ln>
+            </a:endParaRPr>
+          </a:p>
+        </p:txBody>
+      </p:sp>
+      <p:sp>
+        <p:nvSpPr>
+          <p:cNvPr id="14" name="TextBox 13"/>
+          <p:cNvSpPr txBox="1"/>
+          <p:nvPr/>
+        </p:nvSpPr>
+        <p:spPr>
+          <a:xfrm>
+            <a:off x="720180" y="1584226"/>
+            <a:ext cx="3456384" cy="409973"/>
+          </a:xfrm>
+          <a:prstGeom prst="rect">
+            <a:avLst/>
+          </a:prstGeom>
+          <a:noFill/>
+        </p:spPr>
+        <p:txBody>
+          <a:bodyPr wrap="square" lIns="101206" tIns="50604" rIns="101206" bIns="50604" rtlCol="0">
+            <a:spAutoFit/>
+          </a:bodyPr>
+          <a:lstStyle/>
+          <a:p>
+            <a:pPr algn="ctr"/>
+            <a:r>
+              <a:rPr lang="fr-FR" b="1" dirty="0" smtClean="0">
+                <a:solidFill>
+                  <a:schemeClr val="bg1"/>
+                </a:solidFill>
+              </a:rPr>
+              <a:t>Gestions des fiches diététique</a:t>
+            </a:r>
+            <a:endParaRPr lang="en-US" b="1" dirty="0">
+              <a:solidFill>
+                <a:schemeClr val="bg1"/>
+              </a:solidFill>
+            </a:endParaRPr>
+          </a:p>
+        </p:txBody>
+      </p:sp>
+      <p:sp>
+        <p:nvSpPr>
+          <p:cNvPr id="15" name="TextBox 14"/>
+          <p:cNvSpPr txBox="1"/>
+          <p:nvPr/>
+        </p:nvSpPr>
+        <p:spPr>
+          <a:xfrm>
+            <a:off x="864196" y="2399232"/>
+            <a:ext cx="3343261" cy="409973"/>
+          </a:xfrm>
+          <a:prstGeom prst="rect">
+            <a:avLst/>
+          </a:prstGeom>
+          <a:noFill/>
+        </p:spPr>
+        <p:txBody>
+          <a:bodyPr wrap="none" lIns="101206" tIns="50604" rIns="101206" bIns="50604" rtlCol="0">
+            <a:spAutoFit/>
+          </a:bodyPr>
+          <a:lstStyle/>
+          <a:p>
+            <a:r>
+              <a:rPr lang="fr-FR" b="1" dirty="0" smtClean="0">
+                <a:solidFill>
+                  <a:schemeClr val="bg1"/>
+                </a:solidFill>
+              </a:rPr>
+              <a:t>Consulter les fiches médicaux</a:t>
+            </a:r>
+            <a:endParaRPr lang="en-US" b="1" dirty="0">
+              <a:solidFill>
+                <a:schemeClr val="bg1"/>
+              </a:solidFill>
+            </a:endParaRPr>
+          </a:p>
+        </p:txBody>
+      </p:sp>
+      <p:sp>
+        <p:nvSpPr>
+          <p:cNvPr id="10" name="Multiplier 9"/>
+          <p:cNvSpPr/>
+          <p:nvPr/>
+        </p:nvSpPr>
+        <p:spPr>
+          <a:xfrm>
+            <a:off x="13256686" y="358080"/>
+            <a:ext cx="562569" cy="450057"/>
+          </a:xfrm>
+          <a:prstGeom prst="mathMultiply">
+            <a:avLst/>
+          </a:prstGeom>
+          <a:solidFill>
+            <a:srgbClr val="C00000"/>
+          </a:solidFill>
+          <a:ln w="3175">
+            <a:solidFill>
+              <a:schemeClr val="tx1"/>
+            </a:solidFill>
+          </a:ln>
+        </p:spPr>
+        <p:style>
+          <a:lnRef idx="2">
+            <a:schemeClr val="accent1">
+              <a:shade val="50000"/>
+            </a:schemeClr>
+          </a:lnRef>
+          <a:fillRef idx="1">
+            <a:schemeClr val="accent1"/>
+          </a:fillRef>
+          <a:effectRef idx="0">
+            <a:schemeClr val="accent1"/>
+          </a:effectRef>
+          <a:fontRef idx="minor">
+            <a:schemeClr val="lt1"/>
+          </a:fontRef>
+        </p:style>
+        <p:txBody>
+          <a:bodyPr lIns="101206" tIns="50604" rIns="101206" bIns="50604" anchor="ctr"/>
+          <a:lstStyle>
+            <a:defPPr>
+              <a:defRPr lang="fr-FR"/>
+            </a:defPPr>
+            <a:lvl1pPr algn="l" rtl="0" fontAlgn="base">
+              <a:spcBef>
+                <a:spcPct val="0"/>
+              </a:spcBef>
+              <a:spcAft>
+                <a:spcPct val="0"/>
+              </a:spcAft>
+              <a:defRPr kern="1200">
+                <a:solidFill>
+                  <a:schemeClr val="lt1"/>
+                </a:solidFill>
+                <a:latin typeface="+mn-lt"/>
+                <a:ea typeface="+mn-ea"/>
+                <a:cs typeface="+mn-cs"/>
+              </a:defRPr>
+            </a:lvl1pPr>
+            <a:lvl2pPr marL="457200" algn="l" rtl="0" fontAlgn="base">
+              <a:spcBef>
+                <a:spcPct val="0"/>
+              </a:spcBef>
+              <a:spcAft>
+                <a:spcPct val="0"/>
+              </a:spcAft>
+              <a:defRPr kern="1200">
+                <a:solidFill>
+                  <a:schemeClr val="lt1"/>
+                </a:solidFill>
+                <a:latin typeface="+mn-lt"/>
+                <a:ea typeface="+mn-ea"/>
+                <a:cs typeface="+mn-cs"/>
+              </a:defRPr>
+            </a:lvl2pPr>
+            <a:lvl3pPr marL="914400" algn="l" rtl="0" fontAlgn="base">
+              <a:spcBef>
+                <a:spcPct val="0"/>
+              </a:spcBef>
+              <a:spcAft>
+                <a:spcPct val="0"/>
+              </a:spcAft>
+              <a:defRPr kern="1200">
+                <a:solidFill>
+                  <a:schemeClr val="lt1"/>
+                </a:solidFill>
+                <a:latin typeface="+mn-lt"/>
+                <a:ea typeface="+mn-ea"/>
+                <a:cs typeface="+mn-cs"/>
+              </a:defRPr>
+            </a:lvl3pPr>
+            <a:lvl4pPr marL="1371600" algn="l" rtl="0" fontAlgn="base">
+              <a:spcBef>
+                <a:spcPct val="0"/>
+              </a:spcBef>
+              <a:spcAft>
+                <a:spcPct val="0"/>
+              </a:spcAft>
+              <a:defRPr kern="1200">
+                <a:solidFill>
+                  <a:schemeClr val="lt1"/>
+                </a:solidFill>
+                <a:latin typeface="+mn-lt"/>
+                <a:ea typeface="+mn-ea"/>
+                <a:cs typeface="+mn-cs"/>
+              </a:defRPr>
+            </a:lvl4pPr>
+            <a:lvl5pPr marL="1828800" algn="l" rtl="0" fontAlgn="base">
+              <a:spcBef>
+                <a:spcPct val="0"/>
+              </a:spcBef>
+              <a:spcAft>
+                <a:spcPct val="0"/>
+              </a:spcAft>
+              <a:defRPr kern="1200">
+                <a:solidFill>
+                  <a:schemeClr val="lt1"/>
+                </a:solidFill>
+                <a:latin typeface="+mn-lt"/>
+                <a:ea typeface="+mn-ea"/>
+                <a:cs typeface="+mn-cs"/>
+              </a:defRPr>
+            </a:lvl5pPr>
+            <a:lvl6pPr marL="2286000" algn="l" defTabSz="914400" rtl="0" eaLnBrk="1" latinLnBrk="0" hangingPunct="1">
+              <a:defRPr kern="1200">
+                <a:solidFill>
+                  <a:schemeClr val="lt1"/>
+                </a:solidFill>
+                <a:latin typeface="+mn-lt"/>
+                <a:ea typeface="+mn-ea"/>
+                <a:cs typeface="+mn-cs"/>
+              </a:defRPr>
+            </a:lvl6pPr>
+            <a:lvl7pPr marL="2743200" algn="l" defTabSz="914400" rtl="0" eaLnBrk="1" latinLnBrk="0" hangingPunct="1">
+              <a:defRPr kern="1200">
+                <a:solidFill>
+                  <a:schemeClr val="lt1"/>
+                </a:solidFill>
+                <a:latin typeface="+mn-lt"/>
+                <a:ea typeface="+mn-ea"/>
+                <a:cs typeface="+mn-cs"/>
+              </a:defRPr>
+            </a:lvl7pPr>
+            <a:lvl8pPr marL="3200400" algn="l" defTabSz="914400" rtl="0" eaLnBrk="1" latinLnBrk="0" hangingPunct="1">
+              <a:defRPr kern="1200">
+                <a:solidFill>
+                  <a:schemeClr val="lt1"/>
+                </a:solidFill>
+                <a:latin typeface="+mn-lt"/>
+                <a:ea typeface="+mn-ea"/>
+                <a:cs typeface="+mn-cs"/>
+              </a:defRPr>
+            </a:lvl8pPr>
+            <a:lvl9pPr marL="3657600" algn="l" defTabSz="914400" rtl="0" eaLnBrk="1" latinLnBrk="0" hangingPunct="1">
+              <a:defRPr kern="1200">
+                <a:solidFill>
+                  <a:schemeClr val="lt1"/>
+                </a:solidFill>
+                <a:latin typeface="+mn-lt"/>
+                <a:ea typeface="+mn-ea"/>
+                <a:cs typeface="+mn-cs"/>
+              </a:defRPr>
+            </a:lvl9pPr>
+          </a:lstStyle>
+          <a:p>
+            <a:pPr algn="ctr">
+              <a:defRPr/>
+            </a:pPr>
+            <a:endParaRPr lang="fr-FR"/>
+          </a:p>
+        </p:txBody>
+      </p:sp>
+      <p:sp>
+        <p:nvSpPr>
+          <p:cNvPr id="16" name="TextBox 15"/>
+          <p:cNvSpPr txBox="1"/>
+          <p:nvPr/>
+        </p:nvSpPr>
+        <p:spPr>
+          <a:xfrm>
+            <a:off x="720180" y="696463"/>
+            <a:ext cx="3456384" cy="409973"/>
+          </a:xfrm>
+          <a:prstGeom prst="rect">
+            <a:avLst/>
+          </a:prstGeom>
+          <a:noFill/>
+        </p:spPr>
+        <p:txBody>
+          <a:bodyPr wrap="square" lIns="101206" tIns="50604" rIns="101206" bIns="50604" rtlCol="0">
+            <a:spAutoFit/>
+          </a:bodyPr>
+          <a:lstStyle/>
+          <a:p>
+            <a:pPr algn="ctr"/>
+            <a:r>
+              <a:rPr lang="fr-FR" b="1" dirty="0" smtClean="0">
+                <a:solidFill>
+                  <a:schemeClr val="bg1"/>
+                </a:solidFill>
+              </a:rPr>
+              <a:t>Fiche Personnelle</a:t>
+            </a:r>
+            <a:endParaRPr lang="en-US" b="1" dirty="0">
+              <a:solidFill>
+                <a:schemeClr val="bg1"/>
+              </a:solidFill>
+            </a:endParaRPr>
+          </a:p>
+        </p:txBody>
+      </p:sp>
+      <p:cxnSp>
+        <p:nvCxnSpPr>
+          <p:cNvPr id="3" name="Straight Connector 2"/>
+          <p:cNvCxnSpPr/>
+          <p:nvPr/>
+        </p:nvCxnSpPr>
+        <p:spPr>
+          <a:xfrm>
+            <a:off x="4392588" y="349290"/>
+            <a:ext cx="0" cy="6577931"/>
+          </a:xfrm>
+          <a:prstGeom prst="line">
+            <a:avLst/>
+          </a:prstGeom>
+          <a:ln>
+            <a:solidFill>
+              <a:schemeClr val="tx1"/>
+            </a:solidFill>
+          </a:ln>
+        </p:spPr>
+        <p:style>
+          <a:lnRef idx="1">
+            <a:schemeClr val="accent1"/>
+          </a:lnRef>
+          <a:fillRef idx="0">
+            <a:schemeClr val="accent1"/>
+          </a:fillRef>
+          <a:effectRef idx="0">
+            <a:schemeClr val="accent1"/>
+          </a:effectRef>
+          <a:fontRef idx="minor">
+            <a:schemeClr val="tx1"/>
+          </a:fontRef>
+        </p:style>
+      </p:cxnSp>
+      <p:cxnSp>
+        <p:nvCxnSpPr>
+          <p:cNvPr id="7" name="Straight Connector 6"/>
+          <p:cNvCxnSpPr/>
+          <p:nvPr/>
+        </p:nvCxnSpPr>
+        <p:spPr>
+          <a:xfrm flipH="1">
+            <a:off x="509558" y="3827275"/>
+            <a:ext cx="3883030" cy="0"/>
+          </a:xfrm>
+          <a:prstGeom prst="line">
+            <a:avLst/>
+          </a:prstGeom>
+          <a:ln>
+            <a:solidFill>
+              <a:schemeClr val="tx1"/>
+            </a:solidFill>
+          </a:ln>
+        </p:spPr>
+        <p:style>
+          <a:lnRef idx="1">
+            <a:schemeClr val="accent1"/>
+          </a:lnRef>
+          <a:fillRef idx="0">
+            <a:schemeClr val="accent1"/>
+          </a:fillRef>
+          <a:effectRef idx="0">
+            <a:schemeClr val="accent1"/>
+          </a:effectRef>
+          <a:fontRef idx="minor">
+            <a:schemeClr val="tx1"/>
+          </a:fontRef>
+        </p:style>
+      </p:cxnSp>
+      <p:pic>
+        <p:nvPicPr>
+          <p:cNvPr id="17" name="Image 19" descr="870x489_calendrier-mai-2018.jpg"/>
+          <p:cNvPicPr>
+            <a:picLocks noChangeAspect="1"/>
+          </p:cNvPicPr>
+          <p:nvPr/>
+        </p:nvPicPr>
+        <p:blipFill>
+          <a:blip r:embed="rId2" cstate="print">
+            <a:extLst>
+              <a:ext uri="{28A0092B-C50C-407E-A947-70E740481C1C}">
+                <a14:useLocalDpi xmlns:a14="http://schemas.microsoft.com/office/drawing/2010/main" val="0"/>
+              </a:ext>
+            </a:extLst>
+          </a:blip>
+          <a:srcRect/>
+          <a:stretch>
+            <a:fillRect/>
+          </a:stretch>
+        </p:blipFill>
+        <p:spPr bwMode="auto">
+          <a:xfrm>
+            <a:off x="720180" y="4988578"/>
+            <a:ext cx="3487276" cy="1663386"/>
+          </a:xfrm>
+          <a:prstGeom prst="rect">
+            <a:avLst/>
+          </a:prstGeom>
+          <a:noFill/>
+          <a:ln w="19050">
+            <a:solidFill>
+              <a:srgbClr val="000000"/>
+            </a:solidFill>
+            <a:miter lim="800000"/>
+            <a:headEnd/>
+            <a:tailEnd/>
+          </a:ln>
+          <a:extLst>
+            <a:ext uri="{909E8E84-426E-40DD-AFC4-6F175D3DCCD1}">
+              <a14:hiddenFill xmlns:a14="http://schemas.microsoft.com/office/drawing/2010/main">
+                <a:solidFill>
+                  <a:srgbClr val="FFFFFF"/>
+                </a:solidFill>
+              </a14:hiddenFill>
+            </a:ext>
+          </a:extLst>
+        </p:spPr>
+      </p:pic>
+      <p:sp>
+        <p:nvSpPr>
+          <p:cNvPr id="19" name="TextBox 18"/>
+          <p:cNvSpPr txBox="1"/>
+          <p:nvPr/>
+        </p:nvSpPr>
+        <p:spPr>
+          <a:xfrm>
+            <a:off x="720180" y="4143578"/>
+            <a:ext cx="3487277" cy="409973"/>
+          </a:xfrm>
+          <a:prstGeom prst="rect">
+            <a:avLst/>
+          </a:prstGeom>
+          <a:noFill/>
+        </p:spPr>
+        <p:txBody>
+          <a:bodyPr wrap="square" lIns="101206" tIns="50604" rIns="101206" bIns="50604" rtlCol="0">
+            <a:spAutoFit/>
+          </a:bodyPr>
+          <a:lstStyle/>
+          <a:p>
+            <a:pPr algn="ctr"/>
+            <a:r>
+              <a:rPr lang="fr-FR" b="1" dirty="0" smtClean="0">
+                <a:solidFill>
+                  <a:schemeClr val="bg1"/>
+                </a:solidFill>
+              </a:rPr>
+              <a:t>Calendrier</a:t>
+            </a:r>
+            <a:endParaRPr lang="en-US" b="1" dirty="0">
+              <a:solidFill>
+                <a:schemeClr val="bg1"/>
+              </a:solidFill>
+            </a:endParaRPr>
+          </a:p>
+        </p:txBody>
+      </p:sp>
+      <p:sp>
+        <p:nvSpPr>
+          <p:cNvPr id="8" name="Rounded Rectangle 7"/>
+          <p:cNvSpPr/>
+          <p:nvPr/>
+        </p:nvSpPr>
+        <p:spPr>
+          <a:xfrm>
+            <a:off x="720181" y="3071193"/>
+            <a:ext cx="3456384" cy="567063"/>
+          </a:xfrm>
+          <a:prstGeom prst="roundRect">
+            <a:avLst/>
+          </a:prstGeom>
+          <a:gradFill flip="none" rotWithShape="1">
+            <a:gsLst>
+              <a:gs pos="0">
+                <a:srgbClr val="FF0000">
+                  <a:shade val="30000"/>
+                  <a:satMod val="115000"/>
+                </a:srgbClr>
+              </a:gs>
+              <a:gs pos="50000">
+                <a:srgbClr val="FF0000">
+                  <a:shade val="67500"/>
+                  <a:satMod val="115000"/>
+                </a:srgbClr>
+              </a:gs>
+              <a:gs pos="100000">
+                <a:srgbClr val="FF0000">
+                  <a:shade val="100000"/>
+                  <a:satMod val="115000"/>
+                </a:srgbClr>
+              </a:gs>
+            </a:gsLst>
+            <a:path path="circle">
+              <a:fillToRect l="100000" t="100000"/>
+            </a:path>
+            <a:tileRect r="-100000" b="-100000"/>
+          </a:gradFill>
+          <a:ln>
+            <a:solidFill>
+              <a:srgbClr val="580000"/>
+            </a:solidFill>
+          </a:ln>
+        </p:spPr>
+        <p:style>
+          <a:lnRef idx="2">
+            <a:schemeClr val="accent1">
+              <a:shade val="50000"/>
+            </a:schemeClr>
+          </a:lnRef>
+          <a:fillRef idx="1">
+            <a:schemeClr val="accent1"/>
+          </a:fillRef>
+          <a:effectRef idx="0">
+            <a:schemeClr val="accent1"/>
+          </a:effectRef>
+          <a:fontRef idx="minor">
+            <a:schemeClr val="lt1"/>
+          </a:fontRef>
+        </p:style>
+        <p:txBody>
+          <a:bodyPr lIns="101206" tIns="50604" rIns="101206" bIns="50604" spcCol="0" rtlCol="0" anchor="ctr"/>
+          <a:lstStyle/>
+          <a:p>
+            <a:pPr algn="ctr"/>
+            <a:endParaRPr lang="en-GB"/>
+          </a:p>
+        </p:txBody>
+      </p:sp>
+      <p:sp>
+        <p:nvSpPr>
+          <p:cNvPr id="22" name="TextBox 21"/>
+          <p:cNvSpPr txBox="1"/>
+          <p:nvPr/>
+        </p:nvSpPr>
+        <p:spPr>
+          <a:xfrm>
+            <a:off x="792188" y="3160825"/>
+            <a:ext cx="3384376" cy="409973"/>
+          </a:xfrm>
+          <a:prstGeom prst="rect">
+            <a:avLst/>
+          </a:prstGeom>
+          <a:noFill/>
+        </p:spPr>
+        <p:txBody>
+          <a:bodyPr wrap="square" lIns="101206" tIns="50604" rIns="101206" bIns="50604" rtlCol="0">
+            <a:spAutoFit/>
+          </a:bodyPr>
+          <a:lstStyle/>
+          <a:p>
+            <a:pPr algn="ctr"/>
+            <a:r>
+              <a:rPr lang="fr-FR" b="1" dirty="0" err="1" smtClean="0">
+                <a:solidFill>
+                  <a:schemeClr val="bg1"/>
+                </a:solidFill>
+              </a:rPr>
+              <a:t>Déconexion</a:t>
+            </a:r>
+            <a:endParaRPr lang="en-US" b="1" dirty="0">
+              <a:solidFill>
+                <a:schemeClr val="bg1"/>
+              </a:solidFill>
+            </a:endParaRPr>
+          </a:p>
+        </p:txBody>
+      </p:sp>
+      <p:pic>
+        <p:nvPicPr>
+          <p:cNvPr id="37" name="Picture 36"/>
+          <p:cNvPicPr>
+            <a:picLocks noChangeAspect="1"/>
+          </p:cNvPicPr>
+          <p:nvPr/>
+        </p:nvPicPr>
+        <p:blipFill>
+          <a:blip r:embed="rId3" cstate="print">
+            <a:extLst>
+              <a:ext uri="{28A0092B-C50C-407E-A947-70E740481C1C}">
+                <a14:useLocalDpi xmlns:a14="http://schemas.microsoft.com/office/drawing/2010/main" val="0"/>
+              </a:ext>
+            </a:extLst>
+          </a:blip>
+          <a:stretch>
+            <a:fillRect/>
+          </a:stretch>
+        </p:blipFill>
+        <p:spPr>
+          <a:xfrm>
+            <a:off x="11334934" y="6120730"/>
+            <a:ext cx="2415091" cy="669025"/>
+          </a:xfrm>
+          <a:prstGeom prst="rect">
+            <a:avLst/>
+          </a:prstGeom>
+        </p:spPr>
+      </p:pic>
+      <p:graphicFrame>
+        <p:nvGraphicFramePr>
+          <p:cNvPr id="35" name="Table 34"/>
+          <p:cNvGraphicFramePr>
+            <a:graphicFrameLocks noGrp="1"/>
+          </p:cNvGraphicFramePr>
+          <p:nvPr>
+            <p:extLst>
+              <p:ext uri="{D42A27DB-BD31-4B8C-83A1-F6EECF244321}">
+                <p14:modId xmlns:p14="http://schemas.microsoft.com/office/powerpoint/2010/main" val="3037703003"/>
+              </p:ext>
+            </p:extLst>
+          </p:nvPr>
+        </p:nvGraphicFramePr>
+        <p:xfrm>
+          <a:off x="5472708" y="906276"/>
+          <a:ext cx="6696745" cy="3834963"/>
+        </p:xfrm>
+        <a:graphic>
+          <a:graphicData uri="http://schemas.openxmlformats.org/drawingml/2006/table">
+            <a:tbl>
+              <a:tblPr firstRow="1" bandRow="1">
+                <a:tableStyleId>{5C22544A-7EE6-4342-B048-85BDC9FD1C3A}</a:tableStyleId>
+              </a:tblPr>
+              <a:tblGrid>
+                <a:gridCol w="686040"/>
+                <a:gridCol w="2212090"/>
+                <a:gridCol w="1933074"/>
+                <a:gridCol w="1865541"/>
+              </a:tblGrid>
+              <a:tr h="370840">
+                <a:tc>
+                  <a:txBody>
+                    <a:bodyPr/>
+                    <a:lstStyle/>
+                    <a:p>
+                      <a:endParaRPr lang="en-GB" dirty="0"/>
+                    </a:p>
+                  </a:txBody>
+                  <a:tcPr/>
+                </a:tc>
+                <a:tc>
+                  <a:txBody>
+                    <a:bodyPr/>
+                    <a:lstStyle/>
+                    <a:p>
+                      <a:r>
+                        <a:rPr lang="en-GB" dirty="0" smtClean="0"/>
+                        <a:t>Jour</a:t>
+                      </a:r>
+                      <a:endParaRPr lang="en-GB" dirty="0"/>
+                    </a:p>
+                  </a:txBody>
+                  <a:tcPr/>
+                </a:tc>
+                <a:tc>
+                  <a:txBody>
+                    <a:bodyPr/>
+                    <a:lstStyle/>
+                    <a:p>
+                      <a:r>
+                        <a:rPr lang="en-GB" dirty="0" err="1" smtClean="0"/>
+                        <a:t>Heure</a:t>
+                      </a:r>
+                      <a:endParaRPr lang="en-GB" dirty="0"/>
+                    </a:p>
+                  </a:txBody>
+                  <a:tcPr/>
+                </a:tc>
+                <a:tc>
+                  <a:txBody>
+                    <a:bodyPr/>
+                    <a:lstStyle/>
+                    <a:p>
+                      <a:r>
+                        <a:rPr lang="en-GB" dirty="0" smtClean="0"/>
+                        <a:t>Nom et </a:t>
+                      </a:r>
+                      <a:r>
+                        <a:rPr lang="en-GB" dirty="0" err="1" smtClean="0"/>
+                        <a:t>prenom</a:t>
+                      </a:r>
+                      <a:endParaRPr lang="en-GB" dirty="0"/>
+                    </a:p>
+                  </a:txBody>
+                  <a:tcPr/>
+                </a:tc>
+              </a:tr>
+              <a:tr h="482163">
+                <a:tc>
+                  <a:txBody>
+                    <a:bodyPr/>
+                    <a:lstStyle/>
+                    <a:p>
+                      <a:endParaRPr lang="en-GB"/>
+                    </a:p>
+                  </a:txBody>
+                  <a:tcPr/>
+                </a:tc>
+                <a:tc>
+                  <a:txBody>
+                    <a:bodyPr/>
+                    <a:lstStyle/>
+                    <a:p>
+                      <a:r>
+                        <a:rPr lang="en-GB" sz="1600" dirty="0" smtClean="0"/>
+                        <a:t>12/05/2018</a:t>
+                      </a:r>
+                      <a:endParaRPr lang="en-GB" sz="1600" dirty="0"/>
+                    </a:p>
+                  </a:txBody>
+                  <a:tcPr/>
+                </a:tc>
+                <a:tc>
+                  <a:txBody>
+                    <a:bodyPr/>
+                    <a:lstStyle/>
+                    <a:p>
+                      <a:r>
+                        <a:rPr lang="en-GB" sz="1600" dirty="0" smtClean="0"/>
+                        <a:t>10h-12h</a:t>
+                      </a:r>
+                      <a:endParaRPr lang="en-GB" sz="1600" dirty="0"/>
+                    </a:p>
+                  </a:txBody>
+                  <a:tcPr/>
+                </a:tc>
+                <a:tc>
+                  <a:txBody>
+                    <a:bodyPr/>
+                    <a:lstStyle/>
+                    <a:p>
+                      <a:r>
+                        <a:rPr lang="en-GB" sz="1600" dirty="0" err="1" smtClean="0"/>
+                        <a:t>Majdi</a:t>
+                      </a:r>
+                      <a:r>
+                        <a:rPr lang="en-GB" sz="1600" dirty="0" smtClean="0"/>
+                        <a:t> </a:t>
+                      </a:r>
+                      <a:r>
+                        <a:rPr lang="en-GB" sz="1600" dirty="0" err="1" smtClean="0"/>
+                        <a:t>Lahsini</a:t>
+                      </a:r>
+                      <a:endParaRPr lang="en-GB" sz="1600" dirty="0"/>
+                    </a:p>
+                  </a:txBody>
+                  <a:tcPr/>
+                </a:tc>
+              </a:tr>
+              <a:tr h="370840">
+                <a:tc>
+                  <a:txBody>
+                    <a:bodyPr/>
+                    <a:lstStyle/>
+                    <a:p>
+                      <a:endParaRPr lang="en-GB" dirty="0"/>
+                    </a:p>
+                  </a:txBody>
+                  <a:tcPr/>
+                </a:tc>
+                <a:tc>
+                  <a:txBody>
+                    <a:bodyPr/>
+                    <a:lstStyle/>
+                    <a:p>
+                      <a:r>
+                        <a:rPr lang="en-GB" sz="1600" dirty="0" smtClean="0"/>
+                        <a:t>12/05/2018</a:t>
+                      </a:r>
+                      <a:endParaRPr lang="en-GB" sz="1600" dirty="0"/>
+                    </a:p>
+                  </a:txBody>
+                  <a:tcPr/>
+                </a:tc>
+                <a:tc>
+                  <a:txBody>
+                    <a:bodyPr/>
+                    <a:lstStyle/>
+                    <a:p>
+                      <a:r>
+                        <a:rPr lang="en-GB" sz="1600" dirty="0" smtClean="0"/>
+                        <a:t>10h-12h</a:t>
+                      </a:r>
+                      <a:endParaRPr lang="en-GB" sz="1600" dirty="0"/>
+                    </a:p>
+                  </a:txBody>
+                  <a:tcPr/>
+                </a:tc>
+                <a:tc>
+                  <a:txBody>
+                    <a:bodyPr/>
+                    <a:lstStyle/>
+                    <a:p>
+                      <a:r>
+                        <a:rPr lang="en-GB" sz="1600" dirty="0" smtClean="0"/>
+                        <a:t>Salma </a:t>
+                      </a:r>
+                      <a:r>
+                        <a:rPr lang="en-GB" sz="1600" dirty="0" err="1" smtClean="0"/>
+                        <a:t>Achour</a:t>
+                      </a:r>
+                      <a:endParaRPr lang="en-GB" sz="1600" dirty="0"/>
+                    </a:p>
+                  </a:txBody>
+                  <a:tcPr/>
+                </a:tc>
+              </a:tr>
+              <a:tr h="370840">
+                <a:tc>
+                  <a:txBody>
+                    <a:bodyPr/>
+                    <a:lstStyle/>
+                    <a:p>
+                      <a:endParaRPr lang="en-GB" dirty="0"/>
+                    </a:p>
+                  </a:txBody>
+                  <a:tcPr/>
+                </a:tc>
+                <a:tc>
+                  <a:txBody>
+                    <a:bodyPr/>
+                    <a:lstStyle/>
+                    <a:p>
+                      <a:r>
+                        <a:rPr lang="en-GB" sz="1600" dirty="0" smtClean="0"/>
+                        <a:t>12/05/2018</a:t>
+                      </a:r>
+                      <a:endParaRPr lang="en-GB" sz="1600" dirty="0"/>
+                    </a:p>
+                  </a:txBody>
+                  <a:tcPr/>
+                </a:tc>
+                <a:tc>
+                  <a:txBody>
+                    <a:bodyPr/>
+                    <a:lstStyle/>
+                    <a:p>
+                      <a:r>
+                        <a:rPr lang="en-GB" sz="1600" dirty="0" smtClean="0"/>
+                        <a:t>10h-12h</a:t>
+                      </a:r>
+                      <a:endParaRPr lang="en-GB" sz="1600" dirty="0"/>
+                    </a:p>
+                  </a:txBody>
+                  <a:tcPr/>
+                </a:tc>
+                <a:tc>
+                  <a:txBody>
+                    <a:bodyPr/>
+                    <a:lstStyle/>
+                    <a:p>
+                      <a:r>
+                        <a:rPr lang="en-GB" sz="1600" dirty="0" err="1" smtClean="0"/>
+                        <a:t>Koussay</a:t>
+                      </a:r>
+                      <a:r>
+                        <a:rPr lang="en-GB" sz="1600" dirty="0" smtClean="0"/>
+                        <a:t> </a:t>
+                      </a:r>
+                      <a:r>
+                        <a:rPr lang="en-GB" sz="1600" dirty="0" err="1" smtClean="0"/>
+                        <a:t>Lahsini:p</a:t>
+                      </a:r>
+                      <a:endParaRPr lang="en-GB" sz="1600" dirty="0"/>
+                    </a:p>
+                  </a:txBody>
+                  <a:tcPr/>
+                </a:tc>
+              </a:tr>
+              <a:tr h="370840">
+                <a:tc>
+                  <a:txBody>
+                    <a:bodyPr/>
+                    <a:lstStyle/>
+                    <a:p>
+                      <a:endParaRPr lang="en-GB" dirty="0"/>
+                    </a:p>
+                  </a:txBody>
+                  <a:tcPr/>
+                </a:tc>
+                <a:tc>
+                  <a:txBody>
+                    <a:bodyPr/>
+                    <a:lstStyle/>
+                    <a:p>
+                      <a:r>
+                        <a:rPr lang="en-GB" sz="1600" dirty="0" smtClean="0"/>
+                        <a:t>12/05/2018</a:t>
+                      </a:r>
+                      <a:endParaRPr lang="en-GB" sz="1600" dirty="0"/>
+                    </a:p>
+                  </a:txBody>
+                  <a:tcPr/>
+                </a:tc>
+                <a:tc>
+                  <a:txBody>
+                    <a:bodyPr/>
+                    <a:lstStyle/>
+                    <a:p>
+                      <a:r>
+                        <a:rPr lang="en-GB" sz="1600" dirty="0" smtClean="0"/>
+                        <a:t>10h-12h</a:t>
+                      </a:r>
+                      <a:endParaRPr lang="en-GB" sz="1600" dirty="0"/>
+                    </a:p>
+                  </a:txBody>
+                  <a:tcPr/>
+                </a:tc>
+                <a:tc>
+                  <a:txBody>
+                    <a:bodyPr/>
+                    <a:lstStyle/>
+                    <a:p>
+                      <a:r>
+                        <a:rPr lang="en-GB" sz="1600" dirty="0" err="1" smtClean="0"/>
+                        <a:t>Radhwen</a:t>
+                      </a:r>
+                      <a:r>
+                        <a:rPr lang="en-GB" sz="1600" dirty="0" smtClean="0"/>
+                        <a:t> </a:t>
+                      </a:r>
+                      <a:r>
+                        <a:rPr lang="en-GB" sz="1600" dirty="0" err="1" smtClean="0"/>
+                        <a:t>Shaier</a:t>
+                      </a:r>
+                      <a:endParaRPr lang="en-GB" sz="1600" dirty="0"/>
+                    </a:p>
+                  </a:txBody>
+                  <a:tcPr/>
+                </a:tc>
+              </a:tr>
+              <a:tr h="370840">
+                <a:tc>
+                  <a:txBody>
+                    <a:bodyPr/>
+                    <a:lstStyle/>
+                    <a:p>
+                      <a:endParaRPr lang="en-GB" dirty="0"/>
+                    </a:p>
+                  </a:txBody>
+                  <a:tcPr/>
+                </a:tc>
+                <a:tc>
+                  <a:txBody>
+                    <a:bodyPr/>
+                    <a:lstStyle/>
+                    <a:p>
+                      <a:r>
+                        <a:rPr lang="en-GB" sz="1600" dirty="0" smtClean="0"/>
+                        <a:t>12/05/2018</a:t>
+                      </a:r>
+                      <a:endParaRPr lang="en-GB" sz="1600" dirty="0"/>
+                    </a:p>
+                  </a:txBody>
+                  <a:tcPr/>
+                </a:tc>
+                <a:tc>
+                  <a:txBody>
+                    <a:bodyPr/>
+                    <a:lstStyle/>
+                    <a:p>
+                      <a:r>
+                        <a:rPr lang="en-GB" sz="1600" dirty="0" smtClean="0"/>
+                        <a:t>10h-12h</a:t>
+                      </a:r>
+                      <a:endParaRPr lang="en-GB" sz="1600" dirty="0"/>
+                    </a:p>
+                  </a:txBody>
+                  <a:tcPr/>
+                </a:tc>
+                <a:tc>
+                  <a:txBody>
+                    <a:bodyPr/>
+                    <a:lstStyle/>
+                    <a:p>
+                      <a:r>
+                        <a:rPr lang="en-GB" sz="1600" dirty="0" err="1" smtClean="0"/>
+                        <a:t>Aymen</a:t>
+                      </a:r>
+                      <a:r>
+                        <a:rPr lang="en-GB" sz="1600" baseline="0" dirty="0" smtClean="0"/>
+                        <a:t> </a:t>
+                      </a:r>
+                      <a:r>
+                        <a:rPr lang="en-GB" sz="1600" baseline="0" dirty="0" err="1" smtClean="0"/>
+                        <a:t>Slimene</a:t>
+                      </a:r>
+                      <a:endParaRPr lang="en-GB" sz="1600" dirty="0"/>
+                    </a:p>
+                  </a:txBody>
+                  <a:tcPr/>
+                </a:tc>
+              </a:tr>
+              <a:tr h="370840">
+                <a:tc>
+                  <a:txBody>
+                    <a:bodyPr/>
+                    <a:lstStyle/>
+                    <a:p>
+                      <a:endParaRPr lang="en-GB" dirty="0"/>
+                    </a:p>
+                  </a:txBody>
+                  <a:tcPr/>
+                </a:tc>
+                <a:tc>
+                  <a:txBody>
+                    <a:bodyPr/>
+                    <a:lstStyle/>
+                    <a:p>
+                      <a:r>
+                        <a:rPr lang="en-GB" sz="1600" dirty="0" smtClean="0"/>
+                        <a:t>12/05/2018</a:t>
+                      </a:r>
+                      <a:endParaRPr lang="en-GB" sz="1600" dirty="0"/>
+                    </a:p>
+                  </a:txBody>
+                  <a:tcPr/>
+                </a:tc>
+                <a:tc>
+                  <a:txBody>
+                    <a:bodyPr/>
+                    <a:lstStyle/>
+                    <a:p>
+                      <a:r>
+                        <a:rPr lang="en-GB" sz="1600" dirty="0" smtClean="0"/>
+                        <a:t>10h-12h</a:t>
+                      </a:r>
+                      <a:endParaRPr lang="en-GB" sz="1600" dirty="0"/>
+                    </a:p>
+                  </a:txBody>
+                  <a:tcPr/>
+                </a:tc>
+                <a:tc>
+                  <a:txBody>
+                    <a:bodyPr/>
+                    <a:lstStyle/>
+                    <a:p>
+                      <a:r>
+                        <a:rPr lang="en-GB" sz="1600" dirty="0" err="1" smtClean="0"/>
+                        <a:t>Amira</a:t>
+                      </a:r>
+                      <a:r>
+                        <a:rPr lang="en-GB" sz="1600" dirty="0" smtClean="0"/>
+                        <a:t> </a:t>
+                      </a:r>
+                      <a:r>
+                        <a:rPr lang="en-GB" sz="1600" dirty="0" err="1" smtClean="0"/>
+                        <a:t>Lahsini</a:t>
+                      </a:r>
+                      <a:endParaRPr lang="en-GB" sz="1600" dirty="0"/>
+                    </a:p>
+                  </a:txBody>
+                  <a:tcPr/>
+                </a:tc>
+              </a:tr>
+              <a:tr h="410635">
+                <a:tc>
+                  <a:txBody>
+                    <a:bodyPr/>
+                    <a:lstStyle/>
+                    <a:p>
+                      <a:endParaRPr lang="en-GB"/>
+                    </a:p>
+                  </a:txBody>
+                  <a:tcPr/>
+                </a:tc>
+                <a:tc>
+                  <a:txBody>
+                    <a:bodyPr/>
+                    <a:lstStyle/>
+                    <a:p>
+                      <a:pPr marL="0" marR="0" indent="0" algn="l" defTabSz="1012063" rtl="0" eaLnBrk="1" fontAlgn="auto" latinLnBrk="0" hangingPunct="1">
+                        <a:lnSpc>
+                          <a:spcPct val="100000"/>
+                        </a:lnSpc>
+                        <a:spcBef>
+                          <a:spcPts val="0"/>
+                        </a:spcBef>
+                        <a:spcAft>
+                          <a:spcPts val="0"/>
+                        </a:spcAft>
+                        <a:buClrTx/>
+                        <a:buSzTx/>
+                        <a:buFontTx/>
+                        <a:buNone/>
+                        <a:tabLst/>
+                        <a:defRPr/>
+                      </a:pPr>
+                      <a:r>
+                        <a:rPr lang="en-GB" sz="1600" dirty="0" smtClean="0"/>
+                        <a:t>13/05/2018</a:t>
+                      </a:r>
+                    </a:p>
+                    <a:p>
+                      <a:endParaRPr lang="en-GB" sz="1600" dirty="0"/>
+                    </a:p>
+                  </a:txBody>
+                  <a:tcPr/>
+                </a:tc>
+                <a:tc>
+                  <a:txBody>
+                    <a:bodyPr/>
+                    <a:lstStyle/>
+                    <a:p>
+                      <a:r>
+                        <a:rPr lang="en-GB" sz="1600" dirty="0" smtClean="0"/>
+                        <a:t>15h-18h</a:t>
+                      </a:r>
+                      <a:endParaRPr lang="en-GB" sz="1600" dirty="0"/>
+                    </a:p>
+                  </a:txBody>
+                  <a:tcPr/>
+                </a:tc>
+                <a:tc>
+                  <a:txBody>
+                    <a:bodyPr/>
+                    <a:lstStyle/>
+                    <a:p>
+                      <a:r>
+                        <a:rPr lang="en-GB" sz="1600" smtClean="0"/>
+                        <a:t>Mohamed</a:t>
+                      </a:r>
+                      <a:endParaRPr lang="en-GB" sz="1600" dirty="0"/>
+                    </a:p>
+                  </a:txBody>
+                  <a:tcPr/>
+                </a:tc>
+              </a:tr>
+              <a:tr h="370840">
+                <a:tc>
+                  <a:txBody>
+                    <a:bodyPr/>
+                    <a:lstStyle/>
+                    <a:p>
+                      <a:endParaRPr lang="en-GB"/>
+                    </a:p>
+                  </a:txBody>
+                  <a:tcPr/>
+                </a:tc>
+                <a:tc>
+                  <a:txBody>
+                    <a:bodyPr/>
+                    <a:lstStyle/>
+                    <a:p>
+                      <a:endParaRPr lang="en-GB" sz="1600" dirty="0"/>
+                    </a:p>
+                  </a:txBody>
+                  <a:tcPr/>
+                </a:tc>
+                <a:tc>
+                  <a:txBody>
+                    <a:bodyPr/>
+                    <a:lstStyle/>
+                    <a:p>
+                      <a:endParaRPr lang="en-GB" sz="1600" dirty="0"/>
+                    </a:p>
+                  </a:txBody>
+                  <a:tcPr/>
+                </a:tc>
+                <a:tc>
+                  <a:txBody>
+                    <a:bodyPr/>
+                    <a:lstStyle/>
+                    <a:p>
+                      <a:endParaRPr lang="en-GB" sz="1600" dirty="0"/>
+                    </a:p>
+                  </a:txBody>
+                  <a:tcPr/>
+                </a:tc>
+              </a:tr>
+            </a:tbl>
+          </a:graphicData>
+        </a:graphic>
+      </p:graphicFrame>
+    </p:spTree>
+    <p:extLst>
+      <p:ext uri="{BB962C8B-B14F-4D97-AF65-F5344CB8AC3E}">
+        <p14:creationId xmlns:p14="http://schemas.microsoft.com/office/powerpoint/2010/main" val="3052686444"/>
       </p:ext>
     </p:extLst>
   </p:cSld>
